--- a/teaching/ITIS6200/2023fa/lectures/Sep.5.syllabus.update.pptx
+++ b/teaching/ITIS6200/2023fa/lectures/Sep.5.syllabus.update.pptx
@@ -5,10 +5,15 @@
     <p:sldMasterId id="2147483663" r:id="rId1"/>
   </p:sldMasterIdLst>
   <p:notesMasterIdLst>
-    <p:notesMasterId r:id="rId3"/>
+    <p:notesMasterId r:id="rId8"/>
   </p:notesMasterIdLst>
   <p:sldIdLst>
     <p:sldId id="257" r:id="rId2"/>
+    <p:sldId id="258" r:id="rId3"/>
+    <p:sldId id="259" r:id="rId4"/>
+    <p:sldId id="261" r:id="rId5"/>
+    <p:sldId id="262" r:id="rId6"/>
+    <p:sldId id="263" r:id="rId7"/>
   </p:sldIdLst>
   <p:sldSz cx="9144000" cy="5143500" type="screen16x9"/>
   <p:notesSz cx="6858000" cy="9144000"/>
@@ -798,6 +803,662 @@
         </p:txBody>
       </p:sp>
     </p:spTree>
+  </p:cSld>
+  <p:clrMapOvr>
+    <a:masterClrMapping/>
+  </p:clrMapOvr>
+</p:notes>
+</file>
+
+<file path=ppt/notesSlides/notesSlide2.xml><?xml version="1.0" encoding="utf-8"?>
+<p:notes xmlns:a="http://schemas.openxmlformats.org/drawingml/2006/main" xmlns:r="http://schemas.openxmlformats.org/officeDocument/2006/relationships" xmlns:p="http://schemas.openxmlformats.org/presentationml/2006/main" showMasterSp="0" showMasterPhAnim="0">
+  <p:cSld>
+    <p:spTree>
+      <p:nvGrpSpPr>
+        <p:cNvPr id="1" name="Shape 75"/>
+        <p:cNvGrpSpPr/>
+        <p:nvPr/>
+      </p:nvGrpSpPr>
+      <p:grpSpPr>
+        <a:xfrm>
+          <a:off x="0" y="0"/>
+          <a:ext cx="0" cy="0"/>
+          <a:chOff x="0" y="0"/>
+          <a:chExt cx="0" cy="0"/>
+        </a:xfrm>
+      </p:grpSpPr>
+      <p:sp>
+        <p:nvSpPr>
+          <p:cNvPr id="76" name="Google Shape;76;g1139d5a3aa1_0_3:notes"/>
+          <p:cNvSpPr>
+            <a:spLocks noGrp="1" noRot="1" noChangeAspect="1"/>
+          </p:cNvSpPr>
+          <p:nvPr>
+            <p:ph type="sldImg" idx="2"/>
+          </p:nvPr>
+        </p:nvSpPr>
+        <p:spPr>
+          <a:xfrm>
+            <a:off x="381000" y="685800"/>
+            <a:ext cx="6096000" cy="3429000"/>
+          </a:xfrm>
+          <a:custGeom>
+            <a:avLst/>
+            <a:gdLst/>
+            <a:ahLst/>
+            <a:cxnLst/>
+            <a:rect l="l" t="t" r="r" b="b"/>
+            <a:pathLst>
+              <a:path w="120000" h="120000" extrusionOk="0">
+                <a:moveTo>
+                  <a:pt x="0" y="0"/>
+                </a:moveTo>
+                <a:lnTo>
+                  <a:pt x="120000" y="0"/>
+                </a:lnTo>
+                <a:lnTo>
+                  <a:pt x="120000" y="120000"/>
+                </a:lnTo>
+                <a:lnTo>
+                  <a:pt x="0" y="120000"/>
+                </a:lnTo>
+                <a:close/>
+              </a:path>
+            </a:pathLst>
+          </a:custGeom>
+        </p:spPr>
+      </p:sp>
+      <p:sp>
+        <p:nvSpPr>
+          <p:cNvPr id="77" name="Google Shape;77;g1139d5a3aa1_0_3:notes"/>
+          <p:cNvSpPr txBox="1">
+            <a:spLocks noGrp="1"/>
+          </p:cNvSpPr>
+          <p:nvPr>
+            <p:ph type="body" idx="1"/>
+          </p:nvPr>
+        </p:nvSpPr>
+        <p:spPr>
+          <a:xfrm>
+            <a:off x="685800" y="4343400"/>
+            <a:ext cx="5486400" cy="4114800"/>
+          </a:xfrm>
+          <a:prstGeom prst="rect">
+            <a:avLst/>
+          </a:prstGeom>
+        </p:spPr>
+        <p:txBody>
+          <a:bodyPr spcFirstLastPara="1" wrap="square" lIns="91425" tIns="91425" rIns="91425" bIns="91425" anchor="t" anchorCtr="0">
+            <a:noAutofit/>
+          </a:bodyPr>
+          <a:lstStyle/>
+          <a:p>
+            <a:pPr marL="0" lvl="0" indent="0" algn="l" rtl="0">
+              <a:spcBef>
+                <a:spcPts val="0"/>
+              </a:spcBef>
+              <a:spcAft>
+                <a:spcPts val="0"/>
+              </a:spcAft>
+              <a:buNone/>
+            </a:pPr>
+            <a:endParaRPr/>
+          </a:p>
+        </p:txBody>
+      </p:sp>
+    </p:spTree>
+    <p:extLst>
+      <p:ext uri="{BB962C8B-B14F-4D97-AF65-F5344CB8AC3E}">
+        <p14:creationId xmlns:p14="http://schemas.microsoft.com/office/powerpoint/2010/main" val="2619743359"/>
+      </p:ext>
+    </p:extLst>
+  </p:cSld>
+  <p:clrMapOvr>
+    <a:masterClrMapping/>
+  </p:clrMapOvr>
+</p:notes>
+</file>
+
+<file path=ppt/notesSlides/notesSlide3.xml><?xml version="1.0" encoding="utf-8"?>
+<p:notes xmlns:a="http://schemas.openxmlformats.org/drawingml/2006/main" xmlns:r="http://schemas.openxmlformats.org/officeDocument/2006/relationships" xmlns:p="http://schemas.openxmlformats.org/presentationml/2006/main" showMasterSp="0" showMasterPhAnim="0">
+  <p:cSld>
+    <p:spTree>
+      <p:nvGrpSpPr>
+        <p:cNvPr id="1" name="Shape 75"/>
+        <p:cNvGrpSpPr/>
+        <p:nvPr/>
+      </p:nvGrpSpPr>
+      <p:grpSpPr>
+        <a:xfrm>
+          <a:off x="0" y="0"/>
+          <a:ext cx="0" cy="0"/>
+          <a:chOff x="0" y="0"/>
+          <a:chExt cx="0" cy="0"/>
+        </a:xfrm>
+      </p:grpSpPr>
+      <p:sp>
+        <p:nvSpPr>
+          <p:cNvPr id="76" name="Google Shape;76;g1139d5a3aa1_0_3:notes"/>
+          <p:cNvSpPr>
+            <a:spLocks noGrp="1" noRot="1" noChangeAspect="1"/>
+          </p:cNvSpPr>
+          <p:nvPr>
+            <p:ph type="sldImg" idx="2"/>
+          </p:nvPr>
+        </p:nvSpPr>
+        <p:spPr>
+          <a:xfrm>
+            <a:off x="381000" y="685800"/>
+            <a:ext cx="6096000" cy="3429000"/>
+          </a:xfrm>
+          <a:custGeom>
+            <a:avLst/>
+            <a:gdLst/>
+            <a:ahLst/>
+            <a:cxnLst/>
+            <a:rect l="l" t="t" r="r" b="b"/>
+            <a:pathLst>
+              <a:path w="120000" h="120000" extrusionOk="0">
+                <a:moveTo>
+                  <a:pt x="0" y="0"/>
+                </a:moveTo>
+                <a:lnTo>
+                  <a:pt x="120000" y="0"/>
+                </a:lnTo>
+                <a:lnTo>
+                  <a:pt x="120000" y="120000"/>
+                </a:lnTo>
+                <a:lnTo>
+                  <a:pt x="0" y="120000"/>
+                </a:lnTo>
+                <a:close/>
+              </a:path>
+            </a:pathLst>
+          </a:custGeom>
+        </p:spPr>
+      </p:sp>
+      <p:sp>
+        <p:nvSpPr>
+          <p:cNvPr id="77" name="Google Shape;77;g1139d5a3aa1_0_3:notes"/>
+          <p:cNvSpPr txBox="1">
+            <a:spLocks noGrp="1"/>
+          </p:cNvSpPr>
+          <p:nvPr>
+            <p:ph type="body" idx="1"/>
+          </p:nvPr>
+        </p:nvSpPr>
+        <p:spPr>
+          <a:xfrm>
+            <a:off x="685800" y="4343400"/>
+            <a:ext cx="5486400" cy="4114800"/>
+          </a:xfrm>
+          <a:prstGeom prst="rect">
+            <a:avLst/>
+          </a:prstGeom>
+        </p:spPr>
+        <p:txBody>
+          <a:bodyPr spcFirstLastPara="1" wrap="square" lIns="91425" tIns="91425" rIns="91425" bIns="91425" anchor="t" anchorCtr="0">
+            <a:noAutofit/>
+          </a:bodyPr>
+          <a:lstStyle/>
+          <a:p>
+            <a:pPr lvl="1" indent="-342900">
+              <a:buSzPts val="1800"/>
+              <a:buChar char="●"/>
+            </a:pPr>
+            <a:r>
+              <a:rPr lang="en-US" sz="1100" dirty="0"/>
+              <a:t>Course materials are allowed. No generative AI allowed, e.g., </a:t>
+            </a:r>
+            <a:r>
+              <a:rPr lang="en-US" sz="1100" dirty="0" err="1"/>
+              <a:t>ChatGPT</a:t>
+            </a:r>
+            <a:endParaRPr lang="en-US" sz="1100" dirty="0"/>
+          </a:p>
+          <a:p>
+            <a:pPr lvl="1" indent="-342900">
+              <a:buSzPts val="1800"/>
+              <a:buChar char="●"/>
+            </a:pPr>
+            <a:r>
+              <a:rPr lang="en-US" sz="1100" dirty="0"/>
+              <a:t>For whatever resources you have used, citations are important. They need to be clear and relevant</a:t>
+            </a:r>
+          </a:p>
+          <a:p>
+            <a:pPr marL="0" lvl="0" indent="0" algn="l" rtl="0">
+              <a:spcBef>
+                <a:spcPts val="0"/>
+              </a:spcBef>
+              <a:spcAft>
+                <a:spcPts val="0"/>
+              </a:spcAft>
+              <a:buNone/>
+            </a:pPr>
+            <a:endParaRPr dirty="0"/>
+          </a:p>
+        </p:txBody>
+      </p:sp>
+    </p:spTree>
+    <p:extLst>
+      <p:ext uri="{BB962C8B-B14F-4D97-AF65-F5344CB8AC3E}">
+        <p14:creationId xmlns:p14="http://schemas.microsoft.com/office/powerpoint/2010/main" val="311885901"/>
+      </p:ext>
+    </p:extLst>
+  </p:cSld>
+  <p:clrMapOvr>
+    <a:masterClrMapping/>
+  </p:clrMapOvr>
+</p:notes>
+</file>
+
+<file path=ppt/notesSlides/notesSlide4.xml><?xml version="1.0" encoding="utf-8"?>
+<p:notes xmlns:a="http://schemas.openxmlformats.org/drawingml/2006/main" xmlns:r="http://schemas.openxmlformats.org/officeDocument/2006/relationships" xmlns:p="http://schemas.openxmlformats.org/presentationml/2006/main" showMasterSp="0" showMasterPhAnim="0">
+  <p:cSld>
+    <p:spTree>
+      <p:nvGrpSpPr>
+        <p:cNvPr id="1" name="Shape 75"/>
+        <p:cNvGrpSpPr/>
+        <p:nvPr/>
+      </p:nvGrpSpPr>
+      <p:grpSpPr>
+        <a:xfrm>
+          <a:off x="0" y="0"/>
+          <a:ext cx="0" cy="0"/>
+          <a:chOff x="0" y="0"/>
+          <a:chExt cx="0" cy="0"/>
+        </a:xfrm>
+      </p:grpSpPr>
+      <p:sp>
+        <p:nvSpPr>
+          <p:cNvPr id="76" name="Google Shape;76;g1139d5a3aa1_0_3:notes"/>
+          <p:cNvSpPr>
+            <a:spLocks noGrp="1" noRot="1" noChangeAspect="1"/>
+          </p:cNvSpPr>
+          <p:nvPr>
+            <p:ph type="sldImg" idx="2"/>
+          </p:nvPr>
+        </p:nvSpPr>
+        <p:spPr>
+          <a:xfrm>
+            <a:off x="381000" y="685800"/>
+            <a:ext cx="6096000" cy="3429000"/>
+          </a:xfrm>
+          <a:custGeom>
+            <a:avLst/>
+            <a:gdLst/>
+            <a:ahLst/>
+            <a:cxnLst/>
+            <a:rect l="l" t="t" r="r" b="b"/>
+            <a:pathLst>
+              <a:path w="120000" h="120000" extrusionOk="0">
+                <a:moveTo>
+                  <a:pt x="0" y="0"/>
+                </a:moveTo>
+                <a:lnTo>
+                  <a:pt x="120000" y="0"/>
+                </a:lnTo>
+                <a:lnTo>
+                  <a:pt x="120000" y="120000"/>
+                </a:lnTo>
+                <a:lnTo>
+                  <a:pt x="0" y="120000"/>
+                </a:lnTo>
+                <a:close/>
+              </a:path>
+            </a:pathLst>
+          </a:custGeom>
+        </p:spPr>
+      </p:sp>
+      <p:sp>
+        <p:nvSpPr>
+          <p:cNvPr id="77" name="Google Shape;77;g1139d5a3aa1_0_3:notes"/>
+          <p:cNvSpPr txBox="1">
+            <a:spLocks noGrp="1"/>
+          </p:cNvSpPr>
+          <p:nvPr>
+            <p:ph type="body" idx="1"/>
+          </p:nvPr>
+        </p:nvSpPr>
+        <p:spPr>
+          <a:xfrm>
+            <a:off x="685800" y="4343400"/>
+            <a:ext cx="5486400" cy="4114800"/>
+          </a:xfrm>
+          <a:prstGeom prst="rect">
+            <a:avLst/>
+          </a:prstGeom>
+        </p:spPr>
+        <p:txBody>
+          <a:bodyPr spcFirstLastPara="1" wrap="square" lIns="91425" tIns="91425" rIns="91425" bIns="91425" anchor="t" anchorCtr="0">
+            <a:noAutofit/>
+          </a:bodyPr>
+          <a:lstStyle/>
+          <a:p>
+            <a:pPr marL="0" lvl="0" indent="0" algn="l" rtl="0">
+              <a:spcBef>
+                <a:spcPts val="0"/>
+              </a:spcBef>
+              <a:spcAft>
+                <a:spcPts val="0"/>
+              </a:spcAft>
+              <a:buNone/>
+            </a:pPr>
+            <a:endParaRPr/>
+          </a:p>
+        </p:txBody>
+      </p:sp>
+    </p:spTree>
+    <p:extLst>
+      <p:ext uri="{BB962C8B-B14F-4D97-AF65-F5344CB8AC3E}">
+        <p14:creationId xmlns:p14="http://schemas.microsoft.com/office/powerpoint/2010/main" val="412730757"/>
+      </p:ext>
+    </p:extLst>
+  </p:cSld>
+  <p:clrMapOvr>
+    <a:masterClrMapping/>
+  </p:clrMapOvr>
+</p:notes>
+</file>
+
+<file path=ppt/notesSlides/notesSlide5.xml><?xml version="1.0" encoding="utf-8"?>
+<p:notes xmlns:a="http://schemas.openxmlformats.org/drawingml/2006/main" xmlns:r="http://schemas.openxmlformats.org/officeDocument/2006/relationships" xmlns:p="http://schemas.openxmlformats.org/presentationml/2006/main" showMasterSp="0" showMasterPhAnim="0">
+  <p:cSld>
+    <p:spTree>
+      <p:nvGrpSpPr>
+        <p:cNvPr id="1" name="Shape 75"/>
+        <p:cNvGrpSpPr/>
+        <p:nvPr/>
+      </p:nvGrpSpPr>
+      <p:grpSpPr>
+        <a:xfrm>
+          <a:off x="0" y="0"/>
+          <a:ext cx="0" cy="0"/>
+          <a:chOff x="0" y="0"/>
+          <a:chExt cx="0" cy="0"/>
+        </a:xfrm>
+      </p:grpSpPr>
+      <p:sp>
+        <p:nvSpPr>
+          <p:cNvPr id="76" name="Google Shape;76;g1139d5a3aa1_0_3:notes"/>
+          <p:cNvSpPr>
+            <a:spLocks noGrp="1" noRot="1" noChangeAspect="1"/>
+          </p:cNvSpPr>
+          <p:nvPr>
+            <p:ph type="sldImg" idx="2"/>
+          </p:nvPr>
+        </p:nvSpPr>
+        <p:spPr>
+          <a:xfrm>
+            <a:off x="381000" y="685800"/>
+            <a:ext cx="6096000" cy="3429000"/>
+          </a:xfrm>
+          <a:custGeom>
+            <a:avLst/>
+            <a:gdLst/>
+            <a:ahLst/>
+            <a:cxnLst/>
+            <a:rect l="l" t="t" r="r" b="b"/>
+            <a:pathLst>
+              <a:path w="120000" h="120000" extrusionOk="0">
+                <a:moveTo>
+                  <a:pt x="0" y="0"/>
+                </a:moveTo>
+                <a:lnTo>
+                  <a:pt x="120000" y="0"/>
+                </a:lnTo>
+                <a:lnTo>
+                  <a:pt x="120000" y="120000"/>
+                </a:lnTo>
+                <a:lnTo>
+                  <a:pt x="0" y="120000"/>
+                </a:lnTo>
+                <a:close/>
+              </a:path>
+            </a:pathLst>
+          </a:custGeom>
+        </p:spPr>
+      </p:sp>
+      <p:sp>
+        <p:nvSpPr>
+          <p:cNvPr id="77" name="Google Shape;77;g1139d5a3aa1_0_3:notes"/>
+          <p:cNvSpPr txBox="1">
+            <a:spLocks noGrp="1"/>
+          </p:cNvSpPr>
+          <p:nvPr>
+            <p:ph type="body" idx="1"/>
+          </p:nvPr>
+        </p:nvSpPr>
+        <p:spPr>
+          <a:xfrm>
+            <a:off x="685800" y="4343400"/>
+            <a:ext cx="5486400" cy="4114800"/>
+          </a:xfrm>
+          <a:prstGeom prst="rect">
+            <a:avLst/>
+          </a:prstGeom>
+        </p:spPr>
+        <p:txBody>
+          <a:bodyPr spcFirstLastPara="1" wrap="square" lIns="91425" tIns="91425" rIns="91425" bIns="91425" anchor="t" anchorCtr="0">
+            <a:noAutofit/>
+          </a:bodyPr>
+          <a:lstStyle/>
+          <a:p>
+            <a:pPr marL="1371600" lvl="3"/>
+            <a:endParaRPr lang="en-US" dirty="0"/>
+          </a:p>
+          <a:p>
+            <a:pPr marL="1600200" lvl="3" indent="-228600">
+              <a:buFont typeface="Arial" panose="020B0604020202020204" pitchFamily="34" charset="0"/>
+              <a:buChar char="•"/>
+            </a:pPr>
+            <a:r>
+              <a:rPr lang="en-US" dirty="0">
+                <a:effectLst/>
+                <a:latin typeface="Helvetica Neue" panose="02000503000000020004" pitchFamily="2" charset="0"/>
+              </a:rPr>
+              <a:t>ITIS 5331 - Web-Based Mobile and IoT Firmware Security (3)</a:t>
+            </a:r>
+          </a:p>
+          <a:p>
+            <a:pPr marL="1600200" lvl="3" indent="-228600">
+              <a:buFont typeface="Arial" panose="020B0604020202020204" pitchFamily="34" charset="0"/>
+              <a:buChar char="•"/>
+            </a:pPr>
+            <a:r>
+              <a:rPr lang="en-US" dirty="0">
+                <a:effectLst/>
+                <a:latin typeface="Helvetica Neue" panose="02000503000000020004" pitchFamily="2" charset="0"/>
+              </a:rPr>
+              <a:t>ITIS 6210 - Access Control and Security Architecture (3)</a:t>
+            </a:r>
+          </a:p>
+          <a:p>
+            <a:pPr marL="1600200" lvl="3" indent="-228600">
+              <a:buFont typeface="Arial" panose="020B0604020202020204" pitchFamily="34" charset="0"/>
+              <a:buChar char="•"/>
+            </a:pPr>
+            <a:r>
+              <a:rPr lang="en-US" dirty="0">
+                <a:effectLst/>
+                <a:latin typeface="Helvetica Neue" panose="02000503000000020004" pitchFamily="2" charset="0"/>
+              </a:rPr>
+              <a:t>ITIS 6220 - Data Privacy (3)</a:t>
+            </a:r>
+          </a:p>
+          <a:p>
+            <a:pPr marL="1600200" lvl="3" indent="-228600">
+              <a:buFont typeface="Arial" panose="020B0604020202020204" pitchFamily="34" charset="0"/>
+              <a:buChar char="•"/>
+            </a:pPr>
+            <a:r>
+              <a:rPr lang="en-US" dirty="0">
+                <a:effectLst/>
+                <a:latin typeface="Helvetica Neue" panose="02000503000000020004" pitchFamily="2" charset="0"/>
+              </a:rPr>
+              <a:t>ITIS 6330 - Malware Analysis (3)</a:t>
+            </a:r>
+          </a:p>
+          <a:p>
+            <a:pPr marL="1600200" lvl="3" indent="-228600">
+              <a:buFont typeface="Arial" panose="020B0604020202020204" pitchFamily="34" charset="0"/>
+              <a:buChar char="•"/>
+            </a:pPr>
+            <a:r>
+              <a:rPr lang="en-US" dirty="0">
+                <a:effectLst/>
+                <a:latin typeface="Helvetica Neue" panose="02000503000000020004" pitchFamily="2" charset="0"/>
+              </a:rPr>
+              <a:t>ITIS 6362 - Information Technology Ethics, Policy, and Security</a:t>
+            </a:r>
+          </a:p>
+          <a:p>
+            <a:pPr marL="1600200" lvl="3" indent="-228600">
+              <a:buFont typeface="Arial" panose="020B0604020202020204" pitchFamily="34" charset="0"/>
+              <a:buChar char="•"/>
+            </a:pPr>
+            <a:r>
+              <a:rPr lang="en-US" dirty="0">
+                <a:effectLst/>
+                <a:latin typeface="Helvetica Neue" panose="02000503000000020004" pitchFamily="2" charset="0"/>
+              </a:rPr>
+              <a:t>ITIS 6420 - Usable Security and Privacy</a:t>
+            </a:r>
+          </a:p>
+          <a:p>
+            <a:pPr marL="0" lvl="0" indent="0" algn="l" rtl="0">
+              <a:spcBef>
+                <a:spcPts val="0"/>
+              </a:spcBef>
+              <a:spcAft>
+                <a:spcPts val="0"/>
+              </a:spcAft>
+              <a:buNone/>
+            </a:pPr>
+            <a:endParaRPr dirty="0"/>
+          </a:p>
+        </p:txBody>
+      </p:sp>
+    </p:spTree>
+    <p:extLst>
+      <p:ext uri="{BB962C8B-B14F-4D97-AF65-F5344CB8AC3E}">
+        <p14:creationId xmlns:p14="http://schemas.microsoft.com/office/powerpoint/2010/main" val="3526938453"/>
+      </p:ext>
+    </p:extLst>
+  </p:cSld>
+  <p:clrMapOvr>
+    <a:masterClrMapping/>
+  </p:clrMapOvr>
+</p:notes>
+</file>
+
+<file path=ppt/notesSlides/notesSlide6.xml><?xml version="1.0" encoding="utf-8"?>
+<p:notes xmlns:a="http://schemas.openxmlformats.org/drawingml/2006/main" xmlns:r="http://schemas.openxmlformats.org/officeDocument/2006/relationships" xmlns:p="http://schemas.openxmlformats.org/presentationml/2006/main" showMasterSp="0" showMasterPhAnim="0">
+  <p:cSld>
+    <p:spTree>
+      <p:nvGrpSpPr>
+        <p:cNvPr id="1" name="Shape 75"/>
+        <p:cNvGrpSpPr/>
+        <p:nvPr/>
+      </p:nvGrpSpPr>
+      <p:grpSpPr>
+        <a:xfrm>
+          <a:off x="0" y="0"/>
+          <a:ext cx="0" cy="0"/>
+          <a:chOff x="0" y="0"/>
+          <a:chExt cx="0" cy="0"/>
+        </a:xfrm>
+      </p:grpSpPr>
+      <p:sp>
+        <p:nvSpPr>
+          <p:cNvPr id="76" name="Google Shape;76;g1139d5a3aa1_0_3:notes"/>
+          <p:cNvSpPr>
+            <a:spLocks noGrp="1" noRot="1" noChangeAspect="1"/>
+          </p:cNvSpPr>
+          <p:nvPr>
+            <p:ph type="sldImg" idx="2"/>
+          </p:nvPr>
+        </p:nvSpPr>
+        <p:spPr>
+          <a:xfrm>
+            <a:off x="381000" y="685800"/>
+            <a:ext cx="6096000" cy="3429000"/>
+          </a:xfrm>
+          <a:custGeom>
+            <a:avLst/>
+            <a:gdLst/>
+            <a:ahLst/>
+            <a:cxnLst/>
+            <a:rect l="l" t="t" r="r" b="b"/>
+            <a:pathLst>
+              <a:path w="120000" h="120000" extrusionOk="0">
+                <a:moveTo>
+                  <a:pt x="0" y="0"/>
+                </a:moveTo>
+                <a:lnTo>
+                  <a:pt x="120000" y="0"/>
+                </a:lnTo>
+                <a:lnTo>
+                  <a:pt x="120000" y="120000"/>
+                </a:lnTo>
+                <a:lnTo>
+                  <a:pt x="0" y="120000"/>
+                </a:lnTo>
+                <a:close/>
+              </a:path>
+            </a:pathLst>
+          </a:custGeom>
+        </p:spPr>
+      </p:sp>
+      <p:sp>
+        <p:nvSpPr>
+          <p:cNvPr id="77" name="Google Shape;77;g1139d5a3aa1_0_3:notes"/>
+          <p:cNvSpPr txBox="1">
+            <a:spLocks noGrp="1"/>
+          </p:cNvSpPr>
+          <p:nvPr>
+            <p:ph type="body" idx="1"/>
+          </p:nvPr>
+        </p:nvSpPr>
+        <p:spPr>
+          <a:xfrm>
+            <a:off x="685800" y="4343400"/>
+            <a:ext cx="5486400" cy="4114800"/>
+          </a:xfrm>
+          <a:prstGeom prst="rect">
+            <a:avLst/>
+          </a:prstGeom>
+        </p:spPr>
+        <p:txBody>
+          <a:bodyPr spcFirstLastPara="1" wrap="square" lIns="91425" tIns="91425" rIns="91425" bIns="91425" anchor="t" anchorCtr="0">
+            <a:noAutofit/>
+          </a:bodyPr>
+          <a:lstStyle/>
+          <a:p>
+            <a:pPr marL="1371600" lvl="3"/>
+            <a:endParaRPr lang="en-US" dirty="0"/>
+          </a:p>
+          <a:p>
+            <a:pPr marL="0" lvl="0" indent="0" algn="l" rtl="0">
+              <a:spcBef>
+                <a:spcPts val="0"/>
+              </a:spcBef>
+              <a:spcAft>
+                <a:spcPts val="0"/>
+              </a:spcAft>
+              <a:buNone/>
+            </a:pPr>
+            <a:endParaRPr dirty="0"/>
+          </a:p>
+        </p:txBody>
+      </p:sp>
+    </p:spTree>
+    <p:extLst>
+      <p:ext uri="{BB962C8B-B14F-4D97-AF65-F5344CB8AC3E}">
+        <p14:creationId xmlns:p14="http://schemas.microsoft.com/office/powerpoint/2010/main" val="1891407907"/>
+      </p:ext>
+    </p:extLst>
   </p:cSld>
   <p:clrMapOvr>
     <a:masterClrMapping/>
@@ -4751,7 +5412,7 @@
             </a:pPr>
             <a:r>
               <a:rPr lang="en" dirty="0"/>
-              <a:t>Announcement </a:t>
+              <a:t>Announcement &amp; Update to Syllabus</a:t>
             </a:r>
             <a:endParaRPr dirty="0"/>
           </a:p>
@@ -4793,22 +5454,114 @@
               <a:buChar char="●"/>
             </a:pPr>
             <a:r>
-              <a:rPr lang="en-US" dirty="0"/>
-              <a:t>Update to Syllabus </a:t>
+              <a:rPr lang="en-US" sz="2800" dirty="0">
+                <a:solidFill>
+                  <a:schemeClr val="tx1"/>
+                </a:solidFill>
+              </a:rPr>
+              <a:t>Grading structure</a:t>
             </a:r>
           </a:p>
           <a:p>
-            <a:pPr marL="457200" lvl="0" indent="-342900" algn="l" rtl="0">
-              <a:spcBef>
-                <a:spcPts val="0"/>
-              </a:spcBef>
-              <a:spcAft>
-                <a:spcPts val="0"/>
-              </a:spcAft>
+            <a:pPr lvl="1" indent="-342900">
               <a:buSzPts val="1800"/>
               <a:buChar char="●"/>
             </a:pPr>
-            <a:endParaRPr dirty="0"/>
+            <a:r>
+              <a:rPr lang="en-US" sz="2400" dirty="0">
+                <a:solidFill>
+                  <a:schemeClr val="tx1"/>
+                </a:solidFill>
+                <a:effectLst/>
+                <a:latin typeface="Helvetica Neue" panose="02000503000000020004" pitchFamily="2" charset="0"/>
+              </a:rPr>
+              <a:t>Assignments: 35%</a:t>
+            </a:r>
+          </a:p>
+          <a:p>
+            <a:pPr lvl="1" indent="-342900">
+              <a:buSzPts val="1800"/>
+              <a:buChar char="●"/>
+            </a:pPr>
+            <a:r>
+              <a:rPr lang="en-US" sz="2400" dirty="0">
+                <a:solidFill>
+                  <a:schemeClr val="tx1"/>
+                </a:solidFill>
+                <a:latin typeface="Helvetica Neue" panose="02000503000000020004" pitchFamily="2" charset="0"/>
+              </a:rPr>
+              <a:t>Projects: 15%</a:t>
+            </a:r>
+          </a:p>
+          <a:p>
+            <a:pPr lvl="1" indent="-342900">
+              <a:buSzPts val="1800"/>
+              <a:buChar char="●"/>
+            </a:pPr>
+            <a:r>
+              <a:rPr lang="en-US" sz="2400" dirty="0">
+                <a:solidFill>
+                  <a:schemeClr val="tx1"/>
+                </a:solidFill>
+                <a:effectLst/>
+                <a:latin typeface="Helvetica Neue" panose="02000503000000020004" pitchFamily="2" charset="0"/>
+              </a:rPr>
+              <a:t>Quiz: 10%</a:t>
+            </a:r>
+          </a:p>
+          <a:p>
+            <a:pPr lvl="1" indent="-342900">
+              <a:buSzPts val="1800"/>
+              <a:buChar char="●"/>
+            </a:pPr>
+            <a:r>
+              <a:rPr lang="en-US" sz="2400" dirty="0">
+                <a:solidFill>
+                  <a:schemeClr val="tx1"/>
+                </a:solidFill>
+                <a:effectLst/>
+                <a:latin typeface="Helvetica Neue" panose="02000503000000020004" pitchFamily="2" charset="0"/>
+              </a:rPr>
+              <a:t>Midterm: 20%</a:t>
+            </a:r>
+          </a:p>
+          <a:p>
+            <a:pPr lvl="1" indent="-342900">
+              <a:buSzPts val="1800"/>
+              <a:buChar char="●"/>
+            </a:pPr>
+            <a:r>
+              <a:rPr lang="en-US" sz="2400" dirty="0">
+                <a:solidFill>
+                  <a:schemeClr val="tx1"/>
+                </a:solidFill>
+                <a:effectLst/>
+                <a:latin typeface="Helvetica Neue" panose="02000503000000020004" pitchFamily="2" charset="0"/>
+              </a:rPr>
+              <a:t>Final: 20%</a:t>
+            </a:r>
+          </a:p>
+          <a:p>
+            <a:pPr lvl="1" indent="-342900">
+              <a:buSzPts val="1800"/>
+              <a:buChar char="●"/>
+            </a:pPr>
+            <a:r>
+              <a:rPr lang="en-US" sz="2400" dirty="0">
+                <a:solidFill>
+                  <a:schemeClr val="tx1"/>
+                </a:solidFill>
+                <a:latin typeface="Helvetica Neue" panose="02000503000000020004" pitchFamily="2" charset="0"/>
+              </a:rPr>
+              <a:t>Class participation: (extra credit) 5% </a:t>
+            </a:r>
+            <a:endParaRPr lang="en-US" sz="2400" dirty="0">
+              <a:solidFill>
+                <a:schemeClr val="tx1"/>
+              </a:solidFill>
+              <a:effectLst/>
+              <a:latin typeface="Helvetica Neue" panose="02000503000000020004" pitchFamily="2" charset="0"/>
+            </a:endParaRPr>
           </a:p>
         </p:txBody>
       </p:sp>
@@ -4855,6 +5608,3015 @@
         </p:txBody>
       </p:sp>
     </p:spTree>
+  </p:cSld>
+  <p:clrMapOvr>
+    <a:masterClrMapping/>
+  </p:clrMapOvr>
+</p:sld>
+</file>
+
+<file path=ppt/slides/slide2.xml><?xml version="1.0" encoding="utf-8"?>
+<p:sld xmlns:a="http://schemas.openxmlformats.org/drawingml/2006/main" xmlns:r="http://schemas.openxmlformats.org/officeDocument/2006/relationships" xmlns:p="http://schemas.openxmlformats.org/presentationml/2006/main">
+  <p:cSld>
+    <p:spTree>
+      <p:nvGrpSpPr>
+        <p:cNvPr id="1" name="Shape 78"/>
+        <p:cNvGrpSpPr/>
+        <p:nvPr/>
+      </p:nvGrpSpPr>
+      <p:grpSpPr>
+        <a:xfrm>
+          <a:off x="0" y="0"/>
+          <a:ext cx="0" cy="0"/>
+          <a:chOff x="0" y="0"/>
+          <a:chExt cx="0" cy="0"/>
+        </a:xfrm>
+      </p:grpSpPr>
+      <p:sp>
+        <p:nvSpPr>
+          <p:cNvPr id="79" name="Google Shape;79;p18"/>
+          <p:cNvSpPr txBox="1">
+            <a:spLocks noGrp="1"/>
+          </p:cNvSpPr>
+          <p:nvPr>
+            <p:ph type="title"/>
+          </p:nvPr>
+        </p:nvSpPr>
+        <p:spPr>
+          <a:xfrm>
+            <a:off x="102700" y="270875"/>
+            <a:ext cx="8520600" cy="572700"/>
+          </a:xfrm>
+          <a:prstGeom prst="rect">
+            <a:avLst/>
+          </a:prstGeom>
+        </p:spPr>
+        <p:txBody>
+          <a:bodyPr spcFirstLastPara="1" wrap="square" lIns="91425" tIns="91425" rIns="91425" bIns="91425" anchor="t" anchorCtr="0">
+            <a:normAutofit fontScale="90000"/>
+          </a:bodyPr>
+          <a:lstStyle/>
+          <a:p>
+            <a:pPr marL="0" lvl="0" indent="0" algn="l" rtl="0">
+              <a:spcBef>
+                <a:spcPts val="0"/>
+              </a:spcBef>
+              <a:spcAft>
+                <a:spcPts val="0"/>
+              </a:spcAft>
+              <a:buNone/>
+            </a:pPr>
+            <a:r>
+              <a:rPr lang="en" dirty="0"/>
+              <a:t>Announcement &amp; Update to Syllabus</a:t>
+            </a:r>
+            <a:endParaRPr dirty="0"/>
+          </a:p>
+        </p:txBody>
+      </p:sp>
+      <p:sp>
+        <p:nvSpPr>
+          <p:cNvPr id="80" name="Google Shape;80;p18"/>
+          <p:cNvSpPr txBox="1">
+            <a:spLocks noGrp="1"/>
+          </p:cNvSpPr>
+          <p:nvPr>
+            <p:ph type="body" idx="1"/>
+          </p:nvPr>
+        </p:nvSpPr>
+        <p:spPr>
+          <a:xfrm>
+            <a:off x="198500" y="1246825"/>
+            <a:ext cx="8520600" cy="3765600"/>
+          </a:xfrm>
+          <a:prstGeom prst="rect">
+            <a:avLst/>
+          </a:prstGeom>
+        </p:spPr>
+        <p:txBody>
+          <a:bodyPr spcFirstLastPara="1" wrap="square" lIns="91425" tIns="91425" rIns="91425" bIns="91425" anchor="t" anchorCtr="0">
+            <a:normAutofit/>
+          </a:bodyPr>
+          <a:lstStyle/>
+          <a:p>
+            <a:pPr marL="457200" lvl="0" indent="-342900" algn="l" rtl="0">
+              <a:spcBef>
+                <a:spcPts val="0"/>
+              </a:spcBef>
+              <a:spcAft>
+                <a:spcPts val="0"/>
+              </a:spcAft>
+              <a:buSzPts val="1800"/>
+              <a:buChar char="●"/>
+            </a:pPr>
+            <a:r>
+              <a:rPr lang="en" sz="2800" dirty="0">
+                <a:solidFill>
+                  <a:schemeClr val="tx1"/>
+                </a:solidFill>
+              </a:rPr>
+              <a:t>Late submission policies</a:t>
+            </a:r>
+          </a:p>
+          <a:p>
+            <a:pPr lvl="1" indent="-342900">
+              <a:buSzPts val="1800"/>
+              <a:buChar char="●"/>
+            </a:pPr>
+            <a:r>
+              <a:rPr lang="en-US" sz="2400" dirty="0">
+                <a:solidFill>
+                  <a:schemeClr val="tx1"/>
+                </a:solidFill>
+                <a:effectLst/>
+                <a:latin typeface="Helvetica Neue" panose="02000503000000020004" pitchFamily="2" charset="0"/>
+              </a:rPr>
+              <a:t>Penalty: 25% of the initial score </a:t>
+            </a:r>
+          </a:p>
+          <a:p>
+            <a:pPr lvl="1" indent="-342900">
+              <a:buSzPts val="1800"/>
+              <a:buChar char="●"/>
+            </a:pPr>
+            <a:r>
+              <a:rPr lang="en-US" sz="2400" dirty="0">
+                <a:solidFill>
+                  <a:schemeClr val="tx1"/>
+                </a:solidFill>
+                <a:latin typeface="Helvetica Neue" panose="02000503000000020004" pitchFamily="2" charset="0"/>
+              </a:rPr>
+              <a:t>Maximum time of delay: 3 days</a:t>
+            </a:r>
+          </a:p>
+          <a:p>
+            <a:pPr lvl="1" indent="-342900">
+              <a:buSzPts val="1800"/>
+              <a:buChar char="●"/>
+            </a:pPr>
+            <a:endParaRPr lang="en-US" sz="2400" dirty="0">
+              <a:solidFill>
+                <a:schemeClr val="tx1"/>
+              </a:solidFill>
+              <a:latin typeface="Helvetica Neue" panose="02000503000000020004" pitchFamily="2" charset="0"/>
+            </a:endParaRPr>
+          </a:p>
+          <a:p>
+            <a:pPr lvl="1" indent="-342900">
+              <a:buSzPts val="1800"/>
+              <a:buChar char="●"/>
+            </a:pPr>
+            <a:r>
+              <a:rPr lang="en-US" sz="2400" dirty="0">
+                <a:solidFill>
+                  <a:schemeClr val="tx1"/>
+                </a:solidFill>
+                <a:latin typeface="Helvetica Neue" panose="02000503000000020004" pitchFamily="2" charset="0"/>
+              </a:rPr>
+              <a:t>Example: Alice was late for assignment #1, and she got 80 points for the questions of the assignment. Her final score would be 80*75% = 60. </a:t>
+            </a:r>
+          </a:p>
+        </p:txBody>
+      </p:sp>
+      <p:sp>
+        <p:nvSpPr>
+          <p:cNvPr id="81" name="Google Shape;81;p18"/>
+          <p:cNvSpPr txBox="1">
+            <a:spLocks noGrp="1"/>
+          </p:cNvSpPr>
+          <p:nvPr>
+            <p:ph type="sldNum" idx="12"/>
+          </p:nvPr>
+        </p:nvSpPr>
+        <p:spPr>
+          <a:xfrm>
+            <a:off x="8472458" y="4663217"/>
+            <a:ext cx="548700" cy="393600"/>
+          </a:xfrm>
+          <a:prstGeom prst="rect">
+            <a:avLst/>
+          </a:prstGeom>
+        </p:spPr>
+        <p:txBody>
+          <a:bodyPr spcFirstLastPara="1" wrap="square" lIns="91425" tIns="91425" rIns="91425" bIns="91425" anchor="ctr" anchorCtr="0">
+            <a:normAutofit/>
+          </a:bodyPr>
+          <a:lstStyle/>
+          <a:p>
+            <a:pPr marL="0" lvl="0" indent="0" algn="r" rtl="0">
+              <a:spcBef>
+                <a:spcPts val="0"/>
+              </a:spcBef>
+              <a:spcAft>
+                <a:spcPts val="0"/>
+              </a:spcAft>
+              <a:buNone/>
+            </a:pPr>
+            <a:fld id="{00000000-1234-1234-1234-123412341234}" type="slidenum">
+              <a:rPr lang="en"/>
+              <a:t>2</a:t>
+            </a:fld>
+            <a:endParaRPr/>
+          </a:p>
+        </p:txBody>
+      </p:sp>
+    </p:spTree>
+    <p:extLst>
+      <p:ext uri="{BB962C8B-B14F-4D97-AF65-F5344CB8AC3E}">
+        <p14:creationId xmlns:p14="http://schemas.microsoft.com/office/powerpoint/2010/main" val="2423837551"/>
+      </p:ext>
+    </p:extLst>
+  </p:cSld>
+  <p:clrMapOvr>
+    <a:masterClrMapping/>
+  </p:clrMapOvr>
+</p:sld>
+</file>
+
+<file path=ppt/slides/slide3.xml><?xml version="1.0" encoding="utf-8"?>
+<p:sld xmlns:a="http://schemas.openxmlformats.org/drawingml/2006/main" xmlns:r="http://schemas.openxmlformats.org/officeDocument/2006/relationships" xmlns:p="http://schemas.openxmlformats.org/presentationml/2006/main">
+  <p:cSld>
+    <p:spTree>
+      <p:nvGrpSpPr>
+        <p:cNvPr id="1" name="Shape 78"/>
+        <p:cNvGrpSpPr/>
+        <p:nvPr/>
+      </p:nvGrpSpPr>
+      <p:grpSpPr>
+        <a:xfrm>
+          <a:off x="0" y="0"/>
+          <a:ext cx="0" cy="0"/>
+          <a:chOff x="0" y="0"/>
+          <a:chExt cx="0" cy="0"/>
+        </a:xfrm>
+      </p:grpSpPr>
+      <p:sp>
+        <p:nvSpPr>
+          <p:cNvPr id="79" name="Google Shape;79;p18"/>
+          <p:cNvSpPr txBox="1">
+            <a:spLocks noGrp="1"/>
+          </p:cNvSpPr>
+          <p:nvPr>
+            <p:ph type="title"/>
+          </p:nvPr>
+        </p:nvSpPr>
+        <p:spPr>
+          <a:xfrm>
+            <a:off x="102700" y="270875"/>
+            <a:ext cx="8520600" cy="572700"/>
+          </a:xfrm>
+          <a:prstGeom prst="rect">
+            <a:avLst/>
+          </a:prstGeom>
+        </p:spPr>
+        <p:txBody>
+          <a:bodyPr spcFirstLastPara="1" wrap="square" lIns="91425" tIns="91425" rIns="91425" bIns="91425" anchor="t" anchorCtr="0">
+            <a:normAutofit fontScale="90000"/>
+          </a:bodyPr>
+          <a:lstStyle/>
+          <a:p>
+            <a:pPr marL="0" lvl="0" indent="0" algn="l" rtl="0">
+              <a:spcBef>
+                <a:spcPts val="0"/>
+              </a:spcBef>
+              <a:spcAft>
+                <a:spcPts val="0"/>
+              </a:spcAft>
+              <a:buNone/>
+            </a:pPr>
+            <a:r>
+              <a:rPr lang="en" dirty="0"/>
+              <a:t>Announcement &amp; Update to Syllabus</a:t>
+            </a:r>
+            <a:endParaRPr dirty="0"/>
+          </a:p>
+        </p:txBody>
+      </p:sp>
+      <p:sp>
+        <p:nvSpPr>
+          <p:cNvPr id="80" name="Google Shape;80;p18"/>
+          <p:cNvSpPr txBox="1">
+            <a:spLocks noGrp="1"/>
+          </p:cNvSpPr>
+          <p:nvPr>
+            <p:ph type="body" idx="1"/>
+          </p:nvPr>
+        </p:nvSpPr>
+        <p:spPr>
+          <a:xfrm>
+            <a:off x="198500" y="1246825"/>
+            <a:ext cx="8520600" cy="3765600"/>
+          </a:xfrm>
+          <a:prstGeom prst="rect">
+            <a:avLst/>
+          </a:prstGeom>
+        </p:spPr>
+        <p:txBody>
+          <a:bodyPr spcFirstLastPara="1" wrap="square" lIns="91425" tIns="91425" rIns="91425" bIns="91425" anchor="t" anchorCtr="0">
+            <a:normAutofit/>
+          </a:bodyPr>
+          <a:lstStyle/>
+          <a:p>
+            <a:pPr marL="457200" lvl="0" indent="-342900" algn="l" rtl="0">
+              <a:spcBef>
+                <a:spcPts val="0"/>
+              </a:spcBef>
+              <a:spcAft>
+                <a:spcPts val="0"/>
+              </a:spcAft>
+              <a:buSzPts val="1800"/>
+              <a:buChar char="●"/>
+            </a:pPr>
+            <a:r>
+              <a:rPr lang="en" sz="2800" dirty="0"/>
+              <a:t>Format of midterm and final</a:t>
+            </a:r>
+          </a:p>
+          <a:p>
+            <a:pPr lvl="1" indent="-342900">
+              <a:buSzPts val="1800"/>
+              <a:buChar char="●"/>
+            </a:pPr>
+            <a:r>
+              <a:rPr lang="en-US" sz="2400" dirty="0"/>
+              <a:t>Open book (instead of closed book)</a:t>
+            </a:r>
+          </a:p>
+          <a:p>
+            <a:pPr lvl="1" indent="-342900">
+              <a:buSzPts val="1800"/>
+              <a:buChar char="●"/>
+            </a:pPr>
+            <a:endParaRPr lang="en-US" sz="2400" dirty="0"/>
+          </a:p>
+          <a:p>
+            <a:pPr lvl="1" indent="-342900">
+              <a:buSzPts val="1800"/>
+              <a:buChar char="●"/>
+            </a:pPr>
+            <a:r>
+              <a:rPr lang="en-US" sz="2400" dirty="0"/>
+              <a:t>More details on policies coming soon</a:t>
+            </a:r>
+          </a:p>
+          <a:p>
+            <a:pPr lvl="1" indent="-342900">
+              <a:buSzPts val="1800"/>
+              <a:buChar char="●"/>
+            </a:pPr>
+            <a:endParaRPr lang="en-US" sz="2400" dirty="0"/>
+          </a:p>
+          <a:p>
+            <a:pPr lvl="1" indent="-342900">
+              <a:buSzPts val="1800"/>
+              <a:buChar char="●"/>
+            </a:pPr>
+            <a:endParaRPr sz="2400" dirty="0"/>
+          </a:p>
+        </p:txBody>
+      </p:sp>
+      <p:sp>
+        <p:nvSpPr>
+          <p:cNvPr id="81" name="Google Shape;81;p18"/>
+          <p:cNvSpPr txBox="1">
+            <a:spLocks noGrp="1"/>
+          </p:cNvSpPr>
+          <p:nvPr>
+            <p:ph type="sldNum" idx="12"/>
+          </p:nvPr>
+        </p:nvSpPr>
+        <p:spPr>
+          <a:xfrm>
+            <a:off x="8472458" y="4663217"/>
+            <a:ext cx="548700" cy="393600"/>
+          </a:xfrm>
+          <a:prstGeom prst="rect">
+            <a:avLst/>
+          </a:prstGeom>
+        </p:spPr>
+        <p:txBody>
+          <a:bodyPr spcFirstLastPara="1" wrap="square" lIns="91425" tIns="91425" rIns="91425" bIns="91425" anchor="ctr" anchorCtr="0">
+            <a:normAutofit/>
+          </a:bodyPr>
+          <a:lstStyle/>
+          <a:p>
+            <a:pPr marL="0" lvl="0" indent="0" algn="r" rtl="0">
+              <a:spcBef>
+                <a:spcPts val="0"/>
+              </a:spcBef>
+              <a:spcAft>
+                <a:spcPts val="0"/>
+              </a:spcAft>
+              <a:buNone/>
+            </a:pPr>
+            <a:fld id="{00000000-1234-1234-1234-123412341234}" type="slidenum">
+              <a:rPr lang="en"/>
+              <a:t>3</a:t>
+            </a:fld>
+            <a:endParaRPr/>
+          </a:p>
+        </p:txBody>
+      </p:sp>
+    </p:spTree>
+    <p:extLst>
+      <p:ext uri="{BB962C8B-B14F-4D97-AF65-F5344CB8AC3E}">
+        <p14:creationId xmlns:p14="http://schemas.microsoft.com/office/powerpoint/2010/main" val="2896167470"/>
+      </p:ext>
+    </p:extLst>
+  </p:cSld>
+  <p:clrMapOvr>
+    <a:masterClrMapping/>
+  </p:clrMapOvr>
+</p:sld>
+</file>
+
+<file path=ppt/slides/slide4.xml><?xml version="1.0" encoding="utf-8"?>
+<p:sld xmlns:a="http://schemas.openxmlformats.org/drawingml/2006/main" xmlns:r="http://schemas.openxmlformats.org/officeDocument/2006/relationships" xmlns:p="http://schemas.openxmlformats.org/presentationml/2006/main">
+  <p:cSld>
+    <p:spTree>
+      <p:nvGrpSpPr>
+        <p:cNvPr id="1" name="Shape 78"/>
+        <p:cNvGrpSpPr/>
+        <p:nvPr/>
+      </p:nvGrpSpPr>
+      <p:grpSpPr>
+        <a:xfrm>
+          <a:off x="0" y="0"/>
+          <a:ext cx="0" cy="0"/>
+          <a:chOff x="0" y="0"/>
+          <a:chExt cx="0" cy="0"/>
+        </a:xfrm>
+      </p:grpSpPr>
+      <p:sp>
+        <p:nvSpPr>
+          <p:cNvPr id="79" name="Google Shape;79;p18"/>
+          <p:cNvSpPr txBox="1">
+            <a:spLocks noGrp="1"/>
+          </p:cNvSpPr>
+          <p:nvPr>
+            <p:ph type="title"/>
+          </p:nvPr>
+        </p:nvSpPr>
+        <p:spPr>
+          <a:xfrm>
+            <a:off x="102700" y="270875"/>
+            <a:ext cx="8520600" cy="572700"/>
+          </a:xfrm>
+          <a:prstGeom prst="rect">
+            <a:avLst/>
+          </a:prstGeom>
+        </p:spPr>
+        <p:txBody>
+          <a:bodyPr spcFirstLastPara="1" wrap="square" lIns="91425" tIns="91425" rIns="91425" bIns="91425" anchor="t" anchorCtr="0">
+            <a:normAutofit fontScale="90000"/>
+          </a:bodyPr>
+          <a:lstStyle/>
+          <a:p>
+            <a:pPr marL="0" lvl="0" indent="0" algn="l" rtl="0">
+              <a:spcBef>
+                <a:spcPts val="0"/>
+              </a:spcBef>
+              <a:spcAft>
+                <a:spcPts val="0"/>
+              </a:spcAft>
+              <a:buNone/>
+            </a:pPr>
+            <a:r>
+              <a:rPr lang="en" dirty="0"/>
+              <a:t>Announcement &amp; Update to Syllabus</a:t>
+            </a:r>
+            <a:endParaRPr dirty="0"/>
+          </a:p>
+        </p:txBody>
+      </p:sp>
+      <p:sp>
+        <p:nvSpPr>
+          <p:cNvPr id="80" name="Google Shape;80;p18"/>
+          <p:cNvSpPr txBox="1">
+            <a:spLocks noGrp="1"/>
+          </p:cNvSpPr>
+          <p:nvPr>
+            <p:ph type="body" idx="1"/>
+          </p:nvPr>
+        </p:nvSpPr>
+        <p:spPr>
+          <a:xfrm>
+            <a:off x="198500" y="1246825"/>
+            <a:ext cx="8520600" cy="3765600"/>
+          </a:xfrm>
+          <a:prstGeom prst="rect">
+            <a:avLst/>
+          </a:prstGeom>
+        </p:spPr>
+        <p:txBody>
+          <a:bodyPr spcFirstLastPara="1" wrap="square" lIns="91425" tIns="91425" rIns="91425" bIns="91425" anchor="t" anchorCtr="0">
+            <a:normAutofit/>
+          </a:bodyPr>
+          <a:lstStyle/>
+          <a:p>
+            <a:pPr marL="457200" lvl="0" indent="-342900" algn="l" rtl="0">
+              <a:spcBef>
+                <a:spcPts val="0"/>
+              </a:spcBef>
+              <a:spcAft>
+                <a:spcPts val="0"/>
+              </a:spcAft>
+              <a:buSzPts val="1800"/>
+              <a:buChar char="●"/>
+            </a:pPr>
+            <a:r>
+              <a:rPr lang="en" sz="2800" dirty="0">
+                <a:solidFill>
+                  <a:schemeClr val="tx1"/>
+                </a:solidFill>
+              </a:rPr>
+              <a:t>Teaching feedback</a:t>
+            </a:r>
+          </a:p>
+          <a:p>
+            <a:pPr lvl="1" indent="-342900">
+              <a:buSzPts val="1800"/>
+              <a:buChar char="●"/>
+            </a:pPr>
+            <a:r>
+              <a:rPr lang="en-US" sz="2400" dirty="0">
+                <a:solidFill>
+                  <a:schemeClr val="tx1"/>
+                </a:solidFill>
+              </a:rPr>
+              <a:t>More examples</a:t>
+            </a:r>
+          </a:p>
+          <a:p>
+            <a:pPr lvl="1" indent="-342900">
+              <a:buSzPts val="1800"/>
+              <a:buChar char="●"/>
+            </a:pPr>
+            <a:endParaRPr lang="en-US" sz="2400" dirty="0">
+              <a:solidFill>
+                <a:schemeClr val="tx1"/>
+              </a:solidFill>
+            </a:endParaRPr>
+          </a:p>
+          <a:p>
+            <a:pPr lvl="1" indent="-342900">
+              <a:buSzPts val="1800"/>
+              <a:buChar char="●"/>
+            </a:pPr>
+            <a:r>
+              <a:rPr lang="en-US" sz="2400" dirty="0">
+                <a:solidFill>
+                  <a:schemeClr val="tx1"/>
+                </a:solidFill>
+              </a:rPr>
+              <a:t>Going slower on slides</a:t>
+            </a:r>
+          </a:p>
+          <a:p>
+            <a:pPr lvl="1" indent="-342900">
+              <a:buSzPts val="1800"/>
+              <a:buChar char="●"/>
+            </a:pPr>
+            <a:endParaRPr lang="en-US" sz="2400" dirty="0">
+              <a:solidFill>
+                <a:schemeClr val="tx1"/>
+              </a:solidFill>
+            </a:endParaRPr>
+          </a:p>
+          <a:p>
+            <a:pPr lvl="1" indent="-342900">
+              <a:buSzPts val="1800"/>
+              <a:buChar char="●"/>
+            </a:pPr>
+            <a:endParaRPr lang="en-US" sz="2400" dirty="0">
+              <a:solidFill>
+                <a:schemeClr val="tx1"/>
+              </a:solidFill>
+            </a:endParaRPr>
+          </a:p>
+          <a:p>
+            <a:pPr lvl="1" indent="-342900">
+              <a:buSzPts val="1800"/>
+              <a:buChar char="●"/>
+            </a:pPr>
+            <a:endParaRPr lang="en-US" sz="2400" dirty="0">
+              <a:solidFill>
+                <a:schemeClr val="tx1"/>
+              </a:solidFill>
+            </a:endParaRPr>
+          </a:p>
+          <a:p>
+            <a:pPr lvl="1" indent="-342900">
+              <a:buSzPts val="1800"/>
+              <a:buChar char="●"/>
+            </a:pPr>
+            <a:endParaRPr sz="2400" dirty="0">
+              <a:solidFill>
+                <a:schemeClr val="tx1"/>
+              </a:solidFill>
+            </a:endParaRPr>
+          </a:p>
+        </p:txBody>
+      </p:sp>
+      <p:sp>
+        <p:nvSpPr>
+          <p:cNvPr id="81" name="Google Shape;81;p18"/>
+          <p:cNvSpPr txBox="1">
+            <a:spLocks noGrp="1"/>
+          </p:cNvSpPr>
+          <p:nvPr>
+            <p:ph type="sldNum" idx="12"/>
+          </p:nvPr>
+        </p:nvSpPr>
+        <p:spPr>
+          <a:xfrm>
+            <a:off x="8472458" y="4663217"/>
+            <a:ext cx="548700" cy="393600"/>
+          </a:xfrm>
+          <a:prstGeom prst="rect">
+            <a:avLst/>
+          </a:prstGeom>
+        </p:spPr>
+        <p:txBody>
+          <a:bodyPr spcFirstLastPara="1" wrap="square" lIns="91425" tIns="91425" rIns="91425" bIns="91425" anchor="ctr" anchorCtr="0">
+            <a:normAutofit/>
+          </a:bodyPr>
+          <a:lstStyle/>
+          <a:p>
+            <a:pPr marL="0" lvl="0" indent="0" algn="r" rtl="0">
+              <a:spcBef>
+                <a:spcPts val="0"/>
+              </a:spcBef>
+              <a:spcAft>
+                <a:spcPts val="0"/>
+              </a:spcAft>
+              <a:buNone/>
+            </a:pPr>
+            <a:fld id="{00000000-1234-1234-1234-123412341234}" type="slidenum">
+              <a:rPr lang="en"/>
+              <a:t>4</a:t>
+            </a:fld>
+            <a:endParaRPr/>
+          </a:p>
+        </p:txBody>
+      </p:sp>
+    </p:spTree>
+    <p:extLst>
+      <p:ext uri="{BB962C8B-B14F-4D97-AF65-F5344CB8AC3E}">
+        <p14:creationId xmlns:p14="http://schemas.microsoft.com/office/powerpoint/2010/main" val="635951652"/>
+      </p:ext>
+    </p:extLst>
+  </p:cSld>
+  <p:clrMapOvr>
+    <a:masterClrMapping/>
+  </p:clrMapOvr>
+</p:sld>
+</file>
+
+<file path=ppt/slides/slide5.xml><?xml version="1.0" encoding="utf-8"?>
+<p:sld xmlns:a="http://schemas.openxmlformats.org/drawingml/2006/main" xmlns:r="http://schemas.openxmlformats.org/officeDocument/2006/relationships" xmlns:p="http://schemas.openxmlformats.org/presentationml/2006/main">
+  <p:cSld>
+    <p:spTree>
+      <p:nvGrpSpPr>
+        <p:cNvPr id="1" name="Shape 78"/>
+        <p:cNvGrpSpPr/>
+        <p:nvPr/>
+      </p:nvGrpSpPr>
+      <p:grpSpPr>
+        <a:xfrm>
+          <a:off x="0" y="0"/>
+          <a:ext cx="0" cy="0"/>
+          <a:chOff x="0" y="0"/>
+          <a:chExt cx="0" cy="0"/>
+        </a:xfrm>
+      </p:grpSpPr>
+      <p:sp>
+        <p:nvSpPr>
+          <p:cNvPr id="79" name="Google Shape;79;p18"/>
+          <p:cNvSpPr txBox="1">
+            <a:spLocks noGrp="1"/>
+          </p:cNvSpPr>
+          <p:nvPr>
+            <p:ph type="title"/>
+          </p:nvPr>
+        </p:nvSpPr>
+        <p:spPr>
+          <a:xfrm>
+            <a:off x="102700" y="270875"/>
+            <a:ext cx="8520600" cy="572700"/>
+          </a:xfrm>
+          <a:prstGeom prst="rect">
+            <a:avLst/>
+          </a:prstGeom>
+        </p:spPr>
+        <p:txBody>
+          <a:bodyPr spcFirstLastPara="1" wrap="square" lIns="91425" tIns="91425" rIns="91425" bIns="91425" anchor="t" anchorCtr="0">
+            <a:normAutofit fontScale="90000"/>
+          </a:bodyPr>
+          <a:lstStyle/>
+          <a:p>
+            <a:r>
+              <a:rPr lang="en" sz="2800" dirty="0">
+                <a:solidFill>
+                  <a:schemeClr val="tx1"/>
+                </a:solidFill>
+              </a:rPr>
+              <a:t>More about the course objectives</a:t>
+            </a:r>
+            <a:br>
+              <a:rPr lang="en" sz="2800" dirty="0">
+                <a:solidFill>
+                  <a:schemeClr val="tx1"/>
+                </a:solidFill>
+              </a:rPr>
+            </a:br>
+            <a:endParaRPr dirty="0"/>
+          </a:p>
+        </p:txBody>
+      </p:sp>
+      <p:sp>
+        <p:nvSpPr>
+          <p:cNvPr id="81" name="Google Shape;81;p18"/>
+          <p:cNvSpPr txBox="1">
+            <a:spLocks noGrp="1"/>
+          </p:cNvSpPr>
+          <p:nvPr>
+            <p:ph type="sldNum" idx="12"/>
+          </p:nvPr>
+        </p:nvSpPr>
+        <p:spPr>
+          <a:xfrm>
+            <a:off x="8472458" y="4663217"/>
+            <a:ext cx="548700" cy="393600"/>
+          </a:xfrm>
+          <a:prstGeom prst="rect">
+            <a:avLst/>
+          </a:prstGeom>
+        </p:spPr>
+        <p:txBody>
+          <a:bodyPr spcFirstLastPara="1" wrap="square" lIns="91425" tIns="91425" rIns="91425" bIns="91425" anchor="ctr" anchorCtr="0">
+            <a:normAutofit/>
+          </a:bodyPr>
+          <a:lstStyle/>
+          <a:p>
+            <a:pPr marL="0" lvl="0" indent="0" algn="r" rtl="0">
+              <a:spcBef>
+                <a:spcPts val="0"/>
+              </a:spcBef>
+              <a:spcAft>
+                <a:spcPts val="0"/>
+              </a:spcAft>
+              <a:buNone/>
+            </a:pPr>
+            <a:fld id="{00000000-1234-1234-1234-123412341234}" type="slidenum">
+              <a:rPr lang="en"/>
+              <a:t>5</a:t>
+            </a:fld>
+            <a:endParaRPr/>
+          </a:p>
+        </p:txBody>
+      </p:sp>
+      <p:sp>
+        <p:nvSpPr>
+          <p:cNvPr id="4" name="Google Shape;121;p23">
+            <a:extLst>
+              <a:ext uri="{FF2B5EF4-FFF2-40B4-BE49-F238E27FC236}">
+                <a16:creationId xmlns:a16="http://schemas.microsoft.com/office/drawing/2014/main" id="{377FD806-E52B-6459-057E-04974BB8A7CB}"/>
+              </a:ext>
+            </a:extLst>
+          </p:cNvPr>
+          <p:cNvSpPr/>
+          <p:nvPr/>
+        </p:nvSpPr>
+        <p:spPr>
+          <a:xfrm>
+            <a:off x="428354" y="1164566"/>
+            <a:ext cx="2823803" cy="3978934"/>
+          </a:xfrm>
+          <a:prstGeom prst="rect">
+            <a:avLst/>
+          </a:prstGeom>
+          <a:noFill/>
+          <a:ln w="19050" cap="flat" cmpd="sng">
+            <a:solidFill>
+              <a:schemeClr val="dk1"/>
+            </a:solidFill>
+            <a:prstDash val="solid"/>
+            <a:round/>
+            <a:headEnd type="none" w="sm" len="sm"/>
+            <a:tailEnd type="none" w="sm" len="sm"/>
+          </a:ln>
+        </p:spPr>
+        <p:txBody>
+          <a:bodyPr spcFirstLastPara="1" wrap="square" lIns="91425" tIns="91425" rIns="91425" bIns="91425" anchor="ctr" anchorCtr="0">
+            <a:noAutofit/>
+          </a:bodyPr>
+          <a:lstStyle/>
+          <a:p>
+            <a:pPr marL="0" lvl="0" indent="0" rtl="0">
+              <a:spcBef>
+                <a:spcPts val="0"/>
+              </a:spcBef>
+              <a:spcAft>
+                <a:spcPts val="0"/>
+              </a:spcAft>
+              <a:buNone/>
+            </a:pPr>
+            <a:endParaRPr lang="en" sz="2400" b="1" i="1" dirty="0"/>
+          </a:p>
+          <a:p>
+            <a:pPr marL="342900" lvl="0" indent="-342900" rtl="0">
+              <a:lnSpc>
+                <a:spcPct val="150000"/>
+              </a:lnSpc>
+              <a:spcBef>
+                <a:spcPts val="0"/>
+              </a:spcBef>
+              <a:spcAft>
+                <a:spcPts val="0"/>
+              </a:spcAft>
+              <a:buFont typeface="Arial" panose="020B0604020202020204" pitchFamily="34" charset="0"/>
+              <a:buChar char="•"/>
+            </a:pPr>
+            <a:endParaRPr lang="en" sz="2000" i="1" dirty="0"/>
+          </a:p>
+        </p:txBody>
+      </p:sp>
+      <p:cxnSp>
+        <p:nvCxnSpPr>
+          <p:cNvPr id="5" name="Google Shape;122;p23">
+            <a:extLst>
+              <a:ext uri="{FF2B5EF4-FFF2-40B4-BE49-F238E27FC236}">
+                <a16:creationId xmlns:a16="http://schemas.microsoft.com/office/drawing/2014/main" id="{B94D4C56-0450-8B82-9CA4-17D7E7EA1774}"/>
+              </a:ext>
+            </a:extLst>
+          </p:cNvPr>
+          <p:cNvCxnSpPr>
+            <a:cxnSpLocks/>
+            <a:stCxn id="32" idx="1"/>
+            <a:endCxn id="37" idx="3"/>
+          </p:cNvCxnSpPr>
+          <p:nvPr/>
+        </p:nvCxnSpPr>
+        <p:spPr>
+          <a:xfrm flipH="1">
+            <a:off x="2875341" y="1432190"/>
+            <a:ext cx="950260" cy="683487"/>
+          </a:xfrm>
+          <a:prstGeom prst="straightConnector1">
+            <a:avLst/>
+          </a:prstGeom>
+          <a:noFill/>
+          <a:ln w="19050" cap="flat" cmpd="sng">
+            <a:solidFill>
+              <a:schemeClr val="dk1"/>
+            </a:solidFill>
+            <a:prstDash val="solid"/>
+            <a:round/>
+            <a:headEnd type="triangle" w="med" len="med"/>
+            <a:tailEnd type="none" w="med" len="med"/>
+          </a:ln>
+        </p:spPr>
+      </p:cxnSp>
+      <p:sp>
+        <p:nvSpPr>
+          <p:cNvPr id="29" name="TextBox 28">
+            <a:extLst>
+              <a:ext uri="{FF2B5EF4-FFF2-40B4-BE49-F238E27FC236}">
+                <a16:creationId xmlns:a16="http://schemas.microsoft.com/office/drawing/2014/main" id="{57868CA0-6345-2A98-6BDA-491CAC0802E8}"/>
+              </a:ext>
+            </a:extLst>
+          </p:cNvPr>
+          <p:cNvSpPr txBox="1"/>
+          <p:nvPr/>
+        </p:nvSpPr>
+        <p:spPr>
+          <a:xfrm>
+            <a:off x="3825601" y="1720706"/>
+            <a:ext cx="2978701" cy="338554"/>
+          </a:xfrm>
+          <a:prstGeom prst="rect">
+            <a:avLst/>
+          </a:prstGeom>
+          <a:noFill/>
+        </p:spPr>
+        <p:txBody>
+          <a:bodyPr wrap="none" rtlCol="0">
+            <a:spAutoFit/>
+          </a:bodyPr>
+          <a:lstStyle/>
+          <a:p>
+            <a:r>
+              <a:rPr lang="en-US" sz="1600" dirty="0">
+                <a:effectLst/>
+                <a:latin typeface="+mn-lt"/>
+              </a:rPr>
+              <a:t>ITIS 5250 Computer Forensics</a:t>
+            </a:r>
+          </a:p>
+        </p:txBody>
+      </p:sp>
+      <p:sp>
+        <p:nvSpPr>
+          <p:cNvPr id="31" name="TextBox 30">
+            <a:extLst>
+              <a:ext uri="{FF2B5EF4-FFF2-40B4-BE49-F238E27FC236}">
+                <a16:creationId xmlns:a16="http://schemas.microsoft.com/office/drawing/2014/main" id="{1F71D78B-8F2D-79CB-E016-3A3026FE057B}"/>
+              </a:ext>
+            </a:extLst>
+          </p:cNvPr>
+          <p:cNvSpPr txBox="1"/>
+          <p:nvPr/>
+        </p:nvSpPr>
+        <p:spPr>
+          <a:xfrm>
+            <a:off x="3825601" y="3096318"/>
+            <a:ext cx="3326551" cy="338554"/>
+          </a:xfrm>
+          <a:prstGeom prst="rect">
+            <a:avLst/>
+          </a:prstGeom>
+          <a:noFill/>
+        </p:spPr>
+        <p:txBody>
+          <a:bodyPr wrap="square" rtlCol="0">
+            <a:spAutoFit/>
+          </a:bodyPr>
+          <a:lstStyle/>
+          <a:p>
+            <a:r>
+              <a:rPr lang="en-US" sz="1600" dirty="0">
+                <a:latin typeface="+mn-lt"/>
+              </a:rPr>
+              <a:t>ITIS 6167 Network Security</a:t>
+            </a:r>
+          </a:p>
+        </p:txBody>
+      </p:sp>
+      <p:sp>
+        <p:nvSpPr>
+          <p:cNvPr id="32" name="TextBox 31">
+            <a:extLst>
+              <a:ext uri="{FF2B5EF4-FFF2-40B4-BE49-F238E27FC236}">
+                <a16:creationId xmlns:a16="http://schemas.microsoft.com/office/drawing/2014/main" id="{93C81E7A-4445-02A1-6097-EC331CF007AB}"/>
+              </a:ext>
+            </a:extLst>
+          </p:cNvPr>
+          <p:cNvSpPr txBox="1"/>
+          <p:nvPr/>
+        </p:nvSpPr>
+        <p:spPr>
+          <a:xfrm>
+            <a:off x="3825601" y="1262913"/>
+            <a:ext cx="3782897" cy="338554"/>
+          </a:xfrm>
+          <a:prstGeom prst="rect">
+            <a:avLst/>
+          </a:prstGeom>
+          <a:noFill/>
+        </p:spPr>
+        <p:txBody>
+          <a:bodyPr wrap="square" rtlCol="0">
+            <a:spAutoFit/>
+          </a:bodyPr>
+          <a:lstStyle/>
+          <a:p>
+            <a:r>
+              <a:rPr lang="en-US" sz="1600" dirty="0">
+                <a:latin typeface="+mn-lt"/>
+              </a:rPr>
+              <a:t>ITIS 6240 Applied Cryptography</a:t>
+            </a:r>
+          </a:p>
+        </p:txBody>
+      </p:sp>
+      <p:sp>
+        <p:nvSpPr>
+          <p:cNvPr id="33" name="TextBox 32">
+            <a:extLst>
+              <a:ext uri="{FF2B5EF4-FFF2-40B4-BE49-F238E27FC236}">
+                <a16:creationId xmlns:a16="http://schemas.microsoft.com/office/drawing/2014/main" id="{4FF2E705-8B99-4C78-63EE-796F7B7A5942}"/>
+              </a:ext>
+            </a:extLst>
+          </p:cNvPr>
+          <p:cNvSpPr txBox="1"/>
+          <p:nvPr/>
+        </p:nvSpPr>
+        <p:spPr>
+          <a:xfrm>
+            <a:off x="3825601" y="2166310"/>
+            <a:ext cx="5404664" cy="338554"/>
+          </a:xfrm>
+          <a:prstGeom prst="rect">
+            <a:avLst/>
+          </a:prstGeom>
+          <a:noFill/>
+        </p:spPr>
+        <p:txBody>
+          <a:bodyPr wrap="square" rtlCol="0">
+            <a:spAutoFit/>
+          </a:bodyPr>
+          <a:lstStyle/>
+          <a:p>
+            <a:r>
+              <a:rPr lang="en-US" sz="1600" dirty="0">
+                <a:latin typeface="+mn-lt"/>
+              </a:rPr>
+              <a:t>ITIS 6166 Computer Communication and Networks</a:t>
+            </a:r>
+          </a:p>
+        </p:txBody>
+      </p:sp>
+      <p:sp>
+        <p:nvSpPr>
+          <p:cNvPr id="34" name="TextBox 33">
+            <a:extLst>
+              <a:ext uri="{FF2B5EF4-FFF2-40B4-BE49-F238E27FC236}">
+                <a16:creationId xmlns:a16="http://schemas.microsoft.com/office/drawing/2014/main" id="{E8D4CA34-A8CD-D49F-E754-60FF4886BA52}"/>
+              </a:ext>
+            </a:extLst>
+          </p:cNvPr>
+          <p:cNvSpPr txBox="1"/>
+          <p:nvPr/>
+        </p:nvSpPr>
+        <p:spPr>
+          <a:xfrm>
+            <a:off x="3825601" y="2636885"/>
+            <a:ext cx="5404664" cy="338554"/>
+          </a:xfrm>
+          <a:prstGeom prst="rect">
+            <a:avLst/>
+          </a:prstGeom>
+          <a:noFill/>
+        </p:spPr>
+        <p:txBody>
+          <a:bodyPr wrap="square" rtlCol="0">
+            <a:spAutoFit/>
+          </a:bodyPr>
+          <a:lstStyle/>
+          <a:p>
+            <a:r>
+              <a:rPr lang="en-US" sz="1600" dirty="0">
+                <a:latin typeface="+mn-lt"/>
+              </a:rPr>
+              <a:t>ITIS 6230 Enterprise and Infrastructure Protection</a:t>
+            </a:r>
+          </a:p>
+        </p:txBody>
+      </p:sp>
+      <p:sp>
+        <p:nvSpPr>
+          <p:cNvPr id="37" name="TextBox 36">
+            <a:extLst>
+              <a:ext uri="{FF2B5EF4-FFF2-40B4-BE49-F238E27FC236}">
+                <a16:creationId xmlns:a16="http://schemas.microsoft.com/office/drawing/2014/main" id="{204F8D85-E95B-9094-80D5-8A10BBA8957D}"/>
+              </a:ext>
+            </a:extLst>
+          </p:cNvPr>
+          <p:cNvSpPr txBox="1"/>
+          <p:nvPr/>
+        </p:nvSpPr>
+        <p:spPr>
+          <a:xfrm>
+            <a:off x="757294" y="1915622"/>
+            <a:ext cx="2118047" cy="400110"/>
+          </a:xfrm>
+          <a:prstGeom prst="rect">
+            <a:avLst/>
+          </a:prstGeom>
+          <a:noFill/>
+          <a:ln>
+            <a:solidFill>
+              <a:schemeClr val="dk1"/>
+            </a:solidFill>
+          </a:ln>
+        </p:spPr>
+        <p:txBody>
+          <a:bodyPr wrap="square" rtlCol="0">
+            <a:spAutoFit/>
+          </a:bodyPr>
+          <a:lstStyle/>
+          <a:p>
+            <a:pPr algn="ctr"/>
+            <a:r>
+              <a:rPr lang="en-US" sz="2000" dirty="0">
+                <a:latin typeface="+mn-lt"/>
+              </a:rPr>
+              <a:t>Cryptography</a:t>
+            </a:r>
+            <a:endParaRPr lang="en-US" sz="2000" dirty="0">
+              <a:effectLst/>
+              <a:latin typeface="+mn-lt"/>
+            </a:endParaRPr>
+          </a:p>
+        </p:txBody>
+      </p:sp>
+      <p:sp>
+        <p:nvSpPr>
+          <p:cNvPr id="39" name="TextBox 38">
+            <a:extLst>
+              <a:ext uri="{FF2B5EF4-FFF2-40B4-BE49-F238E27FC236}">
+                <a16:creationId xmlns:a16="http://schemas.microsoft.com/office/drawing/2014/main" id="{3C281E58-4EAA-EAA3-278F-B553FA5E50B6}"/>
+              </a:ext>
+            </a:extLst>
+          </p:cNvPr>
+          <p:cNvSpPr txBox="1"/>
+          <p:nvPr/>
+        </p:nvSpPr>
+        <p:spPr>
+          <a:xfrm>
+            <a:off x="757294" y="2593095"/>
+            <a:ext cx="2118048" cy="400110"/>
+          </a:xfrm>
+          <a:prstGeom prst="rect">
+            <a:avLst/>
+          </a:prstGeom>
+          <a:noFill/>
+          <a:ln>
+            <a:solidFill>
+              <a:schemeClr val="dk1"/>
+            </a:solidFill>
+          </a:ln>
+        </p:spPr>
+        <p:txBody>
+          <a:bodyPr wrap="square">
+            <a:spAutoFit/>
+          </a:bodyPr>
+          <a:lstStyle/>
+          <a:p>
+            <a:pPr lvl="0" algn="ctr" rtl="0">
+              <a:spcBef>
+                <a:spcPts val="0"/>
+              </a:spcBef>
+              <a:spcAft>
+                <a:spcPts val="0"/>
+              </a:spcAft>
+            </a:pPr>
+            <a:r>
+              <a:rPr lang="en" sz="2000" i="1" dirty="0"/>
+              <a:t>Access control</a:t>
+            </a:r>
+          </a:p>
+        </p:txBody>
+      </p:sp>
+      <p:sp>
+        <p:nvSpPr>
+          <p:cNvPr id="41" name="TextBox 40">
+            <a:extLst>
+              <a:ext uri="{FF2B5EF4-FFF2-40B4-BE49-F238E27FC236}">
+                <a16:creationId xmlns:a16="http://schemas.microsoft.com/office/drawing/2014/main" id="{96A5AACA-BB8E-1CC6-84A4-D9F2458F20AB}"/>
+              </a:ext>
+            </a:extLst>
+          </p:cNvPr>
+          <p:cNvSpPr txBox="1"/>
+          <p:nvPr/>
+        </p:nvSpPr>
+        <p:spPr>
+          <a:xfrm>
+            <a:off x="757294" y="3265595"/>
+            <a:ext cx="2118048" cy="400110"/>
+          </a:xfrm>
+          <a:prstGeom prst="rect">
+            <a:avLst/>
+          </a:prstGeom>
+          <a:noFill/>
+          <a:ln>
+            <a:solidFill>
+              <a:schemeClr val="dk1"/>
+            </a:solidFill>
+          </a:ln>
+        </p:spPr>
+        <p:txBody>
+          <a:bodyPr wrap="square">
+            <a:spAutoFit/>
+          </a:bodyPr>
+          <a:lstStyle/>
+          <a:p>
+            <a:pPr lvl="0" algn="ctr" rtl="0">
+              <a:spcBef>
+                <a:spcPts val="0"/>
+              </a:spcBef>
+              <a:spcAft>
+                <a:spcPts val="0"/>
+              </a:spcAft>
+            </a:pPr>
+            <a:r>
+              <a:rPr lang="en" sz="2000" i="1" dirty="0"/>
+              <a:t>Web security</a:t>
+            </a:r>
+          </a:p>
+        </p:txBody>
+      </p:sp>
+      <p:sp>
+        <p:nvSpPr>
+          <p:cNvPr id="43" name="TextBox 42">
+            <a:extLst>
+              <a:ext uri="{FF2B5EF4-FFF2-40B4-BE49-F238E27FC236}">
+                <a16:creationId xmlns:a16="http://schemas.microsoft.com/office/drawing/2014/main" id="{995AE475-AF02-FADF-B450-6BBAD86BB1F7}"/>
+              </a:ext>
+            </a:extLst>
+          </p:cNvPr>
+          <p:cNvSpPr txBox="1"/>
+          <p:nvPr/>
+        </p:nvSpPr>
+        <p:spPr>
+          <a:xfrm>
+            <a:off x="757294" y="3925274"/>
+            <a:ext cx="2118048" cy="400110"/>
+          </a:xfrm>
+          <a:prstGeom prst="rect">
+            <a:avLst/>
+          </a:prstGeom>
+          <a:noFill/>
+          <a:ln>
+            <a:solidFill>
+              <a:schemeClr val="dk1"/>
+            </a:solidFill>
+          </a:ln>
+        </p:spPr>
+        <p:txBody>
+          <a:bodyPr wrap="square">
+            <a:spAutoFit/>
+          </a:bodyPr>
+          <a:lstStyle/>
+          <a:p>
+            <a:pPr lvl="0" algn="ctr" rtl="0">
+              <a:spcBef>
+                <a:spcPts val="0"/>
+              </a:spcBef>
+              <a:spcAft>
+                <a:spcPts val="0"/>
+              </a:spcAft>
+            </a:pPr>
+            <a:r>
+              <a:rPr lang="en" sz="2000" i="1" dirty="0"/>
+              <a:t>Network security</a:t>
+            </a:r>
+          </a:p>
+        </p:txBody>
+      </p:sp>
+      <p:sp>
+        <p:nvSpPr>
+          <p:cNvPr id="45" name="TextBox 44">
+            <a:extLst>
+              <a:ext uri="{FF2B5EF4-FFF2-40B4-BE49-F238E27FC236}">
+                <a16:creationId xmlns:a16="http://schemas.microsoft.com/office/drawing/2014/main" id="{8BEC3733-A0B8-9424-D2A3-0E95CDC9E488}"/>
+              </a:ext>
+            </a:extLst>
+          </p:cNvPr>
+          <p:cNvSpPr txBox="1"/>
+          <p:nvPr/>
+        </p:nvSpPr>
+        <p:spPr>
+          <a:xfrm>
+            <a:off x="757294" y="4526773"/>
+            <a:ext cx="2118048" cy="400110"/>
+          </a:xfrm>
+          <a:prstGeom prst="rect">
+            <a:avLst/>
+          </a:prstGeom>
+          <a:noFill/>
+          <a:ln>
+            <a:solidFill>
+              <a:schemeClr val="dk1"/>
+            </a:solidFill>
+          </a:ln>
+        </p:spPr>
+        <p:txBody>
+          <a:bodyPr wrap="square">
+            <a:spAutoFit/>
+          </a:bodyPr>
+          <a:lstStyle/>
+          <a:p>
+            <a:pPr lvl="0" algn="ctr" rtl="0">
+              <a:spcBef>
+                <a:spcPts val="0"/>
+              </a:spcBef>
+              <a:spcAft>
+                <a:spcPts val="0"/>
+              </a:spcAft>
+            </a:pPr>
+            <a:r>
+              <a:rPr lang="en" sz="2000" i="1" dirty="0"/>
+              <a:t>System security</a:t>
+            </a:r>
+          </a:p>
+        </p:txBody>
+      </p:sp>
+      <p:sp>
+        <p:nvSpPr>
+          <p:cNvPr id="47" name="TextBox 46">
+            <a:extLst>
+              <a:ext uri="{FF2B5EF4-FFF2-40B4-BE49-F238E27FC236}">
+                <a16:creationId xmlns:a16="http://schemas.microsoft.com/office/drawing/2014/main" id="{9CBA0E03-4158-6638-FF58-46CCD90887BD}"/>
+              </a:ext>
+            </a:extLst>
+          </p:cNvPr>
+          <p:cNvSpPr txBox="1"/>
+          <p:nvPr/>
+        </p:nvSpPr>
+        <p:spPr>
+          <a:xfrm>
+            <a:off x="978541" y="1362180"/>
+            <a:ext cx="1854725" cy="461665"/>
+          </a:xfrm>
+          <a:prstGeom prst="rect">
+            <a:avLst/>
+          </a:prstGeom>
+          <a:noFill/>
+        </p:spPr>
+        <p:txBody>
+          <a:bodyPr wrap="square">
+            <a:spAutoFit/>
+          </a:bodyPr>
+          <a:lstStyle/>
+          <a:p>
+            <a:pPr marL="0" lvl="0" indent="0" rtl="0">
+              <a:spcBef>
+                <a:spcPts val="0"/>
+              </a:spcBef>
+              <a:spcAft>
+                <a:spcPts val="0"/>
+              </a:spcAft>
+              <a:buNone/>
+            </a:pPr>
+            <a:r>
+              <a:rPr lang="en" sz="2400" b="1" i="1" dirty="0"/>
+              <a:t>ITIS 6200</a:t>
+            </a:r>
+          </a:p>
+        </p:txBody>
+      </p:sp>
+      <p:sp>
+        <p:nvSpPr>
+          <p:cNvPr id="54" name="TextBox 53">
+            <a:extLst>
+              <a:ext uri="{FF2B5EF4-FFF2-40B4-BE49-F238E27FC236}">
+                <a16:creationId xmlns:a16="http://schemas.microsoft.com/office/drawing/2014/main" id="{EB840578-37E4-0D54-79E8-47D3AEACB874}"/>
+              </a:ext>
+            </a:extLst>
+          </p:cNvPr>
+          <p:cNvSpPr txBox="1"/>
+          <p:nvPr/>
+        </p:nvSpPr>
+        <p:spPr>
+          <a:xfrm>
+            <a:off x="3825600" y="3533318"/>
+            <a:ext cx="4646858" cy="338554"/>
+          </a:xfrm>
+          <a:prstGeom prst="rect">
+            <a:avLst/>
+          </a:prstGeom>
+          <a:noFill/>
+        </p:spPr>
+        <p:txBody>
+          <a:bodyPr wrap="square" rtlCol="0">
+            <a:spAutoFit/>
+          </a:bodyPr>
+          <a:lstStyle/>
+          <a:p>
+            <a:r>
+              <a:rPr lang="en-US" sz="1600" dirty="0">
+                <a:latin typeface="+mn-lt"/>
+              </a:rPr>
+              <a:t>ITIS 6268 Wireless Network Security</a:t>
+            </a:r>
+          </a:p>
+        </p:txBody>
+      </p:sp>
+      <p:sp>
+        <p:nvSpPr>
+          <p:cNvPr id="55" name="TextBox 54">
+            <a:extLst>
+              <a:ext uri="{FF2B5EF4-FFF2-40B4-BE49-F238E27FC236}">
+                <a16:creationId xmlns:a16="http://schemas.microsoft.com/office/drawing/2014/main" id="{58BF7471-64C8-75A2-F9DA-644F2F604773}"/>
+              </a:ext>
+            </a:extLst>
+          </p:cNvPr>
+          <p:cNvSpPr txBox="1"/>
+          <p:nvPr/>
+        </p:nvSpPr>
+        <p:spPr>
+          <a:xfrm>
+            <a:off x="3825600" y="3937049"/>
+            <a:ext cx="5404664" cy="338554"/>
+          </a:xfrm>
+          <a:prstGeom prst="rect">
+            <a:avLst/>
+          </a:prstGeom>
+          <a:noFill/>
+        </p:spPr>
+        <p:txBody>
+          <a:bodyPr wrap="square" rtlCol="0">
+            <a:spAutoFit/>
+          </a:bodyPr>
+          <a:lstStyle/>
+          <a:p>
+            <a:r>
+              <a:rPr lang="en-US" sz="1600" dirty="0">
+                <a:latin typeface="+mn-lt"/>
+              </a:rPr>
+              <a:t>ITIS 5221 Secure Programming and Penetration Testing</a:t>
+            </a:r>
+          </a:p>
+        </p:txBody>
+      </p:sp>
+      <p:sp>
+        <p:nvSpPr>
+          <p:cNvPr id="56" name="TextBox 55">
+            <a:extLst>
+              <a:ext uri="{FF2B5EF4-FFF2-40B4-BE49-F238E27FC236}">
+                <a16:creationId xmlns:a16="http://schemas.microsoft.com/office/drawing/2014/main" id="{176E2E0F-53A1-14D2-E3F5-5B4FC1D01E68}"/>
+              </a:ext>
+            </a:extLst>
+          </p:cNvPr>
+          <p:cNvSpPr txBox="1"/>
+          <p:nvPr/>
+        </p:nvSpPr>
+        <p:spPr>
+          <a:xfrm>
+            <a:off x="3825600" y="4325384"/>
+            <a:ext cx="4646858" cy="338554"/>
+          </a:xfrm>
+          <a:prstGeom prst="rect">
+            <a:avLst/>
+          </a:prstGeom>
+          <a:noFill/>
+        </p:spPr>
+        <p:txBody>
+          <a:bodyPr wrap="square" rtlCol="0">
+            <a:spAutoFit/>
+          </a:bodyPr>
+          <a:lstStyle/>
+          <a:p>
+            <a:r>
+              <a:rPr lang="en-US" sz="1600" dirty="0">
+                <a:latin typeface="+mn-lt"/>
+              </a:rPr>
+              <a:t>ITIS 6150 Software Assurance</a:t>
+            </a:r>
+          </a:p>
+        </p:txBody>
+      </p:sp>
+      <p:sp>
+        <p:nvSpPr>
+          <p:cNvPr id="57" name="TextBox 56">
+            <a:extLst>
+              <a:ext uri="{FF2B5EF4-FFF2-40B4-BE49-F238E27FC236}">
+                <a16:creationId xmlns:a16="http://schemas.microsoft.com/office/drawing/2014/main" id="{BF689FA4-8E23-73A3-01BB-4A836922A243}"/>
+              </a:ext>
+            </a:extLst>
+          </p:cNvPr>
+          <p:cNvSpPr txBox="1"/>
+          <p:nvPr/>
+        </p:nvSpPr>
+        <p:spPr>
+          <a:xfrm>
+            <a:off x="3825600" y="4658060"/>
+            <a:ext cx="4646858" cy="338554"/>
+          </a:xfrm>
+          <a:prstGeom prst="rect">
+            <a:avLst/>
+          </a:prstGeom>
+          <a:noFill/>
+        </p:spPr>
+        <p:txBody>
+          <a:bodyPr wrap="square" rtlCol="0">
+            <a:spAutoFit/>
+          </a:bodyPr>
+          <a:lstStyle/>
+          <a:p>
+            <a:r>
+              <a:rPr lang="en-US" sz="1600" dirty="0">
+                <a:latin typeface="+mn-lt"/>
+              </a:rPr>
+              <a:t>ITIS 5260 Introduction to Secure Analytics</a:t>
+            </a:r>
+          </a:p>
+        </p:txBody>
+      </p:sp>
+      <p:sp>
+        <p:nvSpPr>
+          <p:cNvPr id="58" name="TextBox 57">
+            <a:extLst>
+              <a:ext uri="{FF2B5EF4-FFF2-40B4-BE49-F238E27FC236}">
+                <a16:creationId xmlns:a16="http://schemas.microsoft.com/office/drawing/2014/main" id="{A8ECBC5F-4284-8FB0-1396-09DE1C6DD9E5}"/>
+              </a:ext>
+            </a:extLst>
+          </p:cNvPr>
+          <p:cNvSpPr txBox="1"/>
+          <p:nvPr/>
+        </p:nvSpPr>
+        <p:spPr>
+          <a:xfrm>
+            <a:off x="3739848" y="4827337"/>
+            <a:ext cx="4646858" cy="338554"/>
+          </a:xfrm>
+          <a:prstGeom prst="rect">
+            <a:avLst/>
+          </a:prstGeom>
+          <a:noFill/>
+        </p:spPr>
+        <p:txBody>
+          <a:bodyPr wrap="square" rtlCol="0">
+            <a:spAutoFit/>
+          </a:bodyPr>
+          <a:lstStyle/>
+          <a:p>
+            <a:r>
+              <a:rPr lang="en-US" sz="1600" dirty="0">
+                <a:latin typeface="+mn-lt"/>
+              </a:rPr>
+              <a:t>ITIS 5260 Introduction to Secure Analytics</a:t>
+            </a:r>
+          </a:p>
+        </p:txBody>
+      </p:sp>
+    </p:spTree>
+    <p:extLst>
+      <p:ext uri="{BB962C8B-B14F-4D97-AF65-F5344CB8AC3E}">
+        <p14:creationId xmlns:p14="http://schemas.microsoft.com/office/powerpoint/2010/main" val="2907653327"/>
+      </p:ext>
+    </p:extLst>
+  </p:cSld>
+  <p:clrMapOvr>
+    <a:masterClrMapping/>
+  </p:clrMapOvr>
+</p:sld>
+</file>
+
+<file path=ppt/slides/slide6.xml><?xml version="1.0" encoding="utf-8"?>
+<p:sld xmlns:a="http://schemas.openxmlformats.org/drawingml/2006/main" xmlns:r="http://schemas.openxmlformats.org/officeDocument/2006/relationships" xmlns:p="http://schemas.openxmlformats.org/presentationml/2006/main">
+  <p:cSld>
+    <p:spTree>
+      <p:nvGrpSpPr>
+        <p:cNvPr id="1" name="Shape 78"/>
+        <p:cNvGrpSpPr/>
+        <p:nvPr/>
+      </p:nvGrpSpPr>
+      <p:grpSpPr>
+        <a:xfrm>
+          <a:off x="0" y="0"/>
+          <a:ext cx="0" cy="0"/>
+          <a:chOff x="0" y="0"/>
+          <a:chExt cx="0" cy="0"/>
+        </a:xfrm>
+      </p:grpSpPr>
+      <p:sp>
+        <p:nvSpPr>
+          <p:cNvPr id="79" name="Google Shape;79;p18"/>
+          <p:cNvSpPr txBox="1">
+            <a:spLocks noGrp="1"/>
+          </p:cNvSpPr>
+          <p:nvPr>
+            <p:ph type="title"/>
+          </p:nvPr>
+        </p:nvSpPr>
+        <p:spPr>
+          <a:xfrm>
+            <a:off x="102700" y="270875"/>
+            <a:ext cx="8520600" cy="572700"/>
+          </a:xfrm>
+          <a:prstGeom prst="rect">
+            <a:avLst/>
+          </a:prstGeom>
+        </p:spPr>
+        <p:txBody>
+          <a:bodyPr spcFirstLastPara="1" wrap="square" lIns="91425" tIns="91425" rIns="91425" bIns="91425" anchor="t" anchorCtr="0">
+            <a:normAutofit fontScale="90000"/>
+          </a:bodyPr>
+          <a:lstStyle/>
+          <a:p>
+            <a:r>
+              <a:rPr lang="en" sz="2800" dirty="0">
+                <a:solidFill>
+                  <a:schemeClr val="tx1"/>
+                </a:solidFill>
+              </a:rPr>
+              <a:t>More about the course objectives</a:t>
+            </a:r>
+            <a:br>
+              <a:rPr lang="en" sz="2800" dirty="0">
+                <a:solidFill>
+                  <a:schemeClr val="tx1"/>
+                </a:solidFill>
+              </a:rPr>
+            </a:br>
+            <a:endParaRPr dirty="0"/>
+          </a:p>
+        </p:txBody>
+      </p:sp>
+      <p:sp>
+        <p:nvSpPr>
+          <p:cNvPr id="81" name="Google Shape;81;p18"/>
+          <p:cNvSpPr txBox="1">
+            <a:spLocks noGrp="1"/>
+          </p:cNvSpPr>
+          <p:nvPr>
+            <p:ph type="sldNum" idx="12"/>
+          </p:nvPr>
+        </p:nvSpPr>
+        <p:spPr>
+          <a:xfrm>
+            <a:off x="8472458" y="4663217"/>
+            <a:ext cx="548700" cy="393600"/>
+          </a:xfrm>
+          <a:prstGeom prst="rect">
+            <a:avLst/>
+          </a:prstGeom>
+        </p:spPr>
+        <p:txBody>
+          <a:bodyPr spcFirstLastPara="1" wrap="square" lIns="91425" tIns="91425" rIns="91425" bIns="91425" anchor="ctr" anchorCtr="0">
+            <a:normAutofit/>
+          </a:bodyPr>
+          <a:lstStyle/>
+          <a:p>
+            <a:pPr marL="0" lvl="0" indent="0" algn="r" rtl="0">
+              <a:spcBef>
+                <a:spcPts val="0"/>
+              </a:spcBef>
+              <a:spcAft>
+                <a:spcPts val="0"/>
+              </a:spcAft>
+              <a:buNone/>
+            </a:pPr>
+            <a:fld id="{00000000-1234-1234-1234-123412341234}" type="slidenum">
+              <a:rPr lang="en"/>
+              <a:t>6</a:t>
+            </a:fld>
+            <a:endParaRPr/>
+          </a:p>
+        </p:txBody>
+      </p:sp>
+      <p:sp>
+        <p:nvSpPr>
+          <p:cNvPr id="4" name="Google Shape;121;p23">
+            <a:extLst>
+              <a:ext uri="{FF2B5EF4-FFF2-40B4-BE49-F238E27FC236}">
+                <a16:creationId xmlns:a16="http://schemas.microsoft.com/office/drawing/2014/main" id="{377FD806-E52B-6459-057E-04974BB8A7CB}"/>
+              </a:ext>
+            </a:extLst>
+          </p:cNvPr>
+          <p:cNvSpPr/>
+          <p:nvPr/>
+        </p:nvSpPr>
+        <p:spPr>
+          <a:xfrm>
+            <a:off x="0" y="1164566"/>
+            <a:ext cx="9086526" cy="951963"/>
+          </a:xfrm>
+          <a:prstGeom prst="rect">
+            <a:avLst/>
+          </a:prstGeom>
+          <a:noFill/>
+          <a:ln w="19050" cap="flat" cmpd="sng">
+            <a:solidFill>
+              <a:schemeClr val="dk1"/>
+            </a:solidFill>
+            <a:prstDash val="solid"/>
+            <a:round/>
+            <a:headEnd type="none" w="sm" len="sm"/>
+            <a:tailEnd type="none" w="sm" len="sm"/>
+          </a:ln>
+        </p:spPr>
+        <p:txBody>
+          <a:bodyPr spcFirstLastPara="1" wrap="square" lIns="91425" tIns="91425" rIns="91425" bIns="91425" anchor="ctr" anchorCtr="0">
+            <a:noAutofit/>
+          </a:bodyPr>
+          <a:lstStyle/>
+          <a:p>
+            <a:pPr marL="0" lvl="0" indent="0" rtl="0">
+              <a:spcBef>
+                <a:spcPts val="0"/>
+              </a:spcBef>
+              <a:spcAft>
+                <a:spcPts val="0"/>
+              </a:spcAft>
+              <a:buNone/>
+            </a:pPr>
+            <a:endParaRPr lang="en" sz="2400" b="1" i="1" dirty="0"/>
+          </a:p>
+          <a:p>
+            <a:pPr marL="342900" lvl="0" indent="-342900" rtl="0">
+              <a:lnSpc>
+                <a:spcPct val="150000"/>
+              </a:lnSpc>
+              <a:spcBef>
+                <a:spcPts val="0"/>
+              </a:spcBef>
+              <a:spcAft>
+                <a:spcPts val="0"/>
+              </a:spcAft>
+              <a:buFont typeface="Arial" panose="020B0604020202020204" pitchFamily="34" charset="0"/>
+              <a:buChar char="•"/>
+            </a:pPr>
+            <a:endParaRPr lang="en" sz="2000" i="1" dirty="0"/>
+          </a:p>
+        </p:txBody>
+      </p:sp>
+      <p:sp>
+        <p:nvSpPr>
+          <p:cNvPr id="29" name="TextBox 28">
+            <a:extLst>
+              <a:ext uri="{FF2B5EF4-FFF2-40B4-BE49-F238E27FC236}">
+                <a16:creationId xmlns:a16="http://schemas.microsoft.com/office/drawing/2014/main" id="{57868CA0-6345-2A98-6BDA-491CAC0802E8}"/>
+              </a:ext>
+            </a:extLst>
+          </p:cNvPr>
+          <p:cNvSpPr txBox="1"/>
+          <p:nvPr/>
+        </p:nvSpPr>
+        <p:spPr>
+          <a:xfrm>
+            <a:off x="6228868" y="3506644"/>
+            <a:ext cx="1094756" cy="738664"/>
+          </a:xfrm>
+          <a:prstGeom prst="rect">
+            <a:avLst/>
+          </a:prstGeom>
+          <a:noFill/>
+        </p:spPr>
+        <p:txBody>
+          <a:bodyPr wrap="square" rtlCol="0">
+            <a:spAutoFit/>
+          </a:bodyPr>
+          <a:lstStyle/>
+          <a:p>
+            <a:pPr algn="ctr"/>
+            <a:r>
+              <a:rPr lang="en-US" dirty="0">
+                <a:effectLst/>
+                <a:latin typeface="+mn-lt"/>
+              </a:rPr>
+              <a:t>ITIS 5250 Computer Forensics</a:t>
+            </a:r>
+          </a:p>
+        </p:txBody>
+      </p:sp>
+      <p:sp>
+        <p:nvSpPr>
+          <p:cNvPr id="31" name="TextBox 30">
+            <a:extLst>
+              <a:ext uri="{FF2B5EF4-FFF2-40B4-BE49-F238E27FC236}">
+                <a16:creationId xmlns:a16="http://schemas.microsoft.com/office/drawing/2014/main" id="{1F71D78B-8F2D-79CB-E016-3A3026FE057B}"/>
+              </a:ext>
+            </a:extLst>
+          </p:cNvPr>
+          <p:cNvSpPr txBox="1"/>
+          <p:nvPr/>
+        </p:nvSpPr>
+        <p:spPr>
+          <a:xfrm>
+            <a:off x="4230791" y="2167544"/>
+            <a:ext cx="1539647" cy="523220"/>
+          </a:xfrm>
+          <a:prstGeom prst="rect">
+            <a:avLst/>
+          </a:prstGeom>
+          <a:noFill/>
+        </p:spPr>
+        <p:txBody>
+          <a:bodyPr wrap="square" rtlCol="0">
+            <a:spAutoFit/>
+          </a:bodyPr>
+          <a:lstStyle/>
+          <a:p>
+            <a:pPr algn="ctr"/>
+            <a:r>
+              <a:rPr lang="en-US" dirty="0">
+                <a:latin typeface="+mn-lt"/>
+              </a:rPr>
+              <a:t>ITIS 6167 Network Security</a:t>
+            </a:r>
+          </a:p>
+        </p:txBody>
+      </p:sp>
+      <p:sp>
+        <p:nvSpPr>
+          <p:cNvPr id="32" name="TextBox 31">
+            <a:extLst>
+              <a:ext uri="{FF2B5EF4-FFF2-40B4-BE49-F238E27FC236}">
+                <a16:creationId xmlns:a16="http://schemas.microsoft.com/office/drawing/2014/main" id="{93C81E7A-4445-02A1-6097-EC331CF007AB}"/>
+              </a:ext>
+            </a:extLst>
+          </p:cNvPr>
+          <p:cNvSpPr txBox="1"/>
+          <p:nvPr/>
+        </p:nvSpPr>
+        <p:spPr>
+          <a:xfrm>
+            <a:off x="0" y="2299088"/>
+            <a:ext cx="1439476" cy="738664"/>
+          </a:xfrm>
+          <a:prstGeom prst="rect">
+            <a:avLst/>
+          </a:prstGeom>
+          <a:noFill/>
+        </p:spPr>
+        <p:txBody>
+          <a:bodyPr wrap="square" rtlCol="0">
+            <a:spAutoFit/>
+          </a:bodyPr>
+          <a:lstStyle/>
+          <a:p>
+            <a:pPr algn="ctr"/>
+            <a:r>
+              <a:rPr lang="en-US" dirty="0">
+                <a:latin typeface="+mn-lt"/>
+              </a:rPr>
+              <a:t>ITIS 6240 </a:t>
+            </a:r>
+          </a:p>
+          <a:p>
+            <a:pPr algn="ctr"/>
+            <a:r>
+              <a:rPr lang="en-US" dirty="0">
+                <a:latin typeface="+mn-lt"/>
+              </a:rPr>
+              <a:t>Applied Cryptography</a:t>
+            </a:r>
+          </a:p>
+        </p:txBody>
+      </p:sp>
+      <p:sp>
+        <p:nvSpPr>
+          <p:cNvPr id="33" name="TextBox 32">
+            <a:extLst>
+              <a:ext uri="{FF2B5EF4-FFF2-40B4-BE49-F238E27FC236}">
+                <a16:creationId xmlns:a16="http://schemas.microsoft.com/office/drawing/2014/main" id="{4FF2E705-8B99-4C78-63EE-796F7B7A5942}"/>
+              </a:ext>
+            </a:extLst>
+          </p:cNvPr>
+          <p:cNvSpPr txBox="1"/>
+          <p:nvPr/>
+        </p:nvSpPr>
+        <p:spPr>
+          <a:xfrm>
+            <a:off x="4266622" y="3571241"/>
+            <a:ext cx="1511213" cy="954107"/>
+          </a:xfrm>
+          <a:prstGeom prst="rect">
+            <a:avLst/>
+          </a:prstGeom>
+          <a:noFill/>
+        </p:spPr>
+        <p:txBody>
+          <a:bodyPr wrap="square" rtlCol="0">
+            <a:spAutoFit/>
+          </a:bodyPr>
+          <a:lstStyle/>
+          <a:p>
+            <a:pPr algn="ctr"/>
+            <a:r>
+              <a:rPr lang="en-US" dirty="0">
+                <a:latin typeface="+mn-lt"/>
+              </a:rPr>
+              <a:t>ITIS 6166 Computer Communication and Networks</a:t>
+            </a:r>
+          </a:p>
+        </p:txBody>
+      </p:sp>
+      <p:sp>
+        <p:nvSpPr>
+          <p:cNvPr id="34" name="TextBox 33">
+            <a:extLst>
+              <a:ext uri="{FF2B5EF4-FFF2-40B4-BE49-F238E27FC236}">
+                <a16:creationId xmlns:a16="http://schemas.microsoft.com/office/drawing/2014/main" id="{E8D4CA34-A8CD-D49F-E754-60FF4886BA52}"/>
+              </a:ext>
+            </a:extLst>
+          </p:cNvPr>
+          <p:cNvSpPr txBox="1"/>
+          <p:nvPr/>
+        </p:nvSpPr>
+        <p:spPr>
+          <a:xfrm>
+            <a:off x="6140912" y="2190925"/>
+            <a:ext cx="1297396" cy="1169551"/>
+          </a:xfrm>
+          <a:prstGeom prst="rect">
+            <a:avLst/>
+          </a:prstGeom>
+          <a:noFill/>
+        </p:spPr>
+        <p:txBody>
+          <a:bodyPr wrap="square" rtlCol="0">
+            <a:spAutoFit/>
+          </a:bodyPr>
+          <a:lstStyle/>
+          <a:p>
+            <a:pPr algn="ctr"/>
+            <a:r>
+              <a:rPr lang="en-US" dirty="0">
+                <a:latin typeface="+mn-lt"/>
+              </a:rPr>
+              <a:t>ITIS 6230 Enterprise and Infrastructure Protection</a:t>
+            </a:r>
+          </a:p>
+        </p:txBody>
+      </p:sp>
+      <p:sp>
+        <p:nvSpPr>
+          <p:cNvPr id="37" name="TextBox 36">
+            <a:extLst>
+              <a:ext uri="{FF2B5EF4-FFF2-40B4-BE49-F238E27FC236}">
+                <a16:creationId xmlns:a16="http://schemas.microsoft.com/office/drawing/2014/main" id="{204F8D85-E95B-9094-80D5-8A10BBA8957D}"/>
+              </a:ext>
+            </a:extLst>
+          </p:cNvPr>
+          <p:cNvSpPr txBox="1"/>
+          <p:nvPr/>
+        </p:nvSpPr>
+        <p:spPr>
+          <a:xfrm>
+            <a:off x="163082" y="1640547"/>
+            <a:ext cx="1105001" cy="400110"/>
+          </a:xfrm>
+          <a:prstGeom prst="rect">
+            <a:avLst/>
+          </a:prstGeom>
+          <a:noFill/>
+          <a:ln>
+            <a:solidFill>
+              <a:schemeClr val="dk1"/>
+            </a:solidFill>
+          </a:ln>
+        </p:spPr>
+        <p:txBody>
+          <a:bodyPr wrap="square" rtlCol="0">
+            <a:spAutoFit/>
+          </a:bodyPr>
+          <a:lstStyle/>
+          <a:p>
+            <a:pPr algn="ctr"/>
+            <a:r>
+              <a:rPr lang="en-US" sz="2000" dirty="0">
+                <a:latin typeface="+mn-lt"/>
+              </a:rPr>
+              <a:t>Crypto</a:t>
+            </a:r>
+            <a:endParaRPr lang="en-US" sz="2000" dirty="0">
+              <a:effectLst/>
+              <a:latin typeface="+mn-lt"/>
+            </a:endParaRPr>
+          </a:p>
+        </p:txBody>
+      </p:sp>
+      <p:sp>
+        <p:nvSpPr>
+          <p:cNvPr id="39" name="TextBox 38">
+            <a:extLst>
+              <a:ext uri="{FF2B5EF4-FFF2-40B4-BE49-F238E27FC236}">
+                <a16:creationId xmlns:a16="http://schemas.microsoft.com/office/drawing/2014/main" id="{3C281E58-4EAA-EAA3-278F-B553FA5E50B6}"/>
+              </a:ext>
+            </a:extLst>
+          </p:cNvPr>
+          <p:cNvSpPr txBox="1"/>
+          <p:nvPr/>
+        </p:nvSpPr>
+        <p:spPr>
+          <a:xfrm>
+            <a:off x="1635890" y="1350068"/>
+            <a:ext cx="1023252" cy="707886"/>
+          </a:xfrm>
+          <a:prstGeom prst="rect">
+            <a:avLst/>
+          </a:prstGeom>
+          <a:noFill/>
+          <a:ln>
+            <a:solidFill>
+              <a:schemeClr val="dk1"/>
+            </a:solidFill>
+          </a:ln>
+        </p:spPr>
+        <p:txBody>
+          <a:bodyPr wrap="square">
+            <a:spAutoFit/>
+          </a:bodyPr>
+          <a:lstStyle/>
+          <a:p>
+            <a:pPr lvl="0" algn="ctr" rtl="0">
+              <a:spcBef>
+                <a:spcPts val="0"/>
+              </a:spcBef>
+              <a:spcAft>
+                <a:spcPts val="0"/>
+              </a:spcAft>
+            </a:pPr>
+            <a:r>
+              <a:rPr lang="en" sz="2000" i="1" dirty="0"/>
+              <a:t>Access control</a:t>
+            </a:r>
+          </a:p>
+        </p:txBody>
+      </p:sp>
+      <p:sp>
+        <p:nvSpPr>
+          <p:cNvPr id="41" name="TextBox 40">
+            <a:extLst>
+              <a:ext uri="{FF2B5EF4-FFF2-40B4-BE49-F238E27FC236}">
+                <a16:creationId xmlns:a16="http://schemas.microsoft.com/office/drawing/2014/main" id="{96A5AACA-BB8E-1CC6-84A4-D9F2458F20AB}"/>
+              </a:ext>
+            </a:extLst>
+          </p:cNvPr>
+          <p:cNvSpPr txBox="1"/>
+          <p:nvPr/>
+        </p:nvSpPr>
+        <p:spPr>
+          <a:xfrm>
+            <a:off x="2945740" y="1350068"/>
+            <a:ext cx="1091870" cy="707886"/>
+          </a:xfrm>
+          <a:prstGeom prst="rect">
+            <a:avLst/>
+          </a:prstGeom>
+          <a:noFill/>
+          <a:ln>
+            <a:solidFill>
+              <a:schemeClr val="dk1"/>
+            </a:solidFill>
+          </a:ln>
+        </p:spPr>
+        <p:txBody>
+          <a:bodyPr wrap="square">
+            <a:spAutoFit/>
+          </a:bodyPr>
+          <a:lstStyle/>
+          <a:p>
+            <a:pPr lvl="0" algn="ctr" rtl="0">
+              <a:spcBef>
+                <a:spcPts val="0"/>
+              </a:spcBef>
+              <a:spcAft>
+                <a:spcPts val="0"/>
+              </a:spcAft>
+            </a:pPr>
+            <a:r>
+              <a:rPr lang="en" sz="2000" i="1" dirty="0"/>
+              <a:t>Web </a:t>
+            </a:r>
+          </a:p>
+          <a:p>
+            <a:pPr lvl="0" algn="ctr" rtl="0">
+              <a:spcBef>
+                <a:spcPts val="0"/>
+              </a:spcBef>
+              <a:spcAft>
+                <a:spcPts val="0"/>
+              </a:spcAft>
+            </a:pPr>
+            <a:r>
+              <a:rPr lang="en" sz="2000" i="1" dirty="0"/>
+              <a:t>security</a:t>
+            </a:r>
+          </a:p>
+        </p:txBody>
+      </p:sp>
+      <p:sp>
+        <p:nvSpPr>
+          <p:cNvPr id="43" name="TextBox 42">
+            <a:extLst>
+              <a:ext uri="{FF2B5EF4-FFF2-40B4-BE49-F238E27FC236}">
+                <a16:creationId xmlns:a16="http://schemas.microsoft.com/office/drawing/2014/main" id="{995AE475-AF02-FADF-B450-6BBAD86BB1F7}"/>
+              </a:ext>
+            </a:extLst>
+          </p:cNvPr>
+          <p:cNvSpPr txBox="1"/>
+          <p:nvPr/>
+        </p:nvSpPr>
+        <p:spPr>
+          <a:xfrm>
+            <a:off x="4481438" y="1341294"/>
+            <a:ext cx="1134985" cy="707886"/>
+          </a:xfrm>
+          <a:prstGeom prst="rect">
+            <a:avLst/>
+          </a:prstGeom>
+          <a:noFill/>
+          <a:ln>
+            <a:solidFill>
+              <a:schemeClr val="dk1"/>
+            </a:solidFill>
+          </a:ln>
+        </p:spPr>
+        <p:txBody>
+          <a:bodyPr wrap="square">
+            <a:spAutoFit/>
+          </a:bodyPr>
+          <a:lstStyle/>
+          <a:p>
+            <a:pPr lvl="0" algn="ctr" rtl="0">
+              <a:spcBef>
+                <a:spcPts val="0"/>
+              </a:spcBef>
+              <a:spcAft>
+                <a:spcPts val="0"/>
+              </a:spcAft>
+            </a:pPr>
+            <a:r>
+              <a:rPr lang="en" sz="2000" i="1" dirty="0"/>
+              <a:t>Network security</a:t>
+            </a:r>
+          </a:p>
+        </p:txBody>
+      </p:sp>
+      <p:sp>
+        <p:nvSpPr>
+          <p:cNvPr id="45" name="TextBox 44">
+            <a:extLst>
+              <a:ext uri="{FF2B5EF4-FFF2-40B4-BE49-F238E27FC236}">
+                <a16:creationId xmlns:a16="http://schemas.microsoft.com/office/drawing/2014/main" id="{8BEC3733-A0B8-9424-D2A3-0E95CDC9E488}"/>
+              </a:ext>
+            </a:extLst>
+          </p:cNvPr>
+          <p:cNvSpPr txBox="1"/>
+          <p:nvPr/>
+        </p:nvSpPr>
+        <p:spPr>
+          <a:xfrm>
+            <a:off x="6211616" y="1350460"/>
+            <a:ext cx="1107868" cy="707886"/>
+          </a:xfrm>
+          <a:prstGeom prst="rect">
+            <a:avLst/>
+          </a:prstGeom>
+          <a:noFill/>
+          <a:ln>
+            <a:solidFill>
+              <a:schemeClr val="dk1"/>
+            </a:solidFill>
+          </a:ln>
+        </p:spPr>
+        <p:txBody>
+          <a:bodyPr wrap="square">
+            <a:spAutoFit/>
+          </a:bodyPr>
+          <a:lstStyle/>
+          <a:p>
+            <a:pPr lvl="0" algn="ctr" rtl="0">
+              <a:spcBef>
+                <a:spcPts val="0"/>
+              </a:spcBef>
+              <a:spcAft>
+                <a:spcPts val="0"/>
+              </a:spcAft>
+            </a:pPr>
+            <a:r>
+              <a:rPr lang="en" sz="2000" i="1" dirty="0"/>
+              <a:t>System security</a:t>
+            </a:r>
+          </a:p>
+        </p:txBody>
+      </p:sp>
+      <p:sp>
+        <p:nvSpPr>
+          <p:cNvPr id="47" name="TextBox 46">
+            <a:extLst>
+              <a:ext uri="{FF2B5EF4-FFF2-40B4-BE49-F238E27FC236}">
+                <a16:creationId xmlns:a16="http://schemas.microsoft.com/office/drawing/2014/main" id="{9CBA0E03-4158-6638-FF58-46CCD90887BD}"/>
+              </a:ext>
+            </a:extLst>
+          </p:cNvPr>
+          <p:cNvSpPr txBox="1"/>
+          <p:nvPr/>
+        </p:nvSpPr>
+        <p:spPr>
+          <a:xfrm>
+            <a:off x="10479" y="1114785"/>
+            <a:ext cx="1854725" cy="461665"/>
+          </a:xfrm>
+          <a:prstGeom prst="rect">
+            <a:avLst/>
+          </a:prstGeom>
+          <a:noFill/>
+        </p:spPr>
+        <p:txBody>
+          <a:bodyPr wrap="square">
+            <a:spAutoFit/>
+          </a:bodyPr>
+          <a:lstStyle/>
+          <a:p>
+            <a:pPr marL="0" lvl="0" indent="0" rtl="0">
+              <a:spcBef>
+                <a:spcPts val="0"/>
+              </a:spcBef>
+              <a:spcAft>
+                <a:spcPts val="0"/>
+              </a:spcAft>
+              <a:buNone/>
+            </a:pPr>
+            <a:r>
+              <a:rPr lang="en" sz="2400" b="1" i="1" dirty="0"/>
+              <a:t>ITIS 6200</a:t>
+            </a:r>
+          </a:p>
+        </p:txBody>
+      </p:sp>
+      <p:sp>
+        <p:nvSpPr>
+          <p:cNvPr id="54" name="TextBox 53">
+            <a:extLst>
+              <a:ext uri="{FF2B5EF4-FFF2-40B4-BE49-F238E27FC236}">
+                <a16:creationId xmlns:a16="http://schemas.microsoft.com/office/drawing/2014/main" id="{EB840578-37E4-0D54-79E8-47D3AEACB874}"/>
+              </a:ext>
+            </a:extLst>
+          </p:cNvPr>
+          <p:cNvSpPr txBox="1"/>
+          <p:nvPr/>
+        </p:nvSpPr>
+        <p:spPr>
+          <a:xfrm>
+            <a:off x="4249917" y="2788225"/>
+            <a:ext cx="1539647" cy="738664"/>
+          </a:xfrm>
+          <a:prstGeom prst="rect">
+            <a:avLst/>
+          </a:prstGeom>
+          <a:noFill/>
+        </p:spPr>
+        <p:txBody>
+          <a:bodyPr wrap="square" rtlCol="0">
+            <a:spAutoFit/>
+          </a:bodyPr>
+          <a:lstStyle/>
+          <a:p>
+            <a:pPr algn="ctr"/>
+            <a:r>
+              <a:rPr lang="en-US" dirty="0">
+                <a:latin typeface="+mn-lt"/>
+              </a:rPr>
+              <a:t>ITIS 6268 Wireless Network Security</a:t>
+            </a:r>
+          </a:p>
+        </p:txBody>
+      </p:sp>
+      <p:sp>
+        <p:nvSpPr>
+          <p:cNvPr id="55" name="TextBox 54">
+            <a:extLst>
+              <a:ext uri="{FF2B5EF4-FFF2-40B4-BE49-F238E27FC236}">
+                <a16:creationId xmlns:a16="http://schemas.microsoft.com/office/drawing/2014/main" id="{58BF7471-64C8-75A2-F9DA-644F2F604773}"/>
+              </a:ext>
+            </a:extLst>
+          </p:cNvPr>
+          <p:cNvSpPr txBox="1"/>
+          <p:nvPr/>
+        </p:nvSpPr>
+        <p:spPr>
+          <a:xfrm>
+            <a:off x="7549712" y="3028101"/>
+            <a:ext cx="1471445" cy="1169551"/>
+          </a:xfrm>
+          <a:prstGeom prst="rect">
+            <a:avLst/>
+          </a:prstGeom>
+          <a:noFill/>
+        </p:spPr>
+        <p:txBody>
+          <a:bodyPr wrap="square" rtlCol="0">
+            <a:spAutoFit/>
+          </a:bodyPr>
+          <a:lstStyle/>
+          <a:p>
+            <a:pPr algn="ctr"/>
+            <a:r>
+              <a:rPr lang="en-US" dirty="0">
+                <a:latin typeface="+mn-lt"/>
+              </a:rPr>
+              <a:t>ITIS 5221 Secure Programming and Penetration Testing</a:t>
+            </a:r>
+          </a:p>
+        </p:txBody>
+      </p:sp>
+      <p:sp>
+        <p:nvSpPr>
+          <p:cNvPr id="56" name="TextBox 55">
+            <a:extLst>
+              <a:ext uri="{FF2B5EF4-FFF2-40B4-BE49-F238E27FC236}">
+                <a16:creationId xmlns:a16="http://schemas.microsoft.com/office/drawing/2014/main" id="{176E2E0F-53A1-14D2-E3F5-5B4FC1D01E68}"/>
+              </a:ext>
+            </a:extLst>
+          </p:cNvPr>
+          <p:cNvSpPr txBox="1"/>
+          <p:nvPr/>
+        </p:nvSpPr>
+        <p:spPr>
+          <a:xfrm>
+            <a:off x="7670826" y="2202418"/>
+            <a:ext cx="1271222" cy="738664"/>
+          </a:xfrm>
+          <a:prstGeom prst="rect">
+            <a:avLst/>
+          </a:prstGeom>
+          <a:noFill/>
+        </p:spPr>
+        <p:txBody>
+          <a:bodyPr wrap="square" rtlCol="0">
+            <a:spAutoFit/>
+          </a:bodyPr>
+          <a:lstStyle/>
+          <a:p>
+            <a:pPr algn="ctr"/>
+            <a:r>
+              <a:rPr lang="en-US" dirty="0">
+                <a:latin typeface="+mn-lt"/>
+              </a:rPr>
+              <a:t>ITIS 6150 Software Assurance</a:t>
+            </a:r>
+          </a:p>
+        </p:txBody>
+      </p:sp>
+      <p:sp>
+        <p:nvSpPr>
+          <p:cNvPr id="57" name="TextBox 56">
+            <a:extLst>
+              <a:ext uri="{FF2B5EF4-FFF2-40B4-BE49-F238E27FC236}">
+                <a16:creationId xmlns:a16="http://schemas.microsoft.com/office/drawing/2014/main" id="{BF689FA4-8E23-73A3-01BB-4A836922A243}"/>
+              </a:ext>
+            </a:extLst>
+          </p:cNvPr>
+          <p:cNvSpPr txBox="1"/>
+          <p:nvPr/>
+        </p:nvSpPr>
+        <p:spPr>
+          <a:xfrm>
+            <a:off x="122842" y="4368479"/>
+            <a:ext cx="1541931" cy="738664"/>
+          </a:xfrm>
+          <a:prstGeom prst="rect">
+            <a:avLst/>
+          </a:prstGeom>
+          <a:noFill/>
+        </p:spPr>
+        <p:txBody>
+          <a:bodyPr wrap="square" rtlCol="0">
+            <a:spAutoFit/>
+          </a:bodyPr>
+          <a:lstStyle/>
+          <a:p>
+            <a:pPr algn="ctr"/>
+            <a:r>
+              <a:rPr lang="en-US" dirty="0">
+                <a:latin typeface="+mn-lt"/>
+              </a:rPr>
+              <a:t>ITIS 5260 Introduction to Secure Analytics</a:t>
+            </a:r>
+          </a:p>
+        </p:txBody>
+      </p:sp>
+      <p:sp>
+        <p:nvSpPr>
+          <p:cNvPr id="14" name="TextBox 13">
+            <a:extLst>
+              <a:ext uri="{FF2B5EF4-FFF2-40B4-BE49-F238E27FC236}">
+                <a16:creationId xmlns:a16="http://schemas.microsoft.com/office/drawing/2014/main" id="{E0F5FA2B-890F-23DD-7180-85D69000F893}"/>
+              </a:ext>
+            </a:extLst>
+          </p:cNvPr>
+          <p:cNvSpPr txBox="1"/>
+          <p:nvPr/>
+        </p:nvSpPr>
+        <p:spPr>
+          <a:xfrm>
+            <a:off x="7612161" y="1350068"/>
+            <a:ext cx="1368757" cy="707886"/>
+          </a:xfrm>
+          <a:prstGeom prst="rect">
+            <a:avLst/>
+          </a:prstGeom>
+          <a:noFill/>
+          <a:ln>
+            <a:solidFill>
+              <a:schemeClr val="dk1"/>
+            </a:solidFill>
+          </a:ln>
+        </p:spPr>
+        <p:txBody>
+          <a:bodyPr wrap="square">
+            <a:spAutoFit/>
+          </a:bodyPr>
+          <a:lstStyle/>
+          <a:p>
+            <a:pPr lvl="0" algn="ctr" rtl="0">
+              <a:spcBef>
+                <a:spcPts val="0"/>
+              </a:spcBef>
+              <a:spcAft>
+                <a:spcPts val="0"/>
+              </a:spcAft>
+            </a:pPr>
+            <a:r>
+              <a:rPr lang="en" sz="2000" i="1" dirty="0"/>
+              <a:t>Security</a:t>
+            </a:r>
+          </a:p>
+          <a:p>
+            <a:pPr lvl="0" algn="ctr" rtl="0">
+              <a:spcBef>
+                <a:spcPts val="0"/>
+              </a:spcBef>
+              <a:spcAft>
+                <a:spcPts val="0"/>
+              </a:spcAft>
+            </a:pPr>
+            <a:r>
+              <a:rPr lang="en" sz="2000" i="1" dirty="0"/>
+              <a:t>assurance</a:t>
+            </a:r>
+          </a:p>
+        </p:txBody>
+      </p:sp>
+      <p:sp>
+        <p:nvSpPr>
+          <p:cNvPr id="16" name="TextBox 15">
+            <a:extLst>
+              <a:ext uri="{FF2B5EF4-FFF2-40B4-BE49-F238E27FC236}">
+                <a16:creationId xmlns:a16="http://schemas.microsoft.com/office/drawing/2014/main" id="{F11F8C63-DE3D-463E-7526-F71C8FBF2D66}"/>
+              </a:ext>
+            </a:extLst>
+          </p:cNvPr>
+          <p:cNvSpPr txBox="1"/>
+          <p:nvPr/>
+        </p:nvSpPr>
+        <p:spPr>
+          <a:xfrm>
+            <a:off x="2882982" y="2204142"/>
+            <a:ext cx="1239341" cy="1169551"/>
+          </a:xfrm>
+          <a:prstGeom prst="rect">
+            <a:avLst/>
+          </a:prstGeom>
+          <a:noFill/>
+        </p:spPr>
+        <p:txBody>
+          <a:bodyPr wrap="square" rtlCol="0">
+            <a:spAutoFit/>
+          </a:bodyPr>
+          <a:lstStyle/>
+          <a:p>
+            <a:pPr algn="ctr"/>
+            <a:r>
+              <a:rPr lang="en-US" dirty="0">
+                <a:latin typeface="+mn-lt"/>
+              </a:rPr>
+              <a:t>ITIS 5331 Web-based Mobile and IoT Firmware Security</a:t>
+            </a:r>
+          </a:p>
+        </p:txBody>
+      </p:sp>
+      <p:sp>
+        <p:nvSpPr>
+          <p:cNvPr id="17" name="TextBox 16">
+            <a:extLst>
+              <a:ext uri="{FF2B5EF4-FFF2-40B4-BE49-F238E27FC236}">
+                <a16:creationId xmlns:a16="http://schemas.microsoft.com/office/drawing/2014/main" id="{6E5AE74F-163D-A2B4-FABB-3AB5E80A7A1C}"/>
+              </a:ext>
+            </a:extLst>
+          </p:cNvPr>
+          <p:cNvSpPr txBox="1"/>
+          <p:nvPr/>
+        </p:nvSpPr>
+        <p:spPr>
+          <a:xfrm>
+            <a:off x="1526952" y="2237552"/>
+            <a:ext cx="1192607" cy="1169551"/>
+          </a:xfrm>
+          <a:prstGeom prst="rect">
+            <a:avLst/>
+          </a:prstGeom>
+          <a:noFill/>
+        </p:spPr>
+        <p:txBody>
+          <a:bodyPr wrap="square" rtlCol="0">
+            <a:spAutoFit/>
+          </a:bodyPr>
+          <a:lstStyle/>
+          <a:p>
+            <a:pPr algn="ctr"/>
+            <a:r>
+              <a:rPr lang="en-US" dirty="0">
+                <a:latin typeface="+mn-lt"/>
+              </a:rPr>
+              <a:t>ITIS 6210 Access Control and Security Architecture</a:t>
+            </a:r>
+          </a:p>
+        </p:txBody>
+      </p:sp>
+      <p:sp>
+        <p:nvSpPr>
+          <p:cNvPr id="18" name="TextBox 17">
+            <a:extLst>
+              <a:ext uri="{FF2B5EF4-FFF2-40B4-BE49-F238E27FC236}">
+                <a16:creationId xmlns:a16="http://schemas.microsoft.com/office/drawing/2014/main" id="{7E0EBD12-B902-E2BF-EBCA-C325AC4B09A1}"/>
+              </a:ext>
+            </a:extLst>
+          </p:cNvPr>
+          <p:cNvSpPr txBox="1"/>
+          <p:nvPr/>
+        </p:nvSpPr>
+        <p:spPr>
+          <a:xfrm>
+            <a:off x="2939141" y="3668905"/>
+            <a:ext cx="1150774" cy="738664"/>
+          </a:xfrm>
+          <a:prstGeom prst="rect">
+            <a:avLst/>
+          </a:prstGeom>
+          <a:noFill/>
+        </p:spPr>
+        <p:txBody>
+          <a:bodyPr wrap="square" rtlCol="0">
+            <a:spAutoFit/>
+          </a:bodyPr>
+          <a:lstStyle/>
+          <a:p>
+            <a:pPr algn="ctr"/>
+            <a:r>
+              <a:rPr lang="en-US" dirty="0">
+                <a:latin typeface="+mn-lt"/>
+              </a:rPr>
+              <a:t>ITIS 6220 Data Privacy</a:t>
+            </a:r>
+          </a:p>
+        </p:txBody>
+      </p:sp>
+      <p:sp>
+        <p:nvSpPr>
+          <p:cNvPr id="19" name="TextBox 18">
+            <a:extLst>
+              <a:ext uri="{FF2B5EF4-FFF2-40B4-BE49-F238E27FC236}">
+                <a16:creationId xmlns:a16="http://schemas.microsoft.com/office/drawing/2014/main" id="{26C07AC2-299A-A94C-88F1-004722BA15D7}"/>
+              </a:ext>
+            </a:extLst>
+          </p:cNvPr>
+          <p:cNvSpPr txBox="1"/>
+          <p:nvPr/>
+        </p:nvSpPr>
+        <p:spPr>
+          <a:xfrm>
+            <a:off x="4249917" y="4593791"/>
+            <a:ext cx="1572739" cy="523220"/>
+          </a:xfrm>
+          <a:prstGeom prst="rect">
+            <a:avLst/>
+          </a:prstGeom>
+          <a:noFill/>
+        </p:spPr>
+        <p:txBody>
+          <a:bodyPr wrap="square" rtlCol="0">
+            <a:spAutoFit/>
+          </a:bodyPr>
+          <a:lstStyle/>
+          <a:p>
+            <a:pPr algn="ctr"/>
+            <a:r>
+              <a:rPr lang="en-US" dirty="0">
+                <a:latin typeface="+mn-lt"/>
+              </a:rPr>
+              <a:t>ITIS 6330 Malware Analysis</a:t>
+            </a:r>
+          </a:p>
+        </p:txBody>
+      </p:sp>
+      <p:sp>
+        <p:nvSpPr>
+          <p:cNvPr id="20" name="TextBox 19">
+            <a:extLst>
+              <a:ext uri="{FF2B5EF4-FFF2-40B4-BE49-F238E27FC236}">
+                <a16:creationId xmlns:a16="http://schemas.microsoft.com/office/drawing/2014/main" id="{79BE27C5-0D13-5220-6E79-9A6540FE32CD}"/>
+              </a:ext>
+            </a:extLst>
+          </p:cNvPr>
+          <p:cNvSpPr txBox="1"/>
+          <p:nvPr/>
+        </p:nvSpPr>
+        <p:spPr>
+          <a:xfrm>
+            <a:off x="1675036" y="4381691"/>
+            <a:ext cx="1460146" cy="738664"/>
+          </a:xfrm>
+          <a:prstGeom prst="rect">
+            <a:avLst/>
+          </a:prstGeom>
+          <a:noFill/>
+        </p:spPr>
+        <p:txBody>
+          <a:bodyPr wrap="square" rtlCol="0">
+            <a:spAutoFit/>
+          </a:bodyPr>
+          <a:lstStyle/>
+          <a:p>
+            <a:pPr algn="ctr"/>
+            <a:r>
+              <a:rPr lang="en-US" dirty="0">
+                <a:latin typeface="+mn-lt"/>
+              </a:rPr>
+              <a:t>ITIS 6429 Usable Security and Privacy</a:t>
+            </a:r>
+          </a:p>
+        </p:txBody>
+      </p:sp>
+      <p:sp>
+        <p:nvSpPr>
+          <p:cNvPr id="21" name="Google Shape;121;p23">
+            <a:extLst>
+              <a:ext uri="{FF2B5EF4-FFF2-40B4-BE49-F238E27FC236}">
+                <a16:creationId xmlns:a16="http://schemas.microsoft.com/office/drawing/2014/main" id="{1CA36982-3D09-649C-7CC3-645E9D08C3A6}"/>
+              </a:ext>
+            </a:extLst>
+          </p:cNvPr>
+          <p:cNvSpPr/>
+          <p:nvPr/>
+        </p:nvSpPr>
+        <p:spPr>
+          <a:xfrm>
+            <a:off x="57474" y="1500997"/>
+            <a:ext cx="1340005" cy="1958196"/>
+          </a:xfrm>
+          <a:prstGeom prst="rect">
+            <a:avLst/>
+          </a:prstGeom>
+          <a:noFill/>
+          <a:ln w="19050" cap="flat" cmpd="sng">
+            <a:solidFill>
+              <a:schemeClr val="dk1"/>
+            </a:solidFill>
+            <a:prstDash val="dash"/>
+            <a:round/>
+            <a:headEnd type="none" w="sm" len="sm"/>
+            <a:tailEnd type="none" w="sm" len="sm"/>
+          </a:ln>
+        </p:spPr>
+        <p:txBody>
+          <a:bodyPr spcFirstLastPara="1" wrap="square" lIns="91425" tIns="91425" rIns="91425" bIns="91425" anchor="ctr" anchorCtr="0">
+            <a:noAutofit/>
+          </a:bodyPr>
+          <a:lstStyle/>
+          <a:p>
+            <a:pPr marL="0" lvl="0" indent="0" rtl="0">
+              <a:spcBef>
+                <a:spcPts val="0"/>
+              </a:spcBef>
+              <a:spcAft>
+                <a:spcPts val="0"/>
+              </a:spcAft>
+              <a:buNone/>
+            </a:pPr>
+            <a:endParaRPr lang="en" sz="2400" b="1" i="1" dirty="0"/>
+          </a:p>
+          <a:p>
+            <a:pPr marL="342900" lvl="0" indent="-342900" rtl="0">
+              <a:lnSpc>
+                <a:spcPct val="150000"/>
+              </a:lnSpc>
+              <a:spcBef>
+                <a:spcPts val="0"/>
+              </a:spcBef>
+              <a:spcAft>
+                <a:spcPts val="0"/>
+              </a:spcAft>
+              <a:buFont typeface="Arial" panose="020B0604020202020204" pitchFamily="34" charset="0"/>
+              <a:buChar char="•"/>
+            </a:pPr>
+            <a:endParaRPr lang="en" sz="2000" i="1" dirty="0"/>
+          </a:p>
+        </p:txBody>
+      </p:sp>
+      <p:sp>
+        <p:nvSpPr>
+          <p:cNvPr id="22" name="Google Shape;121;p23">
+            <a:extLst>
+              <a:ext uri="{FF2B5EF4-FFF2-40B4-BE49-F238E27FC236}">
+                <a16:creationId xmlns:a16="http://schemas.microsoft.com/office/drawing/2014/main" id="{81EE77C4-805D-95ED-2D2A-811AB5AAA8BF}"/>
+              </a:ext>
+            </a:extLst>
+          </p:cNvPr>
+          <p:cNvSpPr/>
+          <p:nvPr/>
+        </p:nvSpPr>
+        <p:spPr>
+          <a:xfrm>
+            <a:off x="1590821" y="1260461"/>
+            <a:ext cx="1149625" cy="2198731"/>
+          </a:xfrm>
+          <a:prstGeom prst="rect">
+            <a:avLst/>
+          </a:prstGeom>
+          <a:noFill/>
+          <a:ln w="19050" cap="flat" cmpd="sng">
+            <a:solidFill>
+              <a:schemeClr val="dk1"/>
+            </a:solidFill>
+            <a:prstDash val="dash"/>
+            <a:round/>
+            <a:headEnd type="none" w="sm" len="sm"/>
+            <a:tailEnd type="none" w="sm" len="sm"/>
+          </a:ln>
+        </p:spPr>
+        <p:txBody>
+          <a:bodyPr spcFirstLastPara="1" wrap="square" lIns="91425" tIns="91425" rIns="91425" bIns="91425" anchor="ctr" anchorCtr="0">
+            <a:noAutofit/>
+          </a:bodyPr>
+          <a:lstStyle/>
+          <a:p>
+            <a:pPr marL="0" lvl="0" indent="0" rtl="0">
+              <a:spcBef>
+                <a:spcPts val="0"/>
+              </a:spcBef>
+              <a:spcAft>
+                <a:spcPts val="0"/>
+              </a:spcAft>
+              <a:buNone/>
+            </a:pPr>
+            <a:endParaRPr lang="en" sz="2400" b="1" i="1" dirty="0"/>
+          </a:p>
+          <a:p>
+            <a:pPr marL="342900" lvl="0" indent="-342900" rtl="0">
+              <a:lnSpc>
+                <a:spcPct val="150000"/>
+              </a:lnSpc>
+              <a:spcBef>
+                <a:spcPts val="0"/>
+              </a:spcBef>
+              <a:spcAft>
+                <a:spcPts val="0"/>
+              </a:spcAft>
+              <a:buFont typeface="Arial" panose="020B0604020202020204" pitchFamily="34" charset="0"/>
+              <a:buChar char="•"/>
+            </a:pPr>
+            <a:endParaRPr lang="en" sz="2000" i="1" dirty="0"/>
+          </a:p>
+        </p:txBody>
+      </p:sp>
+      <p:sp>
+        <p:nvSpPr>
+          <p:cNvPr id="23" name="Google Shape;121;p23">
+            <a:extLst>
+              <a:ext uri="{FF2B5EF4-FFF2-40B4-BE49-F238E27FC236}">
+                <a16:creationId xmlns:a16="http://schemas.microsoft.com/office/drawing/2014/main" id="{C50EABB8-85F4-C86A-5C32-09401655F535}"/>
+              </a:ext>
+            </a:extLst>
+          </p:cNvPr>
+          <p:cNvSpPr/>
+          <p:nvPr/>
+        </p:nvSpPr>
+        <p:spPr>
+          <a:xfrm>
+            <a:off x="2888248" y="1249976"/>
+            <a:ext cx="1218372" cy="3157593"/>
+          </a:xfrm>
+          <a:prstGeom prst="rect">
+            <a:avLst/>
+          </a:prstGeom>
+          <a:noFill/>
+          <a:ln w="19050" cap="flat" cmpd="sng">
+            <a:solidFill>
+              <a:schemeClr val="dk1"/>
+            </a:solidFill>
+            <a:prstDash val="dash"/>
+            <a:round/>
+            <a:headEnd type="none" w="sm" len="sm"/>
+            <a:tailEnd type="none" w="sm" len="sm"/>
+          </a:ln>
+        </p:spPr>
+        <p:txBody>
+          <a:bodyPr spcFirstLastPara="1" wrap="square" lIns="91425" tIns="91425" rIns="91425" bIns="91425" anchor="ctr" anchorCtr="0">
+            <a:noAutofit/>
+          </a:bodyPr>
+          <a:lstStyle/>
+          <a:p>
+            <a:pPr marL="0" lvl="0" indent="0" rtl="0">
+              <a:spcBef>
+                <a:spcPts val="0"/>
+              </a:spcBef>
+              <a:spcAft>
+                <a:spcPts val="0"/>
+              </a:spcAft>
+              <a:buNone/>
+            </a:pPr>
+            <a:endParaRPr lang="en" sz="2400" b="1" i="1" dirty="0"/>
+          </a:p>
+          <a:p>
+            <a:pPr marL="342900" lvl="0" indent="-342900" rtl="0">
+              <a:lnSpc>
+                <a:spcPct val="150000"/>
+              </a:lnSpc>
+              <a:spcBef>
+                <a:spcPts val="0"/>
+              </a:spcBef>
+              <a:spcAft>
+                <a:spcPts val="0"/>
+              </a:spcAft>
+              <a:buFont typeface="Arial" panose="020B0604020202020204" pitchFamily="34" charset="0"/>
+              <a:buChar char="•"/>
+            </a:pPr>
+            <a:endParaRPr lang="en" sz="2000" i="1" dirty="0"/>
+          </a:p>
+        </p:txBody>
+      </p:sp>
+      <p:sp>
+        <p:nvSpPr>
+          <p:cNvPr id="24" name="Google Shape;121;p23">
+            <a:extLst>
+              <a:ext uri="{FF2B5EF4-FFF2-40B4-BE49-F238E27FC236}">
+                <a16:creationId xmlns:a16="http://schemas.microsoft.com/office/drawing/2014/main" id="{534D6610-5AE1-7195-45BA-374F275775D5}"/>
+              </a:ext>
+            </a:extLst>
+          </p:cNvPr>
+          <p:cNvSpPr/>
+          <p:nvPr/>
+        </p:nvSpPr>
+        <p:spPr>
+          <a:xfrm>
+            <a:off x="4249917" y="1226683"/>
+            <a:ext cx="1623442" cy="3916817"/>
+          </a:xfrm>
+          <a:prstGeom prst="rect">
+            <a:avLst/>
+          </a:prstGeom>
+          <a:noFill/>
+          <a:ln w="19050" cap="flat" cmpd="sng">
+            <a:solidFill>
+              <a:schemeClr val="dk1"/>
+            </a:solidFill>
+            <a:prstDash val="dash"/>
+            <a:round/>
+            <a:headEnd type="none" w="sm" len="sm"/>
+            <a:tailEnd type="none" w="sm" len="sm"/>
+          </a:ln>
+        </p:spPr>
+        <p:txBody>
+          <a:bodyPr spcFirstLastPara="1" wrap="square" lIns="91425" tIns="91425" rIns="91425" bIns="91425" anchor="ctr" anchorCtr="0">
+            <a:noAutofit/>
+          </a:bodyPr>
+          <a:lstStyle/>
+          <a:p>
+            <a:pPr marL="0" lvl="0" indent="0" rtl="0">
+              <a:spcBef>
+                <a:spcPts val="0"/>
+              </a:spcBef>
+              <a:spcAft>
+                <a:spcPts val="0"/>
+              </a:spcAft>
+              <a:buNone/>
+            </a:pPr>
+            <a:endParaRPr lang="en" sz="2400" b="1" i="1" dirty="0"/>
+          </a:p>
+          <a:p>
+            <a:pPr marL="342900" lvl="0" indent="-342900" rtl="0">
+              <a:lnSpc>
+                <a:spcPct val="150000"/>
+              </a:lnSpc>
+              <a:spcBef>
+                <a:spcPts val="0"/>
+              </a:spcBef>
+              <a:spcAft>
+                <a:spcPts val="0"/>
+              </a:spcAft>
+              <a:buFont typeface="Arial" panose="020B0604020202020204" pitchFamily="34" charset="0"/>
+              <a:buChar char="•"/>
+            </a:pPr>
+            <a:endParaRPr lang="en" sz="2000" i="1" dirty="0"/>
+          </a:p>
+        </p:txBody>
+      </p:sp>
+      <p:sp>
+        <p:nvSpPr>
+          <p:cNvPr id="25" name="Google Shape;121;p23">
+            <a:extLst>
+              <a:ext uri="{FF2B5EF4-FFF2-40B4-BE49-F238E27FC236}">
+                <a16:creationId xmlns:a16="http://schemas.microsoft.com/office/drawing/2014/main" id="{4431A4E3-DBFD-2B59-305B-E8EE8D813587}"/>
+              </a:ext>
+            </a:extLst>
+          </p:cNvPr>
+          <p:cNvSpPr/>
+          <p:nvPr/>
+        </p:nvSpPr>
+        <p:spPr>
+          <a:xfrm>
+            <a:off x="6084148" y="1217666"/>
+            <a:ext cx="1335019" cy="3036659"/>
+          </a:xfrm>
+          <a:prstGeom prst="rect">
+            <a:avLst/>
+          </a:prstGeom>
+          <a:noFill/>
+          <a:ln w="19050" cap="flat" cmpd="sng">
+            <a:solidFill>
+              <a:schemeClr val="dk1"/>
+            </a:solidFill>
+            <a:prstDash val="dash"/>
+            <a:round/>
+            <a:headEnd type="none" w="sm" len="sm"/>
+            <a:tailEnd type="none" w="sm" len="sm"/>
+          </a:ln>
+        </p:spPr>
+        <p:txBody>
+          <a:bodyPr spcFirstLastPara="1" wrap="square" lIns="91425" tIns="91425" rIns="91425" bIns="91425" anchor="ctr" anchorCtr="0">
+            <a:noAutofit/>
+          </a:bodyPr>
+          <a:lstStyle/>
+          <a:p>
+            <a:pPr marL="0" lvl="0" indent="0" rtl="0">
+              <a:spcBef>
+                <a:spcPts val="0"/>
+              </a:spcBef>
+              <a:spcAft>
+                <a:spcPts val="0"/>
+              </a:spcAft>
+              <a:buNone/>
+            </a:pPr>
+            <a:endParaRPr lang="en" sz="2400" b="1" i="1" dirty="0"/>
+          </a:p>
+          <a:p>
+            <a:pPr marL="342900" lvl="0" indent="-342900" rtl="0">
+              <a:lnSpc>
+                <a:spcPct val="150000"/>
+              </a:lnSpc>
+              <a:spcBef>
+                <a:spcPts val="0"/>
+              </a:spcBef>
+              <a:spcAft>
+                <a:spcPts val="0"/>
+              </a:spcAft>
+              <a:buFont typeface="Arial" panose="020B0604020202020204" pitchFamily="34" charset="0"/>
+              <a:buChar char="•"/>
+            </a:pPr>
+            <a:endParaRPr lang="en" sz="2000" i="1" dirty="0"/>
+          </a:p>
+        </p:txBody>
+      </p:sp>
+      <p:sp>
+        <p:nvSpPr>
+          <p:cNvPr id="26" name="Google Shape;121;p23">
+            <a:extLst>
+              <a:ext uri="{FF2B5EF4-FFF2-40B4-BE49-F238E27FC236}">
+                <a16:creationId xmlns:a16="http://schemas.microsoft.com/office/drawing/2014/main" id="{24B03F95-22E8-F939-CD81-03A0AADCE562}"/>
+              </a:ext>
+            </a:extLst>
+          </p:cNvPr>
+          <p:cNvSpPr/>
+          <p:nvPr/>
+        </p:nvSpPr>
+        <p:spPr>
+          <a:xfrm>
+            <a:off x="7557941" y="1226684"/>
+            <a:ext cx="1479741" cy="3018624"/>
+          </a:xfrm>
+          <a:prstGeom prst="rect">
+            <a:avLst/>
+          </a:prstGeom>
+          <a:noFill/>
+          <a:ln w="19050" cap="flat" cmpd="sng">
+            <a:solidFill>
+              <a:schemeClr val="dk1"/>
+            </a:solidFill>
+            <a:prstDash val="dash"/>
+            <a:round/>
+            <a:headEnd type="none" w="sm" len="sm"/>
+            <a:tailEnd type="none" w="sm" len="sm"/>
+          </a:ln>
+        </p:spPr>
+        <p:txBody>
+          <a:bodyPr spcFirstLastPara="1" wrap="square" lIns="91425" tIns="91425" rIns="91425" bIns="91425" anchor="ctr" anchorCtr="0">
+            <a:noAutofit/>
+          </a:bodyPr>
+          <a:lstStyle/>
+          <a:p>
+            <a:pPr marL="0" lvl="0" indent="0" rtl="0">
+              <a:spcBef>
+                <a:spcPts val="0"/>
+              </a:spcBef>
+              <a:spcAft>
+                <a:spcPts val="0"/>
+              </a:spcAft>
+              <a:buNone/>
+            </a:pPr>
+            <a:endParaRPr lang="en" sz="2400" b="1" i="1" dirty="0"/>
+          </a:p>
+          <a:p>
+            <a:pPr marL="342900" lvl="0" indent="-342900" rtl="0">
+              <a:lnSpc>
+                <a:spcPct val="150000"/>
+              </a:lnSpc>
+              <a:spcBef>
+                <a:spcPts val="0"/>
+              </a:spcBef>
+              <a:spcAft>
+                <a:spcPts val="0"/>
+              </a:spcAft>
+              <a:buFont typeface="Arial" panose="020B0604020202020204" pitchFamily="34" charset="0"/>
+              <a:buChar char="•"/>
+            </a:pPr>
+            <a:endParaRPr lang="en" sz="2000" i="1" dirty="0"/>
+          </a:p>
+        </p:txBody>
+      </p:sp>
+    </p:spTree>
+    <p:extLst>
+      <p:ext uri="{BB962C8B-B14F-4D97-AF65-F5344CB8AC3E}">
+        <p14:creationId xmlns:p14="http://schemas.microsoft.com/office/powerpoint/2010/main" val="3633999802"/>
+      </p:ext>
+    </p:extLst>
   </p:cSld>
   <p:clrMapOvr>
     <a:masterClrMapping/>

--- a/teaching/ITIS6200/2023fa/lectures/Sep.5.syllabus.update.pptx
+++ b/teaching/ITIS6200/2023fa/lectures/Sep.5.syllabus.update.pptx
@@ -5,15 +5,14 @@
     <p:sldMasterId id="2147483663" r:id="rId1"/>
   </p:sldMasterIdLst>
   <p:notesMasterIdLst>
-    <p:notesMasterId r:id="rId8"/>
+    <p:notesMasterId r:id="rId7"/>
   </p:notesMasterIdLst>
   <p:sldIdLst>
     <p:sldId id="257" r:id="rId2"/>
     <p:sldId id="258" r:id="rId3"/>
     <p:sldId id="259" r:id="rId4"/>
     <p:sldId id="261" r:id="rId5"/>
-    <p:sldId id="262" r:id="rId6"/>
-    <p:sldId id="263" r:id="rId7"/>
+    <p:sldId id="263" r:id="rId6"/>
   </p:sldIdLst>
   <p:sldSz cx="9144000" cy="5143500" type="screen16x9"/>
   <p:notesSz cx="6858000" cy="9144000"/>
@@ -1163,197 +1162,6 @@
 </file>
 
 <file path=ppt/notesSlides/notesSlide5.xml><?xml version="1.0" encoding="utf-8"?>
-<p:notes xmlns:a="http://schemas.openxmlformats.org/drawingml/2006/main" xmlns:r="http://schemas.openxmlformats.org/officeDocument/2006/relationships" xmlns:p="http://schemas.openxmlformats.org/presentationml/2006/main" showMasterSp="0" showMasterPhAnim="0">
-  <p:cSld>
-    <p:spTree>
-      <p:nvGrpSpPr>
-        <p:cNvPr id="1" name="Shape 75"/>
-        <p:cNvGrpSpPr/>
-        <p:nvPr/>
-      </p:nvGrpSpPr>
-      <p:grpSpPr>
-        <a:xfrm>
-          <a:off x="0" y="0"/>
-          <a:ext cx="0" cy="0"/>
-          <a:chOff x="0" y="0"/>
-          <a:chExt cx="0" cy="0"/>
-        </a:xfrm>
-      </p:grpSpPr>
-      <p:sp>
-        <p:nvSpPr>
-          <p:cNvPr id="76" name="Google Shape;76;g1139d5a3aa1_0_3:notes"/>
-          <p:cNvSpPr>
-            <a:spLocks noGrp="1" noRot="1" noChangeAspect="1"/>
-          </p:cNvSpPr>
-          <p:nvPr>
-            <p:ph type="sldImg" idx="2"/>
-          </p:nvPr>
-        </p:nvSpPr>
-        <p:spPr>
-          <a:xfrm>
-            <a:off x="381000" y="685800"/>
-            <a:ext cx="6096000" cy="3429000"/>
-          </a:xfrm>
-          <a:custGeom>
-            <a:avLst/>
-            <a:gdLst/>
-            <a:ahLst/>
-            <a:cxnLst/>
-            <a:rect l="l" t="t" r="r" b="b"/>
-            <a:pathLst>
-              <a:path w="120000" h="120000" extrusionOk="0">
-                <a:moveTo>
-                  <a:pt x="0" y="0"/>
-                </a:moveTo>
-                <a:lnTo>
-                  <a:pt x="120000" y="0"/>
-                </a:lnTo>
-                <a:lnTo>
-                  <a:pt x="120000" y="120000"/>
-                </a:lnTo>
-                <a:lnTo>
-                  <a:pt x="0" y="120000"/>
-                </a:lnTo>
-                <a:close/>
-              </a:path>
-            </a:pathLst>
-          </a:custGeom>
-        </p:spPr>
-      </p:sp>
-      <p:sp>
-        <p:nvSpPr>
-          <p:cNvPr id="77" name="Google Shape;77;g1139d5a3aa1_0_3:notes"/>
-          <p:cNvSpPr txBox="1">
-            <a:spLocks noGrp="1"/>
-          </p:cNvSpPr>
-          <p:nvPr>
-            <p:ph type="body" idx="1"/>
-          </p:nvPr>
-        </p:nvSpPr>
-        <p:spPr>
-          <a:xfrm>
-            <a:off x="685800" y="4343400"/>
-            <a:ext cx="5486400" cy="4114800"/>
-          </a:xfrm>
-          <a:prstGeom prst="rect">
-            <a:avLst/>
-          </a:prstGeom>
-        </p:spPr>
-        <p:txBody>
-          <a:bodyPr spcFirstLastPara="1" wrap="square" lIns="91425" tIns="91425" rIns="91425" bIns="91425" anchor="t" anchorCtr="0">
-            <a:noAutofit/>
-          </a:bodyPr>
-          <a:lstStyle/>
-          <a:p>
-            <a:pPr marL="1371600" lvl="3"/>
-            <a:endParaRPr lang="en-US" dirty="0"/>
-          </a:p>
-          <a:p>
-            <a:pPr marL="1600200" lvl="3" indent="-228600">
-              <a:buFont typeface="Arial" panose="020B0604020202020204" pitchFamily="34" charset="0"/>
-              <a:buChar char="•"/>
-            </a:pPr>
-            <a:r>
-              <a:rPr lang="en-US" dirty="0">
-                <a:effectLst/>
-                <a:latin typeface="Helvetica Neue" panose="02000503000000020004" pitchFamily="2" charset="0"/>
-              </a:rPr>
-              <a:t>ITIS 5331 - Web-Based Mobile and IoT Firmware Security (3)</a:t>
-            </a:r>
-          </a:p>
-          <a:p>
-            <a:pPr marL="1600200" lvl="3" indent="-228600">
-              <a:buFont typeface="Arial" panose="020B0604020202020204" pitchFamily="34" charset="0"/>
-              <a:buChar char="•"/>
-            </a:pPr>
-            <a:r>
-              <a:rPr lang="en-US" dirty="0">
-                <a:effectLst/>
-                <a:latin typeface="Helvetica Neue" panose="02000503000000020004" pitchFamily="2" charset="0"/>
-              </a:rPr>
-              <a:t>ITIS 6210 - Access Control and Security Architecture (3)</a:t>
-            </a:r>
-          </a:p>
-          <a:p>
-            <a:pPr marL="1600200" lvl="3" indent="-228600">
-              <a:buFont typeface="Arial" panose="020B0604020202020204" pitchFamily="34" charset="0"/>
-              <a:buChar char="•"/>
-            </a:pPr>
-            <a:r>
-              <a:rPr lang="en-US" dirty="0">
-                <a:effectLst/>
-                <a:latin typeface="Helvetica Neue" panose="02000503000000020004" pitchFamily="2" charset="0"/>
-              </a:rPr>
-              <a:t>ITIS 6220 - Data Privacy (3)</a:t>
-            </a:r>
-          </a:p>
-          <a:p>
-            <a:pPr marL="1600200" lvl="3" indent="-228600">
-              <a:buFont typeface="Arial" panose="020B0604020202020204" pitchFamily="34" charset="0"/>
-              <a:buChar char="•"/>
-            </a:pPr>
-            <a:r>
-              <a:rPr lang="en-US" dirty="0">
-                <a:effectLst/>
-                <a:latin typeface="Helvetica Neue" panose="02000503000000020004" pitchFamily="2" charset="0"/>
-              </a:rPr>
-              <a:t>ITIS 6330 - Malware Analysis (3)</a:t>
-            </a:r>
-          </a:p>
-          <a:p>
-            <a:pPr marL="1600200" lvl="3" indent="-228600">
-              <a:buFont typeface="Arial" panose="020B0604020202020204" pitchFamily="34" charset="0"/>
-              <a:buChar char="•"/>
-            </a:pPr>
-            <a:r>
-              <a:rPr lang="en-US" dirty="0">
-                <a:effectLst/>
-                <a:latin typeface="Helvetica Neue" panose="02000503000000020004" pitchFamily="2" charset="0"/>
-              </a:rPr>
-              <a:t>ITIS 6362 - Information Technology Ethics, Policy, and Security</a:t>
-            </a:r>
-          </a:p>
-          <a:p>
-            <a:pPr marL="1600200" lvl="3" indent="-228600">
-              <a:buFont typeface="Arial" panose="020B0604020202020204" pitchFamily="34" charset="0"/>
-              <a:buChar char="•"/>
-            </a:pPr>
-            <a:r>
-              <a:rPr lang="en-US" dirty="0">
-                <a:effectLst/>
-                <a:latin typeface="Helvetica Neue" panose="02000503000000020004" pitchFamily="2" charset="0"/>
-              </a:rPr>
-              <a:t>ITIS 6420 - Usable Security and Privacy</a:t>
-            </a:r>
-          </a:p>
-          <a:p>
-            <a:pPr marL="0" lvl="0" indent="0" algn="l" rtl="0">
-              <a:spcBef>
-                <a:spcPts val="0"/>
-              </a:spcBef>
-              <a:spcAft>
-                <a:spcPts val="0"/>
-              </a:spcAft>
-              <a:buNone/>
-            </a:pPr>
-            <a:endParaRPr dirty="0"/>
-          </a:p>
-        </p:txBody>
-      </p:sp>
-    </p:spTree>
-    <p:extLst>
-      <p:ext uri="{BB962C8B-B14F-4D97-AF65-F5344CB8AC3E}">
-        <p14:creationId xmlns:p14="http://schemas.microsoft.com/office/powerpoint/2010/main" val="3526938453"/>
-      </p:ext>
-    </p:extLst>
-  </p:cSld>
-  <p:clrMapOvr>
-    <a:masterClrMapping/>
-  </p:clrMapOvr>
-</p:notes>
-</file>
-
-<file path=ppt/notesSlides/notesSlide6.xml><?xml version="1.0" encoding="utf-8"?>
 <p:notes xmlns:a="http://schemas.openxmlformats.org/drawingml/2006/main" xmlns:r="http://schemas.openxmlformats.org/officeDocument/2006/relationships" xmlns:p="http://schemas.openxmlformats.org/presentationml/2006/main" showMasterSp="0" showMasterPhAnim="0">
   <p:cSld>
     <p:spTree>
@@ -5499,14 +5307,14 @@
               <a:buChar char="●"/>
             </a:pPr>
             <a:r>
-              <a:rPr lang="en-US" sz="2400" dirty="0">
+              <a:rPr lang="en-US" sz="2400" b="1" dirty="0">
                 <a:solidFill>
                   <a:schemeClr val="tx1"/>
                 </a:solidFill>
                 <a:effectLst/>
                 <a:latin typeface="Helvetica Neue" panose="02000503000000020004" pitchFamily="2" charset="0"/>
               </a:rPr>
-              <a:t>Quiz: 10%</a:t>
+              <a:t>Quiz: 10% (4 quizzes total)</a:t>
             </a:r>
           </a:p>
           <a:p>
@@ -5540,6 +5348,19 @@
               </a:rPr>
               <a:t>Final: 20%</a:t>
             </a:r>
+          </a:p>
+          <a:p>
+            <a:pPr lvl="1" indent="-342900">
+              <a:buSzPts val="1800"/>
+              <a:buChar char="●"/>
+            </a:pPr>
+            <a:endParaRPr lang="en-US" sz="2400" dirty="0">
+              <a:solidFill>
+                <a:schemeClr val="tx1"/>
+              </a:solidFill>
+              <a:effectLst/>
+              <a:latin typeface="Helvetica Neue" panose="02000503000000020004" pitchFamily="2" charset="0"/>
+            </a:endParaRPr>
           </a:p>
           <a:p>
             <a:pPr lvl="1" indent="-342900">
@@ -5731,7 +5552,7 @@
                 <a:effectLst/>
                 <a:latin typeface="Helvetica Neue" panose="02000503000000020004" pitchFamily="2" charset="0"/>
               </a:rPr>
-              <a:t>Penalty: 25% of the initial score </a:t>
+              <a:t>Penalty: 25% of the initial score</a:t>
             </a:r>
           </a:p>
           <a:p>
@@ -5773,7 +5594,25 @@
                 </a:solidFill>
                 <a:latin typeface="Helvetica Neue" panose="02000503000000020004" pitchFamily="2" charset="0"/>
               </a:rPr>
-              <a:t>Example: Alice was late for assignment #1, and she got 80 points for the questions of the assignment. Her final score would be 80*75% = 60. </a:t>
+              <a:t>Example: Alice was late for assignment #1, </a:t>
+            </a:r>
+            <a:r>
+              <a:rPr lang="en-US" sz="2400">
+                <a:solidFill>
+                  <a:schemeClr val="tx1"/>
+                </a:solidFill>
+                <a:latin typeface="Helvetica Neue" panose="02000503000000020004" pitchFamily="2" charset="0"/>
+              </a:rPr>
+              <a:t>and her submission got 80 </a:t>
+            </a:r>
+            <a:r>
+              <a:rPr lang="en-US" sz="2400" dirty="0">
+                <a:solidFill>
+                  <a:schemeClr val="tx1"/>
+                </a:solidFill>
+                <a:latin typeface="Helvetica Neue" panose="02000503000000020004" pitchFamily="2" charset="0"/>
+              </a:rPr>
+              <a:t>points for all the questions in the assignment. Then, her final score would be 80*(1-25%) = 60. </a:t>
             </a:r>
           </a:p>
         </p:txBody>
@@ -6371,878 +6210,6 @@
             <a:fld id="{00000000-1234-1234-1234-123412341234}" type="slidenum">
               <a:rPr lang="en"/>
               <a:t>5</a:t>
-            </a:fld>
-            <a:endParaRPr/>
-          </a:p>
-        </p:txBody>
-      </p:sp>
-      <p:sp>
-        <p:nvSpPr>
-          <p:cNvPr id="4" name="Google Shape;121;p23">
-            <a:extLst>
-              <a:ext uri="{FF2B5EF4-FFF2-40B4-BE49-F238E27FC236}">
-                <a16:creationId xmlns:a16="http://schemas.microsoft.com/office/drawing/2014/main" id="{377FD806-E52B-6459-057E-04974BB8A7CB}"/>
-              </a:ext>
-            </a:extLst>
-          </p:cNvPr>
-          <p:cNvSpPr/>
-          <p:nvPr/>
-        </p:nvSpPr>
-        <p:spPr>
-          <a:xfrm>
-            <a:off x="428354" y="1164566"/>
-            <a:ext cx="2823803" cy="3978934"/>
-          </a:xfrm>
-          <a:prstGeom prst="rect">
-            <a:avLst/>
-          </a:prstGeom>
-          <a:noFill/>
-          <a:ln w="19050" cap="flat" cmpd="sng">
-            <a:solidFill>
-              <a:schemeClr val="dk1"/>
-            </a:solidFill>
-            <a:prstDash val="solid"/>
-            <a:round/>
-            <a:headEnd type="none" w="sm" len="sm"/>
-            <a:tailEnd type="none" w="sm" len="sm"/>
-          </a:ln>
-        </p:spPr>
-        <p:txBody>
-          <a:bodyPr spcFirstLastPara="1" wrap="square" lIns="91425" tIns="91425" rIns="91425" bIns="91425" anchor="ctr" anchorCtr="0">
-            <a:noAutofit/>
-          </a:bodyPr>
-          <a:lstStyle/>
-          <a:p>
-            <a:pPr marL="0" lvl="0" indent="0" rtl="0">
-              <a:spcBef>
-                <a:spcPts val="0"/>
-              </a:spcBef>
-              <a:spcAft>
-                <a:spcPts val="0"/>
-              </a:spcAft>
-              <a:buNone/>
-            </a:pPr>
-            <a:endParaRPr lang="en" sz="2400" b="1" i="1" dirty="0"/>
-          </a:p>
-          <a:p>
-            <a:pPr marL="342900" lvl="0" indent="-342900" rtl="0">
-              <a:lnSpc>
-                <a:spcPct val="150000"/>
-              </a:lnSpc>
-              <a:spcBef>
-                <a:spcPts val="0"/>
-              </a:spcBef>
-              <a:spcAft>
-                <a:spcPts val="0"/>
-              </a:spcAft>
-              <a:buFont typeface="Arial" panose="020B0604020202020204" pitchFamily="34" charset="0"/>
-              <a:buChar char="•"/>
-            </a:pPr>
-            <a:endParaRPr lang="en" sz="2000" i="1" dirty="0"/>
-          </a:p>
-        </p:txBody>
-      </p:sp>
-      <p:cxnSp>
-        <p:nvCxnSpPr>
-          <p:cNvPr id="5" name="Google Shape;122;p23">
-            <a:extLst>
-              <a:ext uri="{FF2B5EF4-FFF2-40B4-BE49-F238E27FC236}">
-                <a16:creationId xmlns:a16="http://schemas.microsoft.com/office/drawing/2014/main" id="{B94D4C56-0450-8B82-9CA4-17D7E7EA1774}"/>
-              </a:ext>
-            </a:extLst>
-          </p:cNvPr>
-          <p:cNvCxnSpPr>
-            <a:cxnSpLocks/>
-            <a:stCxn id="32" idx="1"/>
-            <a:endCxn id="37" idx="3"/>
-          </p:cNvCxnSpPr>
-          <p:nvPr/>
-        </p:nvCxnSpPr>
-        <p:spPr>
-          <a:xfrm flipH="1">
-            <a:off x="2875341" y="1432190"/>
-            <a:ext cx="950260" cy="683487"/>
-          </a:xfrm>
-          <a:prstGeom prst="straightConnector1">
-            <a:avLst/>
-          </a:prstGeom>
-          <a:noFill/>
-          <a:ln w="19050" cap="flat" cmpd="sng">
-            <a:solidFill>
-              <a:schemeClr val="dk1"/>
-            </a:solidFill>
-            <a:prstDash val="solid"/>
-            <a:round/>
-            <a:headEnd type="triangle" w="med" len="med"/>
-            <a:tailEnd type="none" w="med" len="med"/>
-          </a:ln>
-        </p:spPr>
-      </p:cxnSp>
-      <p:sp>
-        <p:nvSpPr>
-          <p:cNvPr id="29" name="TextBox 28">
-            <a:extLst>
-              <a:ext uri="{FF2B5EF4-FFF2-40B4-BE49-F238E27FC236}">
-                <a16:creationId xmlns:a16="http://schemas.microsoft.com/office/drawing/2014/main" id="{57868CA0-6345-2A98-6BDA-491CAC0802E8}"/>
-              </a:ext>
-            </a:extLst>
-          </p:cNvPr>
-          <p:cNvSpPr txBox="1"/>
-          <p:nvPr/>
-        </p:nvSpPr>
-        <p:spPr>
-          <a:xfrm>
-            <a:off x="3825601" y="1720706"/>
-            <a:ext cx="2978701" cy="338554"/>
-          </a:xfrm>
-          <a:prstGeom prst="rect">
-            <a:avLst/>
-          </a:prstGeom>
-          <a:noFill/>
-        </p:spPr>
-        <p:txBody>
-          <a:bodyPr wrap="none" rtlCol="0">
-            <a:spAutoFit/>
-          </a:bodyPr>
-          <a:lstStyle/>
-          <a:p>
-            <a:r>
-              <a:rPr lang="en-US" sz="1600" dirty="0">
-                <a:effectLst/>
-                <a:latin typeface="+mn-lt"/>
-              </a:rPr>
-              <a:t>ITIS 5250 Computer Forensics</a:t>
-            </a:r>
-          </a:p>
-        </p:txBody>
-      </p:sp>
-      <p:sp>
-        <p:nvSpPr>
-          <p:cNvPr id="31" name="TextBox 30">
-            <a:extLst>
-              <a:ext uri="{FF2B5EF4-FFF2-40B4-BE49-F238E27FC236}">
-                <a16:creationId xmlns:a16="http://schemas.microsoft.com/office/drawing/2014/main" id="{1F71D78B-8F2D-79CB-E016-3A3026FE057B}"/>
-              </a:ext>
-            </a:extLst>
-          </p:cNvPr>
-          <p:cNvSpPr txBox="1"/>
-          <p:nvPr/>
-        </p:nvSpPr>
-        <p:spPr>
-          <a:xfrm>
-            <a:off x="3825601" y="3096318"/>
-            <a:ext cx="3326551" cy="338554"/>
-          </a:xfrm>
-          <a:prstGeom prst="rect">
-            <a:avLst/>
-          </a:prstGeom>
-          <a:noFill/>
-        </p:spPr>
-        <p:txBody>
-          <a:bodyPr wrap="square" rtlCol="0">
-            <a:spAutoFit/>
-          </a:bodyPr>
-          <a:lstStyle/>
-          <a:p>
-            <a:r>
-              <a:rPr lang="en-US" sz="1600" dirty="0">
-                <a:latin typeface="+mn-lt"/>
-              </a:rPr>
-              <a:t>ITIS 6167 Network Security</a:t>
-            </a:r>
-          </a:p>
-        </p:txBody>
-      </p:sp>
-      <p:sp>
-        <p:nvSpPr>
-          <p:cNvPr id="32" name="TextBox 31">
-            <a:extLst>
-              <a:ext uri="{FF2B5EF4-FFF2-40B4-BE49-F238E27FC236}">
-                <a16:creationId xmlns:a16="http://schemas.microsoft.com/office/drawing/2014/main" id="{93C81E7A-4445-02A1-6097-EC331CF007AB}"/>
-              </a:ext>
-            </a:extLst>
-          </p:cNvPr>
-          <p:cNvSpPr txBox="1"/>
-          <p:nvPr/>
-        </p:nvSpPr>
-        <p:spPr>
-          <a:xfrm>
-            <a:off x="3825601" y="1262913"/>
-            <a:ext cx="3782897" cy="338554"/>
-          </a:xfrm>
-          <a:prstGeom prst="rect">
-            <a:avLst/>
-          </a:prstGeom>
-          <a:noFill/>
-        </p:spPr>
-        <p:txBody>
-          <a:bodyPr wrap="square" rtlCol="0">
-            <a:spAutoFit/>
-          </a:bodyPr>
-          <a:lstStyle/>
-          <a:p>
-            <a:r>
-              <a:rPr lang="en-US" sz="1600" dirty="0">
-                <a:latin typeface="+mn-lt"/>
-              </a:rPr>
-              <a:t>ITIS 6240 Applied Cryptography</a:t>
-            </a:r>
-          </a:p>
-        </p:txBody>
-      </p:sp>
-      <p:sp>
-        <p:nvSpPr>
-          <p:cNvPr id="33" name="TextBox 32">
-            <a:extLst>
-              <a:ext uri="{FF2B5EF4-FFF2-40B4-BE49-F238E27FC236}">
-                <a16:creationId xmlns:a16="http://schemas.microsoft.com/office/drawing/2014/main" id="{4FF2E705-8B99-4C78-63EE-796F7B7A5942}"/>
-              </a:ext>
-            </a:extLst>
-          </p:cNvPr>
-          <p:cNvSpPr txBox="1"/>
-          <p:nvPr/>
-        </p:nvSpPr>
-        <p:spPr>
-          <a:xfrm>
-            <a:off x="3825601" y="2166310"/>
-            <a:ext cx="5404664" cy="338554"/>
-          </a:xfrm>
-          <a:prstGeom prst="rect">
-            <a:avLst/>
-          </a:prstGeom>
-          <a:noFill/>
-        </p:spPr>
-        <p:txBody>
-          <a:bodyPr wrap="square" rtlCol="0">
-            <a:spAutoFit/>
-          </a:bodyPr>
-          <a:lstStyle/>
-          <a:p>
-            <a:r>
-              <a:rPr lang="en-US" sz="1600" dirty="0">
-                <a:latin typeface="+mn-lt"/>
-              </a:rPr>
-              <a:t>ITIS 6166 Computer Communication and Networks</a:t>
-            </a:r>
-          </a:p>
-        </p:txBody>
-      </p:sp>
-      <p:sp>
-        <p:nvSpPr>
-          <p:cNvPr id="34" name="TextBox 33">
-            <a:extLst>
-              <a:ext uri="{FF2B5EF4-FFF2-40B4-BE49-F238E27FC236}">
-                <a16:creationId xmlns:a16="http://schemas.microsoft.com/office/drawing/2014/main" id="{E8D4CA34-A8CD-D49F-E754-60FF4886BA52}"/>
-              </a:ext>
-            </a:extLst>
-          </p:cNvPr>
-          <p:cNvSpPr txBox="1"/>
-          <p:nvPr/>
-        </p:nvSpPr>
-        <p:spPr>
-          <a:xfrm>
-            <a:off x="3825601" y="2636885"/>
-            <a:ext cx="5404664" cy="338554"/>
-          </a:xfrm>
-          <a:prstGeom prst="rect">
-            <a:avLst/>
-          </a:prstGeom>
-          <a:noFill/>
-        </p:spPr>
-        <p:txBody>
-          <a:bodyPr wrap="square" rtlCol="0">
-            <a:spAutoFit/>
-          </a:bodyPr>
-          <a:lstStyle/>
-          <a:p>
-            <a:r>
-              <a:rPr lang="en-US" sz="1600" dirty="0">
-                <a:latin typeface="+mn-lt"/>
-              </a:rPr>
-              <a:t>ITIS 6230 Enterprise and Infrastructure Protection</a:t>
-            </a:r>
-          </a:p>
-        </p:txBody>
-      </p:sp>
-      <p:sp>
-        <p:nvSpPr>
-          <p:cNvPr id="37" name="TextBox 36">
-            <a:extLst>
-              <a:ext uri="{FF2B5EF4-FFF2-40B4-BE49-F238E27FC236}">
-                <a16:creationId xmlns:a16="http://schemas.microsoft.com/office/drawing/2014/main" id="{204F8D85-E95B-9094-80D5-8A10BBA8957D}"/>
-              </a:ext>
-            </a:extLst>
-          </p:cNvPr>
-          <p:cNvSpPr txBox="1"/>
-          <p:nvPr/>
-        </p:nvSpPr>
-        <p:spPr>
-          <a:xfrm>
-            <a:off x="757294" y="1915622"/>
-            <a:ext cx="2118047" cy="400110"/>
-          </a:xfrm>
-          <a:prstGeom prst="rect">
-            <a:avLst/>
-          </a:prstGeom>
-          <a:noFill/>
-          <a:ln>
-            <a:solidFill>
-              <a:schemeClr val="dk1"/>
-            </a:solidFill>
-          </a:ln>
-        </p:spPr>
-        <p:txBody>
-          <a:bodyPr wrap="square" rtlCol="0">
-            <a:spAutoFit/>
-          </a:bodyPr>
-          <a:lstStyle/>
-          <a:p>
-            <a:pPr algn="ctr"/>
-            <a:r>
-              <a:rPr lang="en-US" sz="2000" dirty="0">
-                <a:latin typeface="+mn-lt"/>
-              </a:rPr>
-              <a:t>Cryptography</a:t>
-            </a:r>
-            <a:endParaRPr lang="en-US" sz="2000" dirty="0">
-              <a:effectLst/>
-              <a:latin typeface="+mn-lt"/>
-            </a:endParaRPr>
-          </a:p>
-        </p:txBody>
-      </p:sp>
-      <p:sp>
-        <p:nvSpPr>
-          <p:cNvPr id="39" name="TextBox 38">
-            <a:extLst>
-              <a:ext uri="{FF2B5EF4-FFF2-40B4-BE49-F238E27FC236}">
-                <a16:creationId xmlns:a16="http://schemas.microsoft.com/office/drawing/2014/main" id="{3C281E58-4EAA-EAA3-278F-B553FA5E50B6}"/>
-              </a:ext>
-            </a:extLst>
-          </p:cNvPr>
-          <p:cNvSpPr txBox="1"/>
-          <p:nvPr/>
-        </p:nvSpPr>
-        <p:spPr>
-          <a:xfrm>
-            <a:off x="757294" y="2593095"/>
-            <a:ext cx="2118048" cy="400110"/>
-          </a:xfrm>
-          <a:prstGeom prst="rect">
-            <a:avLst/>
-          </a:prstGeom>
-          <a:noFill/>
-          <a:ln>
-            <a:solidFill>
-              <a:schemeClr val="dk1"/>
-            </a:solidFill>
-          </a:ln>
-        </p:spPr>
-        <p:txBody>
-          <a:bodyPr wrap="square">
-            <a:spAutoFit/>
-          </a:bodyPr>
-          <a:lstStyle/>
-          <a:p>
-            <a:pPr lvl="0" algn="ctr" rtl="0">
-              <a:spcBef>
-                <a:spcPts val="0"/>
-              </a:spcBef>
-              <a:spcAft>
-                <a:spcPts val="0"/>
-              </a:spcAft>
-            </a:pPr>
-            <a:r>
-              <a:rPr lang="en" sz="2000" i="1" dirty="0"/>
-              <a:t>Access control</a:t>
-            </a:r>
-          </a:p>
-        </p:txBody>
-      </p:sp>
-      <p:sp>
-        <p:nvSpPr>
-          <p:cNvPr id="41" name="TextBox 40">
-            <a:extLst>
-              <a:ext uri="{FF2B5EF4-FFF2-40B4-BE49-F238E27FC236}">
-                <a16:creationId xmlns:a16="http://schemas.microsoft.com/office/drawing/2014/main" id="{96A5AACA-BB8E-1CC6-84A4-D9F2458F20AB}"/>
-              </a:ext>
-            </a:extLst>
-          </p:cNvPr>
-          <p:cNvSpPr txBox="1"/>
-          <p:nvPr/>
-        </p:nvSpPr>
-        <p:spPr>
-          <a:xfrm>
-            <a:off x="757294" y="3265595"/>
-            <a:ext cx="2118048" cy="400110"/>
-          </a:xfrm>
-          <a:prstGeom prst="rect">
-            <a:avLst/>
-          </a:prstGeom>
-          <a:noFill/>
-          <a:ln>
-            <a:solidFill>
-              <a:schemeClr val="dk1"/>
-            </a:solidFill>
-          </a:ln>
-        </p:spPr>
-        <p:txBody>
-          <a:bodyPr wrap="square">
-            <a:spAutoFit/>
-          </a:bodyPr>
-          <a:lstStyle/>
-          <a:p>
-            <a:pPr lvl="0" algn="ctr" rtl="0">
-              <a:spcBef>
-                <a:spcPts val="0"/>
-              </a:spcBef>
-              <a:spcAft>
-                <a:spcPts val="0"/>
-              </a:spcAft>
-            </a:pPr>
-            <a:r>
-              <a:rPr lang="en" sz="2000" i="1" dirty="0"/>
-              <a:t>Web security</a:t>
-            </a:r>
-          </a:p>
-        </p:txBody>
-      </p:sp>
-      <p:sp>
-        <p:nvSpPr>
-          <p:cNvPr id="43" name="TextBox 42">
-            <a:extLst>
-              <a:ext uri="{FF2B5EF4-FFF2-40B4-BE49-F238E27FC236}">
-                <a16:creationId xmlns:a16="http://schemas.microsoft.com/office/drawing/2014/main" id="{995AE475-AF02-FADF-B450-6BBAD86BB1F7}"/>
-              </a:ext>
-            </a:extLst>
-          </p:cNvPr>
-          <p:cNvSpPr txBox="1"/>
-          <p:nvPr/>
-        </p:nvSpPr>
-        <p:spPr>
-          <a:xfrm>
-            <a:off x="757294" y="3925274"/>
-            <a:ext cx="2118048" cy="400110"/>
-          </a:xfrm>
-          <a:prstGeom prst="rect">
-            <a:avLst/>
-          </a:prstGeom>
-          <a:noFill/>
-          <a:ln>
-            <a:solidFill>
-              <a:schemeClr val="dk1"/>
-            </a:solidFill>
-          </a:ln>
-        </p:spPr>
-        <p:txBody>
-          <a:bodyPr wrap="square">
-            <a:spAutoFit/>
-          </a:bodyPr>
-          <a:lstStyle/>
-          <a:p>
-            <a:pPr lvl="0" algn="ctr" rtl="0">
-              <a:spcBef>
-                <a:spcPts val="0"/>
-              </a:spcBef>
-              <a:spcAft>
-                <a:spcPts val="0"/>
-              </a:spcAft>
-            </a:pPr>
-            <a:r>
-              <a:rPr lang="en" sz="2000" i="1" dirty="0"/>
-              <a:t>Network security</a:t>
-            </a:r>
-          </a:p>
-        </p:txBody>
-      </p:sp>
-      <p:sp>
-        <p:nvSpPr>
-          <p:cNvPr id="45" name="TextBox 44">
-            <a:extLst>
-              <a:ext uri="{FF2B5EF4-FFF2-40B4-BE49-F238E27FC236}">
-                <a16:creationId xmlns:a16="http://schemas.microsoft.com/office/drawing/2014/main" id="{8BEC3733-A0B8-9424-D2A3-0E95CDC9E488}"/>
-              </a:ext>
-            </a:extLst>
-          </p:cNvPr>
-          <p:cNvSpPr txBox="1"/>
-          <p:nvPr/>
-        </p:nvSpPr>
-        <p:spPr>
-          <a:xfrm>
-            <a:off x="757294" y="4526773"/>
-            <a:ext cx="2118048" cy="400110"/>
-          </a:xfrm>
-          <a:prstGeom prst="rect">
-            <a:avLst/>
-          </a:prstGeom>
-          <a:noFill/>
-          <a:ln>
-            <a:solidFill>
-              <a:schemeClr val="dk1"/>
-            </a:solidFill>
-          </a:ln>
-        </p:spPr>
-        <p:txBody>
-          <a:bodyPr wrap="square">
-            <a:spAutoFit/>
-          </a:bodyPr>
-          <a:lstStyle/>
-          <a:p>
-            <a:pPr lvl="0" algn="ctr" rtl="0">
-              <a:spcBef>
-                <a:spcPts val="0"/>
-              </a:spcBef>
-              <a:spcAft>
-                <a:spcPts val="0"/>
-              </a:spcAft>
-            </a:pPr>
-            <a:r>
-              <a:rPr lang="en" sz="2000" i="1" dirty="0"/>
-              <a:t>System security</a:t>
-            </a:r>
-          </a:p>
-        </p:txBody>
-      </p:sp>
-      <p:sp>
-        <p:nvSpPr>
-          <p:cNvPr id="47" name="TextBox 46">
-            <a:extLst>
-              <a:ext uri="{FF2B5EF4-FFF2-40B4-BE49-F238E27FC236}">
-                <a16:creationId xmlns:a16="http://schemas.microsoft.com/office/drawing/2014/main" id="{9CBA0E03-4158-6638-FF58-46CCD90887BD}"/>
-              </a:ext>
-            </a:extLst>
-          </p:cNvPr>
-          <p:cNvSpPr txBox="1"/>
-          <p:nvPr/>
-        </p:nvSpPr>
-        <p:spPr>
-          <a:xfrm>
-            <a:off x="978541" y="1362180"/>
-            <a:ext cx="1854725" cy="461665"/>
-          </a:xfrm>
-          <a:prstGeom prst="rect">
-            <a:avLst/>
-          </a:prstGeom>
-          <a:noFill/>
-        </p:spPr>
-        <p:txBody>
-          <a:bodyPr wrap="square">
-            <a:spAutoFit/>
-          </a:bodyPr>
-          <a:lstStyle/>
-          <a:p>
-            <a:pPr marL="0" lvl="0" indent="0" rtl="0">
-              <a:spcBef>
-                <a:spcPts val="0"/>
-              </a:spcBef>
-              <a:spcAft>
-                <a:spcPts val="0"/>
-              </a:spcAft>
-              <a:buNone/>
-            </a:pPr>
-            <a:r>
-              <a:rPr lang="en" sz="2400" b="1" i="1" dirty="0"/>
-              <a:t>ITIS 6200</a:t>
-            </a:r>
-          </a:p>
-        </p:txBody>
-      </p:sp>
-      <p:sp>
-        <p:nvSpPr>
-          <p:cNvPr id="54" name="TextBox 53">
-            <a:extLst>
-              <a:ext uri="{FF2B5EF4-FFF2-40B4-BE49-F238E27FC236}">
-                <a16:creationId xmlns:a16="http://schemas.microsoft.com/office/drawing/2014/main" id="{EB840578-37E4-0D54-79E8-47D3AEACB874}"/>
-              </a:ext>
-            </a:extLst>
-          </p:cNvPr>
-          <p:cNvSpPr txBox="1"/>
-          <p:nvPr/>
-        </p:nvSpPr>
-        <p:spPr>
-          <a:xfrm>
-            <a:off x="3825600" y="3533318"/>
-            <a:ext cx="4646858" cy="338554"/>
-          </a:xfrm>
-          <a:prstGeom prst="rect">
-            <a:avLst/>
-          </a:prstGeom>
-          <a:noFill/>
-        </p:spPr>
-        <p:txBody>
-          <a:bodyPr wrap="square" rtlCol="0">
-            <a:spAutoFit/>
-          </a:bodyPr>
-          <a:lstStyle/>
-          <a:p>
-            <a:r>
-              <a:rPr lang="en-US" sz="1600" dirty="0">
-                <a:latin typeface="+mn-lt"/>
-              </a:rPr>
-              <a:t>ITIS 6268 Wireless Network Security</a:t>
-            </a:r>
-          </a:p>
-        </p:txBody>
-      </p:sp>
-      <p:sp>
-        <p:nvSpPr>
-          <p:cNvPr id="55" name="TextBox 54">
-            <a:extLst>
-              <a:ext uri="{FF2B5EF4-FFF2-40B4-BE49-F238E27FC236}">
-                <a16:creationId xmlns:a16="http://schemas.microsoft.com/office/drawing/2014/main" id="{58BF7471-64C8-75A2-F9DA-644F2F604773}"/>
-              </a:ext>
-            </a:extLst>
-          </p:cNvPr>
-          <p:cNvSpPr txBox="1"/>
-          <p:nvPr/>
-        </p:nvSpPr>
-        <p:spPr>
-          <a:xfrm>
-            <a:off x="3825600" y="3937049"/>
-            <a:ext cx="5404664" cy="338554"/>
-          </a:xfrm>
-          <a:prstGeom prst="rect">
-            <a:avLst/>
-          </a:prstGeom>
-          <a:noFill/>
-        </p:spPr>
-        <p:txBody>
-          <a:bodyPr wrap="square" rtlCol="0">
-            <a:spAutoFit/>
-          </a:bodyPr>
-          <a:lstStyle/>
-          <a:p>
-            <a:r>
-              <a:rPr lang="en-US" sz="1600" dirty="0">
-                <a:latin typeface="+mn-lt"/>
-              </a:rPr>
-              <a:t>ITIS 5221 Secure Programming and Penetration Testing</a:t>
-            </a:r>
-          </a:p>
-        </p:txBody>
-      </p:sp>
-      <p:sp>
-        <p:nvSpPr>
-          <p:cNvPr id="56" name="TextBox 55">
-            <a:extLst>
-              <a:ext uri="{FF2B5EF4-FFF2-40B4-BE49-F238E27FC236}">
-                <a16:creationId xmlns:a16="http://schemas.microsoft.com/office/drawing/2014/main" id="{176E2E0F-53A1-14D2-E3F5-5B4FC1D01E68}"/>
-              </a:ext>
-            </a:extLst>
-          </p:cNvPr>
-          <p:cNvSpPr txBox="1"/>
-          <p:nvPr/>
-        </p:nvSpPr>
-        <p:spPr>
-          <a:xfrm>
-            <a:off x="3825600" y="4325384"/>
-            <a:ext cx="4646858" cy="338554"/>
-          </a:xfrm>
-          <a:prstGeom prst="rect">
-            <a:avLst/>
-          </a:prstGeom>
-          <a:noFill/>
-        </p:spPr>
-        <p:txBody>
-          <a:bodyPr wrap="square" rtlCol="0">
-            <a:spAutoFit/>
-          </a:bodyPr>
-          <a:lstStyle/>
-          <a:p>
-            <a:r>
-              <a:rPr lang="en-US" sz="1600" dirty="0">
-                <a:latin typeface="+mn-lt"/>
-              </a:rPr>
-              <a:t>ITIS 6150 Software Assurance</a:t>
-            </a:r>
-          </a:p>
-        </p:txBody>
-      </p:sp>
-      <p:sp>
-        <p:nvSpPr>
-          <p:cNvPr id="57" name="TextBox 56">
-            <a:extLst>
-              <a:ext uri="{FF2B5EF4-FFF2-40B4-BE49-F238E27FC236}">
-                <a16:creationId xmlns:a16="http://schemas.microsoft.com/office/drawing/2014/main" id="{BF689FA4-8E23-73A3-01BB-4A836922A243}"/>
-              </a:ext>
-            </a:extLst>
-          </p:cNvPr>
-          <p:cNvSpPr txBox="1"/>
-          <p:nvPr/>
-        </p:nvSpPr>
-        <p:spPr>
-          <a:xfrm>
-            <a:off x="3825600" y="4658060"/>
-            <a:ext cx="4646858" cy="338554"/>
-          </a:xfrm>
-          <a:prstGeom prst="rect">
-            <a:avLst/>
-          </a:prstGeom>
-          <a:noFill/>
-        </p:spPr>
-        <p:txBody>
-          <a:bodyPr wrap="square" rtlCol="0">
-            <a:spAutoFit/>
-          </a:bodyPr>
-          <a:lstStyle/>
-          <a:p>
-            <a:r>
-              <a:rPr lang="en-US" sz="1600" dirty="0">
-                <a:latin typeface="+mn-lt"/>
-              </a:rPr>
-              <a:t>ITIS 5260 Introduction to Secure Analytics</a:t>
-            </a:r>
-          </a:p>
-        </p:txBody>
-      </p:sp>
-      <p:sp>
-        <p:nvSpPr>
-          <p:cNvPr id="58" name="TextBox 57">
-            <a:extLst>
-              <a:ext uri="{FF2B5EF4-FFF2-40B4-BE49-F238E27FC236}">
-                <a16:creationId xmlns:a16="http://schemas.microsoft.com/office/drawing/2014/main" id="{A8ECBC5F-4284-8FB0-1396-09DE1C6DD9E5}"/>
-              </a:ext>
-            </a:extLst>
-          </p:cNvPr>
-          <p:cNvSpPr txBox="1"/>
-          <p:nvPr/>
-        </p:nvSpPr>
-        <p:spPr>
-          <a:xfrm>
-            <a:off x="3739848" y="4827337"/>
-            <a:ext cx="4646858" cy="338554"/>
-          </a:xfrm>
-          <a:prstGeom prst="rect">
-            <a:avLst/>
-          </a:prstGeom>
-          <a:noFill/>
-        </p:spPr>
-        <p:txBody>
-          <a:bodyPr wrap="square" rtlCol="0">
-            <a:spAutoFit/>
-          </a:bodyPr>
-          <a:lstStyle/>
-          <a:p>
-            <a:r>
-              <a:rPr lang="en-US" sz="1600" dirty="0">
-                <a:latin typeface="+mn-lt"/>
-              </a:rPr>
-              <a:t>ITIS 5260 Introduction to Secure Analytics</a:t>
-            </a:r>
-          </a:p>
-        </p:txBody>
-      </p:sp>
-    </p:spTree>
-    <p:extLst>
-      <p:ext uri="{BB962C8B-B14F-4D97-AF65-F5344CB8AC3E}">
-        <p14:creationId xmlns:p14="http://schemas.microsoft.com/office/powerpoint/2010/main" val="2907653327"/>
-      </p:ext>
-    </p:extLst>
-  </p:cSld>
-  <p:clrMapOvr>
-    <a:masterClrMapping/>
-  </p:clrMapOvr>
-</p:sld>
-</file>
-
-<file path=ppt/slides/slide6.xml><?xml version="1.0" encoding="utf-8"?>
-<p:sld xmlns:a="http://schemas.openxmlformats.org/drawingml/2006/main" xmlns:r="http://schemas.openxmlformats.org/officeDocument/2006/relationships" xmlns:p="http://schemas.openxmlformats.org/presentationml/2006/main">
-  <p:cSld>
-    <p:spTree>
-      <p:nvGrpSpPr>
-        <p:cNvPr id="1" name="Shape 78"/>
-        <p:cNvGrpSpPr/>
-        <p:nvPr/>
-      </p:nvGrpSpPr>
-      <p:grpSpPr>
-        <a:xfrm>
-          <a:off x="0" y="0"/>
-          <a:ext cx="0" cy="0"/>
-          <a:chOff x="0" y="0"/>
-          <a:chExt cx="0" cy="0"/>
-        </a:xfrm>
-      </p:grpSpPr>
-      <p:sp>
-        <p:nvSpPr>
-          <p:cNvPr id="79" name="Google Shape;79;p18"/>
-          <p:cNvSpPr txBox="1">
-            <a:spLocks noGrp="1"/>
-          </p:cNvSpPr>
-          <p:nvPr>
-            <p:ph type="title"/>
-          </p:nvPr>
-        </p:nvSpPr>
-        <p:spPr>
-          <a:xfrm>
-            <a:off x="102700" y="270875"/>
-            <a:ext cx="8520600" cy="572700"/>
-          </a:xfrm>
-          <a:prstGeom prst="rect">
-            <a:avLst/>
-          </a:prstGeom>
-        </p:spPr>
-        <p:txBody>
-          <a:bodyPr spcFirstLastPara="1" wrap="square" lIns="91425" tIns="91425" rIns="91425" bIns="91425" anchor="t" anchorCtr="0">
-            <a:normAutofit fontScale="90000"/>
-          </a:bodyPr>
-          <a:lstStyle/>
-          <a:p>
-            <a:r>
-              <a:rPr lang="en" sz="2800" dirty="0">
-                <a:solidFill>
-                  <a:schemeClr val="tx1"/>
-                </a:solidFill>
-              </a:rPr>
-              <a:t>More about the course objectives</a:t>
-            </a:r>
-            <a:br>
-              <a:rPr lang="en" sz="2800" dirty="0">
-                <a:solidFill>
-                  <a:schemeClr val="tx1"/>
-                </a:solidFill>
-              </a:rPr>
-            </a:br>
-            <a:endParaRPr dirty="0"/>
-          </a:p>
-        </p:txBody>
-      </p:sp>
-      <p:sp>
-        <p:nvSpPr>
-          <p:cNvPr id="81" name="Google Shape;81;p18"/>
-          <p:cNvSpPr txBox="1">
-            <a:spLocks noGrp="1"/>
-          </p:cNvSpPr>
-          <p:nvPr>
-            <p:ph type="sldNum" idx="12"/>
-          </p:nvPr>
-        </p:nvSpPr>
-        <p:spPr>
-          <a:xfrm>
-            <a:off x="8472458" y="4663217"/>
-            <a:ext cx="548700" cy="393600"/>
-          </a:xfrm>
-          <a:prstGeom prst="rect">
-            <a:avLst/>
-          </a:prstGeom>
-        </p:spPr>
-        <p:txBody>
-          <a:bodyPr spcFirstLastPara="1" wrap="square" lIns="91425" tIns="91425" rIns="91425" bIns="91425" anchor="ctr" anchorCtr="0">
-            <a:normAutofit/>
-          </a:bodyPr>
-          <a:lstStyle/>
-          <a:p>
-            <a:pPr marL="0" lvl="0" indent="0" algn="r" rtl="0">
-              <a:spcBef>
-                <a:spcPts val="0"/>
-              </a:spcBef>
-              <a:spcAft>
-                <a:spcPts val="0"/>
-              </a:spcAft>
-              <a:buNone/>
-            </a:pPr>
-            <a:fld id="{00000000-1234-1234-1234-123412341234}" type="slidenum">
-              <a:rPr lang="en"/>
-              <a:t>6</a:t>
             </a:fld>
             <a:endParaRPr/>
           </a:p>

--- a/teaching/ITIS6200/2023fa/lectures/Sep.5.syllabus.update.pptx
+++ b/teaching/ITIS6200/2023fa/lectures/Sep.5.syllabus.update.pptx
@@ -5516,7 +5516,7 @@
         </p:spPr>
         <p:txBody>
           <a:bodyPr spcFirstLastPara="1" wrap="square" lIns="91425" tIns="91425" rIns="91425" bIns="91425" anchor="t" anchorCtr="0">
-            <a:normAutofit/>
+            <a:normAutofit lnSpcReduction="10000"/>
           </a:bodyPr>
           <a:lstStyle/>
           <a:p>
@@ -5537,6 +5537,22 @@
                 </a:solidFill>
               </a:rPr>
               <a:t>Late submission policies</a:t>
+            </a:r>
+          </a:p>
+          <a:p>
+            <a:pPr lvl="1" indent="-342900">
+              <a:buSzPts val="1800"/>
+              <a:buFont typeface="Arial"/>
+              <a:buChar char="●"/>
+            </a:pPr>
+            <a:r>
+              <a:rPr lang="en-US" sz="2400" dirty="0">
+                <a:solidFill>
+                  <a:schemeClr val="tx1"/>
+                </a:solidFill>
+                <a:latin typeface="Helvetica Neue" panose="02000503000000020004" pitchFamily="2" charset="0"/>
+              </a:rPr>
+              <a:t>Maximum time of delay: 3 days</a:t>
             </a:r>
           </a:p>
           <a:p>
@@ -5552,8 +5568,39 @@
                 <a:effectLst/>
                 <a:latin typeface="Helvetica Neue" panose="02000503000000020004" pitchFamily="2" charset="0"/>
               </a:rPr>
-              <a:t>Penalty: 25% of the initial score</a:t>
+              <a:t>Penalty: 20% (1 day), 30% (</a:t>
             </a:r>
+            <a:r>
+              <a:rPr lang="en-US" sz="2400" dirty="0">
+                <a:solidFill>
+                  <a:schemeClr val="tx1"/>
+                </a:solidFill>
+                <a:latin typeface="Helvetica Neue" panose="02000503000000020004" pitchFamily="2" charset="0"/>
+              </a:rPr>
+              <a:t>2</a:t>
+            </a:r>
+            <a:r>
+              <a:rPr lang="en-US" sz="2400" dirty="0">
+                <a:solidFill>
+                  <a:schemeClr val="tx1"/>
+                </a:solidFill>
+                <a:effectLst/>
+                <a:latin typeface="Helvetica Neue" panose="02000503000000020004" pitchFamily="2" charset="0"/>
+              </a:rPr>
+              <a:t> days), or 40% (3 days) of the initial score</a:t>
+            </a:r>
+          </a:p>
+          <a:p>
+            <a:pPr lvl="1" indent="-342900">
+              <a:buSzPts val="1800"/>
+              <a:buChar char="●"/>
+            </a:pPr>
+            <a:endParaRPr lang="en-US" sz="2400" dirty="0">
+              <a:solidFill>
+                <a:schemeClr val="tx1"/>
+              </a:solidFill>
+              <a:latin typeface="Helvetica Neue" panose="02000503000000020004" pitchFamily="2" charset="0"/>
+            </a:endParaRPr>
           </a:p>
           <a:p>
             <a:pPr lvl="1" indent="-342900">
@@ -5567,52 +5614,7 @@
                 </a:solidFill>
                 <a:latin typeface="Helvetica Neue" panose="02000503000000020004" pitchFamily="2" charset="0"/>
               </a:rPr>
-              <a:t>Maximum time of delay: 3 days</a:t>
-            </a:r>
-          </a:p>
-          <a:p>
-            <a:pPr lvl="1" indent="-342900">
-              <a:buSzPts val="1800"/>
-              <a:buChar char="●"/>
-            </a:pPr>
-            <a:endParaRPr lang="en-US" sz="2400" dirty="0">
-              <a:solidFill>
-                <a:schemeClr val="tx1"/>
-              </a:solidFill>
-              <a:latin typeface="Helvetica Neue" panose="02000503000000020004" pitchFamily="2" charset="0"/>
-            </a:endParaRPr>
-          </a:p>
-          <a:p>
-            <a:pPr lvl="1" indent="-342900">
-              <a:buSzPts val="1800"/>
-              <a:buChar char="●"/>
-            </a:pPr>
-            <a:r>
-              <a:rPr lang="en-US" sz="2400" dirty="0">
-                <a:solidFill>
-                  <a:schemeClr val="tx1"/>
-                </a:solidFill>
-                <a:latin typeface="Helvetica Neue" panose="02000503000000020004" pitchFamily="2" charset="0"/>
-              </a:rPr>
-              <a:t>Example: Alice was late for assignment #1, </a:t>
-            </a:r>
-            <a:r>
-              <a:rPr lang="en-US" sz="2400">
-                <a:solidFill>
-                  <a:schemeClr val="tx1"/>
-                </a:solidFill>
-                <a:latin typeface="Helvetica Neue" panose="02000503000000020004" pitchFamily="2" charset="0"/>
-              </a:rPr>
-              <a:t>and her submission got 80 </a:t>
-            </a:r>
-            <a:r>
-              <a:rPr lang="en-US" sz="2400" dirty="0">
-                <a:solidFill>
-                  <a:schemeClr val="tx1"/>
-                </a:solidFill>
-                <a:latin typeface="Helvetica Neue" panose="02000503000000020004" pitchFamily="2" charset="0"/>
-              </a:rPr>
-              <a:t>points for all the questions in the assignment. Then, her final score would be 80*(1-25%) = 60. </a:t>
+              <a:t>Example: Alice was late for assignment #1 by 2 days, and her submission got 80 points for all the questions in the assignment. Then, her final score would be 80*(1-30%) = 56. </a:t>
             </a:r>
           </a:p>
         </p:txBody>

--- a/teaching/ITIS6200/2023fa/lectures/Sep.5.syllabus.update.pptx
+++ b/teaching/ITIS6200/2023fa/lectures/Sep.5.syllabus.update.pptx
@@ -6162,7 +6162,15 @@
                   <a:schemeClr val="tx1"/>
                 </a:solidFill>
               </a:rPr>
-              <a:t>More about the course objectives</a:t>
+              <a:t>More about the course objectives: </a:t>
+            </a:r>
+            <a:r>
+              <a:rPr lang="en" b="1" dirty="0">
+                <a:solidFill>
+                  <a:schemeClr val="tx1"/>
+                </a:solidFill>
+              </a:rPr>
+              <a:t>Introduction</a:t>
             </a:r>
             <a:br>
               <a:rPr lang="en" sz="2800" dirty="0">
@@ -6297,7 +6305,7 @@
         </p:nvSpPr>
         <p:spPr>
           <a:xfrm>
-            <a:off x="6228868" y="3506644"/>
+            <a:off x="6224728" y="3434872"/>
             <a:ext cx="1094756" cy="738664"/>
           </a:xfrm>
           <a:prstGeom prst="rect">
@@ -7008,8 +7016,8 @@
         </p:nvSpPr>
         <p:spPr>
           <a:xfrm>
-            <a:off x="2882982" y="2204142"/>
-            <a:ext cx="1239341" cy="1169551"/>
+            <a:off x="6032761" y="4272048"/>
+            <a:ext cx="1623442" cy="954107"/>
           </a:xfrm>
           <a:prstGeom prst="rect">
             <a:avLst/>
@@ -7084,7 +7092,7 @@
         </p:nvSpPr>
         <p:spPr>
           <a:xfrm>
-            <a:off x="2939141" y="3668905"/>
+            <a:off x="2912901" y="2262546"/>
             <a:ext cx="1150774" cy="738664"/>
           </a:xfrm>
           <a:prstGeom prst="rect">
@@ -7330,8 +7338,8 @@
         </p:nvSpPr>
         <p:spPr>
           <a:xfrm>
-            <a:off x="2888248" y="1249976"/>
-            <a:ext cx="1218372" cy="3157593"/>
+            <a:off x="2888248" y="1249977"/>
+            <a:ext cx="1218372" cy="2209216"/>
           </a:xfrm>
           <a:prstGeom prst="rect">
             <a:avLst/>
@@ -7462,8 +7470,8 @@
         </p:nvSpPr>
         <p:spPr>
           <a:xfrm>
-            <a:off x="6084148" y="1217666"/>
-            <a:ext cx="1335019" cy="3036659"/>
+            <a:off x="6084148" y="1217667"/>
+            <a:ext cx="1335019" cy="2955870"/>
           </a:xfrm>
           <a:prstGeom prst="rect">
             <a:avLst/>
@@ -7529,7 +7537,7 @@
         <p:spPr>
           <a:xfrm>
             <a:off x="7557941" y="1226684"/>
-            <a:ext cx="1479741" cy="3018624"/>
+            <a:ext cx="1479741" cy="2955870"/>
           </a:xfrm>
           <a:prstGeom prst="rect">
             <a:avLst/>

--- a/teaching/ITIS6200/2023fa/lectures/Sep.5.syllabus.update.pptx
+++ b/teaching/ITIS6200/2023fa/lectures/Sep.5.syllabus.update.pptx
@@ -9,8 +9,8 @@
   </p:notesMasterIdLst>
   <p:sldIdLst>
     <p:sldId id="257" r:id="rId2"/>
-    <p:sldId id="258" r:id="rId3"/>
-    <p:sldId id="259" r:id="rId4"/>
+    <p:sldId id="259" r:id="rId3"/>
+    <p:sldId id="258" r:id="rId4"/>
     <p:sldId id="261" r:id="rId5"/>
     <p:sldId id="263" r:id="rId6"/>
   </p:sldIdLst>
@@ -892,6 +892,31 @@
           </a:bodyPr>
           <a:lstStyle/>
           <a:p>
+            <a:pPr lvl="1" indent="-342900">
+              <a:buSzPts val="1800"/>
+              <a:buChar char="●"/>
+            </a:pPr>
+            <a:r>
+              <a:rPr lang="en-US" sz="1100" dirty="0"/>
+              <a:t>Course materials are allowed. No generative AI allowed, e.g., </a:t>
+            </a:r>
+            <a:r>
+              <a:rPr lang="en-US" sz="1100" dirty="0" err="1"/>
+              <a:t>ChatGPT</a:t>
+            </a:r>
+            <a:endParaRPr lang="en-US" sz="1100" dirty="0"/>
+          </a:p>
+          <a:p>
+            <a:pPr lvl="1" indent="-342900">
+              <a:buSzPts val="1800"/>
+              <a:buChar char="●"/>
+            </a:pPr>
+            <a:r>
+              <a:rPr lang="en-US" sz="1100" dirty="0"/>
+              <a:t>For whatever resources you have used, citations are important. They need to be clear and relevant</a:t>
+            </a:r>
+          </a:p>
+          <a:p>
             <a:pPr marL="0" lvl="0" indent="0" algn="l" rtl="0">
               <a:spcBef>
                 <a:spcPts val="0"/>
@@ -901,14 +926,14 @@
               </a:spcAft>
               <a:buNone/>
             </a:pPr>
-            <a:endParaRPr/>
+            <a:endParaRPr dirty="0"/>
           </a:p>
         </p:txBody>
       </p:sp>
     </p:spTree>
     <p:extLst>
       <p:ext uri="{BB962C8B-B14F-4D97-AF65-F5344CB8AC3E}">
-        <p14:creationId xmlns:p14="http://schemas.microsoft.com/office/powerpoint/2010/main" val="2619743359"/>
+        <p14:creationId xmlns:p14="http://schemas.microsoft.com/office/powerpoint/2010/main" val="311885901"/>
       </p:ext>
     </p:extLst>
   </p:cSld>
@@ -1001,48 +1026,23 @@
           </a:bodyPr>
           <a:lstStyle/>
           <a:p>
-            <a:pPr lvl="1" indent="-342900">
-              <a:buSzPts val="1800"/>
-              <a:buChar char="●"/>
+            <a:pPr marL="0" lvl="0" indent="0" algn="l" rtl="0">
+              <a:spcBef>
+                <a:spcPts val="0"/>
+              </a:spcBef>
+              <a:spcAft>
+                <a:spcPts val="0"/>
+              </a:spcAft>
+              <a:buNone/>
             </a:pPr>
-            <a:r>
-              <a:rPr lang="en-US" sz="1100" dirty="0"/>
-              <a:t>Course materials are allowed. No generative AI allowed, e.g., </a:t>
-            </a:r>
-            <a:r>
-              <a:rPr lang="en-US" sz="1100" dirty="0" err="1"/>
-              <a:t>ChatGPT</a:t>
-            </a:r>
-            <a:endParaRPr lang="en-US" sz="1100" dirty="0"/>
-          </a:p>
-          <a:p>
-            <a:pPr lvl="1" indent="-342900">
-              <a:buSzPts val="1800"/>
-              <a:buChar char="●"/>
-            </a:pPr>
-            <a:r>
-              <a:rPr lang="en-US" sz="1100" dirty="0"/>
-              <a:t>For whatever resources you have used, citations are important. They need to be clear and relevant</a:t>
-            </a:r>
-          </a:p>
-          <a:p>
-            <a:pPr marL="0" lvl="0" indent="0" algn="l" rtl="0">
-              <a:spcBef>
-                <a:spcPts val="0"/>
-              </a:spcBef>
-              <a:spcAft>
-                <a:spcPts val="0"/>
-              </a:spcAft>
-              <a:buNone/>
-            </a:pPr>
-            <a:endParaRPr dirty="0"/>
+            <a:endParaRPr/>
           </a:p>
         </p:txBody>
       </p:sp>
     </p:spTree>
     <p:extLst>
       <p:ext uri="{BB962C8B-B14F-4D97-AF65-F5344CB8AC3E}">
-        <p14:creationId xmlns:p14="http://schemas.microsoft.com/office/powerpoint/2010/main" val="311885901"/>
+        <p14:creationId xmlns:p14="http://schemas.microsoft.com/office/powerpoint/2010/main" val="2619743359"/>
       </p:ext>
     </p:extLst>
   </p:cSld>
@@ -5247,7 +5247,7 @@
         </p:spPr>
         <p:txBody>
           <a:bodyPr spcFirstLastPara="1" wrap="square" lIns="91425" tIns="91425" rIns="91425" bIns="91425" anchor="t" anchorCtr="0">
-            <a:normAutofit/>
+            <a:normAutofit fontScale="92500" lnSpcReduction="10000"/>
           </a:bodyPr>
           <a:lstStyle/>
           <a:p>
@@ -5283,7 +5283,7 @@
                 <a:effectLst/>
                 <a:latin typeface="Helvetica Neue" panose="02000503000000020004" pitchFamily="2" charset="0"/>
               </a:rPr>
-              <a:t>Assignments: 35%</a:t>
+              <a:t>Assignments (4): 35%</a:t>
             </a:r>
           </a:p>
           <a:p>
@@ -5298,7 +5298,7 @@
                 </a:solidFill>
                 <a:latin typeface="Helvetica Neue" panose="02000503000000020004" pitchFamily="2" charset="0"/>
               </a:rPr>
-              <a:t>Projects: 15%</a:t>
+              <a:t>Projects (2): 15%</a:t>
             </a:r>
           </a:p>
           <a:p>
@@ -5307,14 +5307,14 @@
               <a:buChar char="●"/>
             </a:pPr>
             <a:r>
-              <a:rPr lang="en-US" sz="2400" b="1" dirty="0">
+              <a:rPr lang="en-US" sz="2400" dirty="0">
                 <a:solidFill>
                   <a:schemeClr val="tx1"/>
                 </a:solidFill>
                 <a:effectLst/>
                 <a:latin typeface="Helvetica Neue" panose="02000503000000020004" pitchFamily="2" charset="0"/>
               </a:rPr>
-              <a:t>Quiz: 10% (4 quizzes total)</a:t>
+              <a:t>Quiz (4-5): 10%</a:t>
             </a:r>
           </a:p>
           <a:p>
@@ -5350,17 +5350,16 @@
             </a:r>
           </a:p>
           <a:p>
-            <a:pPr lvl="1" indent="-342900">
-              <a:buSzPts val="1800"/>
-              <a:buChar char="●"/>
-            </a:pPr>
-            <a:endParaRPr lang="en-US" sz="2400" dirty="0">
-              <a:solidFill>
-                <a:schemeClr val="tx1"/>
-              </a:solidFill>
-              <a:effectLst/>
-              <a:latin typeface="Helvetica Neue" panose="02000503000000020004" pitchFamily="2" charset="0"/>
-            </a:endParaRPr>
+            <a:r>
+              <a:rPr lang="en-US" sz="2800" dirty="0">
+                <a:solidFill>
+                  <a:schemeClr val="tx1"/>
+                </a:solidFill>
+                <a:effectLst/>
+                <a:latin typeface="Helvetica Neue" panose="02000503000000020004" pitchFamily="2" charset="0"/>
+              </a:rPr>
+              <a:t>Extra credit</a:t>
+            </a:r>
           </a:p>
           <a:p>
             <a:pPr lvl="1" indent="-342900">
@@ -5374,7 +5373,22 @@
                 </a:solidFill>
                 <a:latin typeface="Helvetica Neue" panose="02000503000000020004" pitchFamily="2" charset="0"/>
               </a:rPr>
-              <a:t>Class participation: (extra credit) 5% </a:t>
+              <a:t>Class participation: 5%</a:t>
+            </a:r>
+          </a:p>
+          <a:p>
+            <a:pPr lvl="1" indent="-342900">
+              <a:buSzPts val="1800"/>
+              <a:buChar char="●"/>
+            </a:pPr>
+            <a:r>
+              <a:rPr lang="en-US" sz="2400" dirty="0">
+                <a:solidFill>
+                  <a:schemeClr val="tx1"/>
+                </a:solidFill>
+                <a:latin typeface="Helvetica Neue" panose="02000503000000020004" pitchFamily="2" charset="0"/>
+              </a:rPr>
+              <a:t>UNCC security symposium: 1% </a:t>
             </a:r>
             <a:endParaRPr lang="en-US" sz="2400" dirty="0">
               <a:solidFill>
@@ -5508,7 +5522,7 @@
         <p:spPr>
           <a:xfrm>
             <a:off x="198500" y="1246825"/>
-            <a:ext cx="8520600" cy="3765600"/>
+            <a:ext cx="8945500" cy="3765600"/>
           </a:xfrm>
           <a:prstGeom prst="rect">
             <a:avLst/>
@@ -5516,7 +5530,7 @@
         </p:spPr>
         <p:txBody>
           <a:bodyPr spcFirstLastPara="1" wrap="square" lIns="91425" tIns="91425" rIns="91425" bIns="91425" anchor="t" anchorCtr="0">
-            <a:normAutofit lnSpcReduction="10000"/>
+            <a:normAutofit/>
           </a:bodyPr>
           <a:lstStyle/>
           <a:p>
@@ -5531,28 +5545,8 @@
               <a:buChar char="●"/>
             </a:pPr>
             <a:r>
-              <a:rPr lang="en" sz="2800" dirty="0">
-                <a:solidFill>
-                  <a:schemeClr val="tx1"/>
-                </a:solidFill>
-              </a:rPr>
-              <a:t>Late submission policies</a:t>
-            </a:r>
-          </a:p>
-          <a:p>
-            <a:pPr lvl="1" indent="-342900">
-              <a:buSzPts val="1800"/>
-              <a:buFont typeface="Arial"/>
-              <a:buChar char="●"/>
-            </a:pPr>
-            <a:r>
-              <a:rPr lang="en-US" sz="2400" dirty="0">
-                <a:solidFill>
-                  <a:schemeClr val="tx1"/>
-                </a:solidFill>
-                <a:latin typeface="Helvetica Neue" panose="02000503000000020004" pitchFamily="2" charset="0"/>
-              </a:rPr>
-              <a:t>Maximum time of delay: 3 days</a:t>
+              <a:rPr lang="en" sz="2800" dirty="0"/>
+              <a:t>Midterm</a:t>
             </a:r>
           </a:p>
           <a:p>
@@ -5561,46 +5555,9 @@
               <a:buChar char="●"/>
             </a:pPr>
             <a:r>
-              <a:rPr lang="en-US" sz="2400" dirty="0">
-                <a:solidFill>
-                  <a:schemeClr val="tx1"/>
-                </a:solidFill>
-                <a:effectLst/>
-                <a:latin typeface="Helvetica Neue" panose="02000503000000020004" pitchFamily="2" charset="0"/>
-              </a:rPr>
-              <a:t>Penalty: 20% (1 day), 30% (</a:t>
+              <a:rPr lang="en-US" sz="2400" dirty="0"/>
+              <a:t>Open book (instead of closed book)</a:t>
             </a:r>
-            <a:r>
-              <a:rPr lang="en-US" sz="2400" dirty="0">
-                <a:solidFill>
-                  <a:schemeClr val="tx1"/>
-                </a:solidFill>
-                <a:latin typeface="Helvetica Neue" panose="02000503000000020004" pitchFamily="2" charset="0"/>
-              </a:rPr>
-              <a:t>2</a:t>
-            </a:r>
-            <a:r>
-              <a:rPr lang="en-US" sz="2400" dirty="0">
-                <a:solidFill>
-                  <a:schemeClr val="tx1"/>
-                </a:solidFill>
-                <a:effectLst/>
-                <a:latin typeface="Helvetica Neue" panose="02000503000000020004" pitchFamily="2" charset="0"/>
-              </a:rPr>
-              <a:t> days), or 40% (3 days) of the initial score</a:t>
-            </a:r>
-          </a:p>
-          <a:p>
-            <a:pPr lvl="1" indent="-342900">
-              <a:buSzPts val="1800"/>
-              <a:buChar char="●"/>
-            </a:pPr>
-            <a:endParaRPr lang="en-US" sz="2400" dirty="0">
-              <a:solidFill>
-                <a:schemeClr val="tx1"/>
-              </a:solidFill>
-              <a:latin typeface="Helvetica Neue" panose="02000503000000020004" pitchFamily="2" charset="0"/>
-            </a:endParaRPr>
           </a:p>
           <a:p>
             <a:pPr lvl="1" indent="-342900">
@@ -5608,14 +5565,88 @@
               <a:buChar char="●"/>
             </a:pPr>
             <a:r>
-              <a:rPr lang="en-US" sz="2400" dirty="0">
-                <a:solidFill>
-                  <a:schemeClr val="tx1"/>
-                </a:solidFill>
-                <a:latin typeface="Helvetica Neue" panose="02000503000000020004" pitchFamily="2" charset="0"/>
-              </a:rPr>
-              <a:t>Example: Alice was late for assignment #1 by 2 days, and her submission got 80 points for all the questions in the assignment. Then, her final score would be 80*(1-30%) = 56. </a:t>
+              <a:rPr lang="en-US" sz="2400" dirty="0"/>
+              <a:t>Midterm</a:t>
             </a:r>
+          </a:p>
+          <a:p>
+            <a:pPr lvl="2" indent="-342900">
+              <a:buSzPts val="1800"/>
+              <a:buChar char="●"/>
+            </a:pPr>
+            <a:r>
+              <a:rPr lang="en-US" sz="2400" dirty="0"/>
+              <a:t>Oct. 3</a:t>
+            </a:r>
+            <a:r>
+              <a:rPr lang="en-US" sz="2400" baseline="30000" dirty="0"/>
+              <a:t>rd</a:t>
+            </a:r>
+            <a:r>
+              <a:rPr lang="en-US" sz="2400" dirty="0"/>
+              <a:t>, 9:30-11:30am, no lecture that day </a:t>
+            </a:r>
+          </a:p>
+          <a:p>
+            <a:pPr lvl="2" indent="-342900">
+              <a:buSzPts val="1800"/>
+              <a:buChar char="●"/>
+            </a:pPr>
+            <a:r>
+              <a:rPr lang="en-US" sz="2400" dirty="0"/>
+              <a:t>Download and submit in Canvas (like assignments)</a:t>
+            </a:r>
+          </a:p>
+          <a:p>
+            <a:pPr lvl="2" indent="-342900">
+              <a:buSzPts val="1800"/>
+              <a:buChar char="●"/>
+            </a:pPr>
+            <a:r>
+              <a:rPr lang="en-US" sz="2400" dirty="0"/>
+              <a:t>Open book exam (No google and Chat GPT allowed)</a:t>
+            </a:r>
+          </a:p>
+          <a:p>
+            <a:pPr lvl="2" indent="-342900">
+              <a:buSzPts val="1800"/>
+              <a:buChar char="●"/>
+            </a:pPr>
+            <a:r>
+              <a:rPr lang="en-US" sz="2400" dirty="0"/>
+              <a:t>6-7 questions (like the assignments)</a:t>
+            </a:r>
+          </a:p>
+          <a:p>
+            <a:pPr lvl="2" indent="-342900">
+              <a:buSzPts val="1800"/>
+              <a:buChar char="●"/>
+            </a:pPr>
+            <a:r>
+              <a:rPr lang="en-US" sz="2400" dirty="0"/>
+              <a:t>Covers all cryptography lectures</a:t>
+            </a:r>
+          </a:p>
+          <a:p>
+            <a:pPr lvl="2" indent="-342900">
+              <a:buSzPts val="1800"/>
+              <a:buChar char="●"/>
+            </a:pPr>
+            <a:endParaRPr lang="en-US" sz="2400" dirty="0"/>
+          </a:p>
+          <a:p>
+            <a:pPr lvl="1" indent="-342900">
+              <a:buSzPts val="1800"/>
+              <a:buChar char="●"/>
+            </a:pPr>
+            <a:endParaRPr lang="en-US" sz="2400" dirty="0"/>
+          </a:p>
+          <a:p>
+            <a:pPr lvl="1" indent="-342900">
+              <a:buSzPts val="1800"/>
+              <a:buChar char="●"/>
+            </a:pPr>
+            <a:endParaRPr sz="2400" dirty="0"/>
           </a:p>
         </p:txBody>
       </p:sp>
@@ -5664,7 +5695,7 @@
     </p:spTree>
     <p:extLst>
       <p:ext uri="{BB962C8B-B14F-4D97-AF65-F5344CB8AC3E}">
-        <p14:creationId xmlns:p14="http://schemas.microsoft.com/office/powerpoint/2010/main" val="2423837551"/>
+        <p14:creationId xmlns:p14="http://schemas.microsoft.com/office/powerpoint/2010/main" val="2896167470"/>
       </p:ext>
     </p:extLst>
   </p:cSld>
@@ -5754,7 +5785,7 @@
         </p:spPr>
         <p:txBody>
           <a:bodyPr spcFirstLastPara="1" wrap="square" lIns="91425" tIns="91425" rIns="91425" bIns="91425" anchor="t" anchorCtr="0">
-            <a:normAutofit/>
+            <a:normAutofit lnSpcReduction="10000"/>
           </a:bodyPr>
           <a:lstStyle/>
           <a:p>
@@ -5769,8 +5800,28 @@
               <a:buChar char="●"/>
             </a:pPr>
             <a:r>
-              <a:rPr lang="en" sz="2800" dirty="0"/>
-              <a:t>Format of midterm and final</a:t>
+              <a:rPr lang="en" sz="2800" dirty="0">
+                <a:solidFill>
+                  <a:schemeClr val="tx1"/>
+                </a:solidFill>
+              </a:rPr>
+              <a:t>Late submission policies</a:t>
+            </a:r>
+          </a:p>
+          <a:p>
+            <a:pPr lvl="1" indent="-342900">
+              <a:buSzPts val="1800"/>
+              <a:buFont typeface="Arial"/>
+              <a:buChar char="●"/>
+            </a:pPr>
+            <a:r>
+              <a:rPr lang="en-US" sz="2400" dirty="0">
+                <a:solidFill>
+                  <a:schemeClr val="tx1"/>
+                </a:solidFill>
+                <a:latin typeface="Helvetica Neue" panose="02000503000000020004" pitchFamily="2" charset="0"/>
+              </a:rPr>
+              <a:t>Maximum time of delay: 3 days</a:t>
             </a:r>
           </a:p>
           <a:p>
@@ -5779,8 +5830,33 @@
               <a:buChar char="●"/>
             </a:pPr>
             <a:r>
-              <a:rPr lang="en-US" sz="2400" dirty="0"/>
-              <a:t>Open book (instead of closed book)</a:t>
+              <a:rPr lang="en-US" sz="2400" dirty="0">
+                <a:solidFill>
+                  <a:schemeClr val="tx1"/>
+                </a:solidFill>
+                <a:effectLst/>
+                <a:latin typeface="Helvetica Neue" panose="02000503000000020004" pitchFamily="2" charset="0"/>
+              </a:rPr>
+              <a:t>Penalty: 20% (1 day), 30% (</a:t>
+            </a:r>
+            <a:r>
+              <a:rPr lang="en-US" sz="2400" dirty="0">
+                <a:solidFill>
+                  <a:schemeClr val="tx1"/>
+                </a:solidFill>
+                <a:latin typeface="Helvetica Neue" panose="02000503000000020004" pitchFamily="2" charset="0"/>
+              </a:rPr>
+              <a:t>2</a:t>
+            </a:r>
+            <a:r>
+              <a:rPr lang="en-US" sz="2400" dirty="0">
+                <a:solidFill>
+                  <a:schemeClr val="tx1"/>
+                </a:solidFill>
+                <a:effectLst/>
+                <a:latin typeface="Helvetica Neue" panose="02000503000000020004" pitchFamily="2" charset="0"/>
+              </a:rPr>
+              <a:t> days), or 40% (3 days) of the initial score</a:t>
             </a:r>
           </a:p>
           <a:p>
@@ -5788,7 +5864,12 @@
               <a:buSzPts val="1800"/>
               <a:buChar char="●"/>
             </a:pPr>
-            <a:endParaRPr lang="en-US" sz="2400" dirty="0"/>
+            <a:endParaRPr lang="en-US" sz="2400" dirty="0">
+              <a:solidFill>
+                <a:schemeClr val="tx1"/>
+              </a:solidFill>
+              <a:latin typeface="Helvetica Neue" panose="02000503000000020004" pitchFamily="2" charset="0"/>
+            </a:endParaRPr>
           </a:p>
           <a:p>
             <a:pPr lvl="1" indent="-342900">
@@ -5796,23 +5877,14 @@
               <a:buChar char="●"/>
             </a:pPr>
             <a:r>
-              <a:rPr lang="en-US" sz="2400" dirty="0"/>
-              <a:t>More details on policies coming soon</a:t>
+              <a:rPr lang="en-US" sz="2400" dirty="0">
+                <a:solidFill>
+                  <a:schemeClr val="tx1"/>
+                </a:solidFill>
+                <a:latin typeface="Helvetica Neue" panose="02000503000000020004" pitchFamily="2" charset="0"/>
+              </a:rPr>
+              <a:t>Example: Alice was late for assignment #1 by 2 days, and her submission got 80 points for all the questions in the assignment. Then, her final score would be 80*(1-30%) = 56. </a:t>
             </a:r>
-          </a:p>
-          <a:p>
-            <a:pPr lvl="1" indent="-342900">
-              <a:buSzPts val="1800"/>
-              <a:buChar char="●"/>
-            </a:pPr>
-            <a:endParaRPr lang="en-US" sz="2400" dirty="0"/>
-          </a:p>
-          <a:p>
-            <a:pPr lvl="1" indent="-342900">
-              <a:buSzPts val="1800"/>
-              <a:buChar char="●"/>
-            </a:pPr>
-            <a:endParaRPr sz="2400" dirty="0"/>
           </a:p>
         </p:txBody>
       </p:sp>
@@ -5861,7 +5933,7 @@
     </p:spTree>
     <p:extLst>
       <p:ext uri="{BB962C8B-B14F-4D97-AF65-F5344CB8AC3E}">
-        <p14:creationId xmlns:p14="http://schemas.microsoft.com/office/powerpoint/2010/main" val="2896167470"/>
+        <p14:creationId xmlns:p14="http://schemas.microsoft.com/office/powerpoint/2010/main" val="2423837551"/>
       </p:ext>
     </p:extLst>
   </p:cSld>
